--- a/Project_Documentation/Roshan_Ghadge_2322305507_sem4.pptx
+++ b/Project_Documentation/Roshan_Ghadge_2322305507_sem4.pptx
@@ -2,7 +2,7 @@
 <file path=ppt/presentation.xml><?xml version="1.0" encoding="utf-8"?>
 <p:presentation xmlns:a="http://schemas.openxmlformats.org/drawingml/2006/main" xmlns:r="http://schemas.openxmlformats.org/officeDocument/2006/relationships" xmlns:p="http://schemas.openxmlformats.org/presentationml/2006/main">
   <p:sldMasterIdLst>
-    <p:sldMasterId id="2147483648" r:id="rId1"/>
+    <p:sldMasterId id="2147483672" r:id="rId1"/>
   </p:sldMasterIdLst>
   <p:notesMasterIdLst>
     <p:notesMasterId r:id="rId8"/>
@@ -22,194 +22,95 @@
   <p:notesSz cx="6858000" cy="9144000"/>
   <p:defaultTextStyle>
     <a:defPPr>
-      <a:defRPr lang="zh-CN"/>
+      <a:defRPr lang="en-US"/>
     </a:defPPr>
-    <a:lvl1pPr marL="0" lvl="0" indent="0" algn="l" defTabSz="914400" rtl="0" eaLnBrk="1" fontAlgn="base" latinLnBrk="0" hangingPunct="1">
-      <a:lnSpc>
-        <a:spcPct val="100000"/>
-      </a:lnSpc>
-      <a:spcBef>
-        <a:spcPct val="0"/>
-      </a:spcBef>
-      <a:spcAft>
-        <a:spcPct val="0"/>
-      </a:spcAft>
-      <a:buFontTx/>
-      <a:buNone/>
-      <a:defRPr b="0" i="0" u="none" kern="1200" baseline="0">
+    <a:lvl1pPr marL="0" algn="l" defTabSz="457200" rtl="0" eaLnBrk="1" latinLnBrk="0" hangingPunct="1">
+      <a:defRPr sz="1800" kern="1200">
         <a:solidFill>
           <a:schemeClr val="tx1"/>
         </a:solidFill>
-        <a:latin typeface="Calibri" panose="020F0502020204030204" pitchFamily="34" charset="0"/>
-        <a:ea typeface="SimSun" panose="02010600030101010101" pitchFamily="2" charset="-122"/>
+        <a:latin typeface="+mn-lt"/>
+        <a:ea typeface="+mn-ea"/>
         <a:cs typeface="+mn-cs"/>
       </a:defRPr>
     </a:lvl1pPr>
-    <a:lvl2pPr marL="457200" lvl="1" indent="0" algn="l" defTabSz="914400" rtl="0" eaLnBrk="1" fontAlgn="base" latinLnBrk="0" hangingPunct="1">
-      <a:lnSpc>
-        <a:spcPct val="100000"/>
-      </a:lnSpc>
-      <a:spcBef>
-        <a:spcPct val="0"/>
-      </a:spcBef>
-      <a:spcAft>
-        <a:spcPct val="0"/>
-      </a:spcAft>
-      <a:buFontTx/>
-      <a:buNone/>
-      <a:defRPr b="0" i="0" u="none" kern="1200" baseline="0">
+    <a:lvl2pPr marL="457200" algn="l" defTabSz="457200" rtl="0" eaLnBrk="1" latinLnBrk="0" hangingPunct="1">
+      <a:defRPr sz="1800" kern="1200">
         <a:solidFill>
           <a:schemeClr val="tx1"/>
         </a:solidFill>
-        <a:latin typeface="Calibri" panose="020F0502020204030204" pitchFamily="34" charset="0"/>
-        <a:ea typeface="SimSun" panose="02010600030101010101" pitchFamily="2" charset="-122"/>
+        <a:latin typeface="+mn-lt"/>
+        <a:ea typeface="+mn-ea"/>
         <a:cs typeface="+mn-cs"/>
       </a:defRPr>
     </a:lvl2pPr>
-    <a:lvl3pPr marL="914400" lvl="2" indent="0" algn="l" defTabSz="914400" rtl="0" eaLnBrk="1" fontAlgn="base" latinLnBrk="0" hangingPunct="1">
-      <a:lnSpc>
-        <a:spcPct val="100000"/>
-      </a:lnSpc>
-      <a:spcBef>
-        <a:spcPct val="0"/>
-      </a:spcBef>
-      <a:spcAft>
-        <a:spcPct val="0"/>
-      </a:spcAft>
-      <a:buFontTx/>
-      <a:buNone/>
-      <a:defRPr b="0" i="0" u="none" kern="1200" baseline="0">
+    <a:lvl3pPr marL="914400" algn="l" defTabSz="457200" rtl="0" eaLnBrk="1" latinLnBrk="0" hangingPunct="1">
+      <a:defRPr sz="1800" kern="1200">
         <a:solidFill>
           <a:schemeClr val="tx1"/>
         </a:solidFill>
-        <a:latin typeface="Calibri" panose="020F0502020204030204" pitchFamily="34" charset="0"/>
-        <a:ea typeface="SimSun" panose="02010600030101010101" pitchFamily="2" charset="-122"/>
+        <a:latin typeface="+mn-lt"/>
+        <a:ea typeface="+mn-ea"/>
         <a:cs typeface="+mn-cs"/>
       </a:defRPr>
     </a:lvl3pPr>
-    <a:lvl4pPr marL="1371600" lvl="3" indent="0" algn="l" defTabSz="914400" rtl="0" eaLnBrk="1" fontAlgn="base" latinLnBrk="0" hangingPunct="1">
-      <a:lnSpc>
-        <a:spcPct val="100000"/>
-      </a:lnSpc>
-      <a:spcBef>
-        <a:spcPct val="0"/>
-      </a:spcBef>
-      <a:spcAft>
-        <a:spcPct val="0"/>
-      </a:spcAft>
-      <a:buFontTx/>
-      <a:buNone/>
-      <a:defRPr b="0" i="0" u="none" kern="1200" baseline="0">
+    <a:lvl4pPr marL="1371600" algn="l" defTabSz="457200" rtl="0" eaLnBrk="1" latinLnBrk="0" hangingPunct="1">
+      <a:defRPr sz="1800" kern="1200">
         <a:solidFill>
           <a:schemeClr val="tx1"/>
         </a:solidFill>
-        <a:latin typeface="Calibri" panose="020F0502020204030204" pitchFamily="34" charset="0"/>
-        <a:ea typeface="SimSun" panose="02010600030101010101" pitchFamily="2" charset="-122"/>
+        <a:latin typeface="+mn-lt"/>
+        <a:ea typeface="+mn-ea"/>
         <a:cs typeface="+mn-cs"/>
       </a:defRPr>
     </a:lvl4pPr>
-    <a:lvl5pPr marL="1828800" lvl="4" indent="0" algn="l" defTabSz="914400" rtl="0" eaLnBrk="1" fontAlgn="base" latinLnBrk="0" hangingPunct="1">
-      <a:lnSpc>
-        <a:spcPct val="100000"/>
-      </a:lnSpc>
-      <a:spcBef>
-        <a:spcPct val="0"/>
-      </a:spcBef>
-      <a:spcAft>
-        <a:spcPct val="0"/>
-      </a:spcAft>
-      <a:buFontTx/>
-      <a:buNone/>
-      <a:defRPr b="0" i="0" u="none" kern="1200" baseline="0">
+    <a:lvl5pPr marL="1828800" algn="l" defTabSz="457200" rtl="0" eaLnBrk="1" latinLnBrk="0" hangingPunct="1">
+      <a:defRPr sz="1800" kern="1200">
         <a:solidFill>
           <a:schemeClr val="tx1"/>
         </a:solidFill>
-        <a:latin typeface="Calibri" panose="020F0502020204030204" pitchFamily="34" charset="0"/>
-        <a:ea typeface="SimSun" panose="02010600030101010101" pitchFamily="2" charset="-122"/>
+        <a:latin typeface="+mn-lt"/>
+        <a:ea typeface="+mn-ea"/>
         <a:cs typeface="+mn-cs"/>
       </a:defRPr>
     </a:lvl5pPr>
-    <a:lvl6pPr marL="2286000" lvl="5" indent="0" algn="l" defTabSz="914400" rtl="0" eaLnBrk="1" fontAlgn="base" latinLnBrk="0" hangingPunct="1">
-      <a:lnSpc>
-        <a:spcPct val="100000"/>
-      </a:lnSpc>
-      <a:spcBef>
-        <a:spcPct val="0"/>
-      </a:spcBef>
-      <a:spcAft>
-        <a:spcPct val="0"/>
-      </a:spcAft>
-      <a:buFontTx/>
-      <a:buNone/>
-      <a:defRPr b="0" i="0" u="none" kern="1200" baseline="0">
+    <a:lvl6pPr marL="2286000" algn="l" defTabSz="457200" rtl="0" eaLnBrk="1" latinLnBrk="0" hangingPunct="1">
+      <a:defRPr sz="1800" kern="1200">
         <a:solidFill>
           <a:schemeClr val="tx1"/>
         </a:solidFill>
-        <a:latin typeface="Calibri" panose="020F0502020204030204" pitchFamily="34" charset="0"/>
-        <a:ea typeface="SimSun" panose="02010600030101010101" pitchFamily="2" charset="-122"/>
+        <a:latin typeface="+mn-lt"/>
+        <a:ea typeface="+mn-ea"/>
         <a:cs typeface="+mn-cs"/>
       </a:defRPr>
     </a:lvl6pPr>
-    <a:lvl7pPr marL="2743200" lvl="6" indent="0" algn="l" defTabSz="914400" rtl="0" eaLnBrk="1" fontAlgn="base" latinLnBrk="0" hangingPunct="1">
-      <a:lnSpc>
-        <a:spcPct val="100000"/>
-      </a:lnSpc>
-      <a:spcBef>
-        <a:spcPct val="0"/>
-      </a:spcBef>
-      <a:spcAft>
-        <a:spcPct val="0"/>
-      </a:spcAft>
-      <a:buFontTx/>
-      <a:buNone/>
-      <a:defRPr b="0" i="0" u="none" kern="1200" baseline="0">
+    <a:lvl7pPr marL="2743200" algn="l" defTabSz="457200" rtl="0" eaLnBrk="1" latinLnBrk="0" hangingPunct="1">
+      <a:defRPr sz="1800" kern="1200">
         <a:solidFill>
           <a:schemeClr val="tx1"/>
         </a:solidFill>
-        <a:latin typeface="Calibri" panose="020F0502020204030204" pitchFamily="34" charset="0"/>
-        <a:ea typeface="SimSun" panose="02010600030101010101" pitchFamily="2" charset="-122"/>
+        <a:latin typeface="+mn-lt"/>
+        <a:ea typeface="+mn-ea"/>
         <a:cs typeface="+mn-cs"/>
       </a:defRPr>
     </a:lvl7pPr>
-    <a:lvl8pPr marL="3200400" lvl="7" indent="0" algn="l" defTabSz="914400" rtl="0" eaLnBrk="1" fontAlgn="base" latinLnBrk="0" hangingPunct="1">
-      <a:lnSpc>
-        <a:spcPct val="100000"/>
-      </a:lnSpc>
-      <a:spcBef>
-        <a:spcPct val="0"/>
-      </a:spcBef>
-      <a:spcAft>
-        <a:spcPct val="0"/>
-      </a:spcAft>
-      <a:buFontTx/>
-      <a:buNone/>
-      <a:defRPr b="0" i="0" u="none" kern="1200" baseline="0">
+    <a:lvl8pPr marL="3200400" algn="l" defTabSz="457200" rtl="0" eaLnBrk="1" latinLnBrk="0" hangingPunct="1">
+      <a:defRPr sz="1800" kern="1200">
         <a:solidFill>
           <a:schemeClr val="tx1"/>
         </a:solidFill>
-        <a:latin typeface="Calibri" panose="020F0502020204030204" pitchFamily="34" charset="0"/>
-        <a:ea typeface="SimSun" panose="02010600030101010101" pitchFamily="2" charset="-122"/>
+        <a:latin typeface="+mn-lt"/>
+        <a:ea typeface="+mn-ea"/>
         <a:cs typeface="+mn-cs"/>
       </a:defRPr>
     </a:lvl8pPr>
-    <a:lvl9pPr marL="3657600" lvl="8" indent="0" algn="l" defTabSz="914400" rtl="0" eaLnBrk="1" fontAlgn="base" latinLnBrk="0" hangingPunct="1">
-      <a:lnSpc>
-        <a:spcPct val="100000"/>
-      </a:lnSpc>
-      <a:spcBef>
-        <a:spcPct val="0"/>
-      </a:spcBef>
-      <a:spcAft>
-        <a:spcPct val="0"/>
-      </a:spcAft>
-      <a:buFontTx/>
-      <a:buNone/>
-      <a:defRPr b="0" i="0" u="none" kern="1200" baseline="0">
+    <a:lvl9pPr marL="3657600" algn="l" defTabSz="457200" rtl="0" eaLnBrk="1" latinLnBrk="0" hangingPunct="1">
+      <a:defRPr sz="1800" kern="1200">
         <a:solidFill>
           <a:schemeClr val="tx1"/>
         </a:solidFill>
-        <a:latin typeface="Calibri" panose="020F0502020204030204" pitchFamily="34" charset="0"/>
-        <a:ea typeface="SimSun" panose="02010600030101010101" pitchFamily="2" charset="-122"/>
+        <a:latin typeface="+mn-lt"/>
+        <a:ea typeface="+mn-ea"/>
         <a:cs typeface="+mn-cs"/>
       </a:defRPr>
     </a:lvl9pPr>
@@ -327,7 +228,7 @@
                 <a:ea typeface="SimSun" panose="02010600030101010101" pitchFamily="2" charset="-122"/>
                 <a:cs typeface="+mn-cs"/>
               </a:rPr>
-              <a:t>2024/6/22</a:t>
+              <a:t>2024/6/23</a:t>
             </a:fld>
             <a:endParaRPr lang="zh-CN" altLang="en-US" strike="noStrike" noProof="1"/>
           </a:p>
@@ -504,7 +405,7 @@
                 <a:ea typeface="SimSun" panose="02010600030101010101" pitchFamily="2" charset="-122"/>
                 <a:cs typeface="+mn-cs"/>
               </a:rPr>
-              <a:t>2024/6/22</a:t>
+              <a:t>2024/6/23</a:t>
             </a:fld>
             <a:endParaRPr lang="zh-CN" altLang="en-US" strike="noStrike" noProof="1"/>
           </a:p>
@@ -776,16 +677,8 @@
 </file>
 
 <file path=ppt/slideLayouts/slideLayout1.xml><?xml version="1.0" encoding="utf-8"?>
-<p:sldLayout xmlns:a="http://schemas.openxmlformats.org/drawingml/2006/main" xmlns:r="http://schemas.openxmlformats.org/officeDocument/2006/relationships" xmlns:p="http://schemas.openxmlformats.org/presentationml/2006/main" showMasterSp="0" showMasterPhAnim="0" type="title" preserve="1">
+<p:sldLayout xmlns:a="http://schemas.openxmlformats.org/drawingml/2006/main" xmlns:r="http://schemas.openxmlformats.org/officeDocument/2006/relationships" xmlns:p="http://schemas.openxmlformats.org/presentationml/2006/main" showMasterSp="0" type="title" preserve="1">
   <p:cSld name="Title Slide">
-    <p:bg>
-      <p:bgPr>
-        <a:solidFill>
-          <a:schemeClr val="bg1"/>
-        </a:solidFill>
-        <a:effectLst/>
-      </p:bgPr>
-    </p:bg>
     <p:spTree>
       <p:nvGrpSpPr>
         <p:cNvPr id="1" name=""/>
@@ -800,136 +693,579 @@
           <a:chExt cx="0" cy="0"/>
         </a:xfrm>
       </p:grpSpPr>
-      <p:pic>
-        <p:nvPicPr>
-          <p:cNvPr id="2050" name="Picture 2" descr="关系图"/>
-          <p:cNvPicPr>
-            <a:picLocks noChangeAspect="1"/>
-          </p:cNvPicPr>
+      <p:grpSp>
+        <p:nvGrpSpPr>
+          <p:cNvPr id="7" name="Group 6"/>
+          <p:cNvGrpSpPr/>
           <p:nvPr/>
-        </p:nvPicPr>
-        <p:blipFill>
-          <a:blip r:embed="rId2"/>
-          <a:srcRect r="2528" b="10909"/>
-          <a:stretch>
-            <a:fillRect/>
-          </a:stretch>
-        </p:blipFill>
+        </p:nvGrpSpPr>
+        <p:grpSpPr>
+          <a:xfrm>
+            <a:off x="0" y="-8467"/>
+            <a:ext cx="12192000" cy="6866467"/>
+            <a:chOff x="0" y="-8467"/>
+            <a:chExt cx="12192000" cy="6866467"/>
+          </a:xfrm>
+        </p:grpSpPr>
+        <p:cxnSp>
+          <p:nvCxnSpPr>
+            <p:cNvPr id="32" name="Straight Connector 31"/>
+            <p:cNvCxnSpPr/>
+            <p:nvPr/>
+          </p:nvCxnSpPr>
+          <p:spPr>
+            <a:xfrm>
+              <a:off x="9371012" y="0"/>
+              <a:ext cx="1219200" cy="6858000"/>
+            </a:xfrm>
+            <a:prstGeom prst="line">
+              <a:avLst/>
+            </a:prstGeom>
+            <a:ln w="9525">
+              <a:solidFill>
+                <a:schemeClr val="bg1">
+                  <a:lumMod val="75000"/>
+                </a:schemeClr>
+              </a:solidFill>
+            </a:ln>
+          </p:spPr>
+          <p:style>
+            <a:lnRef idx="2">
+              <a:schemeClr val="accent1"/>
+            </a:lnRef>
+            <a:fillRef idx="0">
+              <a:schemeClr val="accent1"/>
+            </a:fillRef>
+            <a:effectRef idx="1">
+              <a:schemeClr val="accent1"/>
+            </a:effectRef>
+            <a:fontRef idx="minor">
+              <a:schemeClr val="tx1"/>
+            </a:fontRef>
+          </p:style>
+        </p:cxnSp>
+        <p:cxnSp>
+          <p:nvCxnSpPr>
+            <p:cNvPr id="21" name="Straight Connector 20"/>
+            <p:cNvCxnSpPr/>
+            <p:nvPr/>
+          </p:nvCxnSpPr>
+          <p:spPr>
+            <a:xfrm flipH="1">
+              <a:off x="7425267" y="3681413"/>
+              <a:ext cx="4763558" cy="3176587"/>
+            </a:xfrm>
+            <a:prstGeom prst="line">
+              <a:avLst/>
+            </a:prstGeom>
+            <a:ln w="9525">
+              <a:solidFill>
+                <a:schemeClr val="bg1">
+                  <a:lumMod val="85000"/>
+                </a:schemeClr>
+              </a:solidFill>
+            </a:ln>
+          </p:spPr>
+          <p:style>
+            <a:lnRef idx="2">
+              <a:schemeClr val="accent1"/>
+            </a:lnRef>
+            <a:fillRef idx="0">
+              <a:schemeClr val="accent1"/>
+            </a:fillRef>
+            <a:effectRef idx="1">
+              <a:schemeClr val="accent1"/>
+            </a:effectRef>
+            <a:fontRef idx="minor">
+              <a:schemeClr val="tx1"/>
+            </a:fontRef>
+          </p:style>
+        </p:cxnSp>
+        <p:sp>
+          <p:nvSpPr>
+            <p:cNvPr id="24" name="Rectangle 23"/>
+            <p:cNvSpPr/>
+            <p:nvPr/>
+          </p:nvSpPr>
+          <p:spPr>
+            <a:xfrm>
+              <a:off x="9181476" y="-8467"/>
+              <a:ext cx="3007349" cy="6866467"/>
+            </a:xfrm>
+            <a:custGeom>
+              <a:avLst/>
+              <a:gdLst/>
+              <a:ahLst/>
+              <a:cxnLst/>
+              <a:rect l="l" t="t" r="r" b="b"/>
+              <a:pathLst>
+                <a:path w="3007349" h="6866467">
+                  <a:moveTo>
+                    <a:pt x="2045532" y="0"/>
+                  </a:moveTo>
+                  <a:lnTo>
+                    <a:pt x="3007349" y="0"/>
+                  </a:lnTo>
+                  <a:lnTo>
+                    <a:pt x="3007349" y="6866467"/>
+                  </a:lnTo>
+                  <a:lnTo>
+                    <a:pt x="0" y="6866467"/>
+                  </a:lnTo>
+                  <a:lnTo>
+                    <a:pt x="2045532" y="0"/>
+                  </a:lnTo>
+                  <a:close/>
+                </a:path>
+              </a:pathLst>
+            </a:custGeom>
+            <a:solidFill>
+              <a:schemeClr val="accent1">
+                <a:alpha val="30000"/>
+              </a:schemeClr>
+            </a:solidFill>
+            <a:ln>
+              <a:noFill/>
+            </a:ln>
+            <a:effectLst/>
+          </p:spPr>
+          <p:style>
+            <a:lnRef idx="1">
+              <a:schemeClr val="accent1"/>
+            </a:lnRef>
+            <a:fillRef idx="3">
+              <a:schemeClr val="accent1"/>
+            </a:fillRef>
+            <a:effectRef idx="2">
+              <a:schemeClr val="accent1"/>
+            </a:effectRef>
+            <a:fontRef idx="minor">
+              <a:schemeClr val="lt1"/>
+            </a:fontRef>
+          </p:style>
+        </p:sp>
+        <p:sp>
+          <p:nvSpPr>
+            <p:cNvPr id="26" name="Rectangle 25"/>
+            <p:cNvSpPr/>
+            <p:nvPr/>
+          </p:nvSpPr>
+          <p:spPr>
+            <a:xfrm>
+              <a:off x="9603442" y="-8467"/>
+              <a:ext cx="2588558" cy="6866467"/>
+            </a:xfrm>
+            <a:custGeom>
+              <a:avLst/>
+              <a:gdLst/>
+              <a:ahLst/>
+              <a:cxnLst/>
+              <a:rect l="l" t="t" r="r" b="b"/>
+              <a:pathLst>
+                <a:path w="2573311" h="6866467">
+                  <a:moveTo>
+                    <a:pt x="0" y="0"/>
+                  </a:moveTo>
+                  <a:lnTo>
+                    <a:pt x="2573311" y="0"/>
+                  </a:lnTo>
+                  <a:lnTo>
+                    <a:pt x="2573311" y="6866467"/>
+                  </a:lnTo>
+                  <a:lnTo>
+                    <a:pt x="1202336" y="6866467"/>
+                  </a:lnTo>
+                  <a:lnTo>
+                    <a:pt x="0" y="0"/>
+                  </a:lnTo>
+                  <a:close/>
+                </a:path>
+              </a:pathLst>
+            </a:custGeom>
+            <a:solidFill>
+              <a:schemeClr val="accent1">
+                <a:alpha val="20000"/>
+              </a:schemeClr>
+            </a:solidFill>
+            <a:ln>
+              <a:noFill/>
+            </a:ln>
+            <a:effectLst/>
+          </p:spPr>
+          <p:style>
+            <a:lnRef idx="1">
+              <a:schemeClr val="accent1"/>
+            </a:lnRef>
+            <a:fillRef idx="3">
+              <a:schemeClr val="accent1"/>
+            </a:fillRef>
+            <a:effectRef idx="2">
+              <a:schemeClr val="accent1"/>
+            </a:effectRef>
+            <a:fontRef idx="minor">
+              <a:schemeClr val="lt1"/>
+            </a:fontRef>
+          </p:style>
+        </p:sp>
+        <p:sp>
+          <p:nvSpPr>
+            <p:cNvPr id="27" name="Isosceles Triangle 26"/>
+            <p:cNvSpPr/>
+            <p:nvPr/>
+          </p:nvSpPr>
+          <p:spPr>
+            <a:xfrm>
+              <a:off x="8932333" y="3048000"/>
+              <a:ext cx="3259667" cy="3810000"/>
+            </a:xfrm>
+            <a:prstGeom prst="triangle">
+              <a:avLst>
+                <a:gd name="adj" fmla="val 100000"/>
+              </a:avLst>
+            </a:prstGeom>
+            <a:solidFill>
+              <a:schemeClr val="accent2">
+                <a:alpha val="72000"/>
+              </a:schemeClr>
+            </a:solidFill>
+            <a:ln>
+              <a:noFill/>
+            </a:ln>
+            <a:effectLst/>
+          </p:spPr>
+          <p:style>
+            <a:lnRef idx="1">
+              <a:schemeClr val="accent1"/>
+            </a:lnRef>
+            <a:fillRef idx="3">
+              <a:schemeClr val="accent1"/>
+            </a:fillRef>
+            <a:effectRef idx="2">
+              <a:schemeClr val="accent1"/>
+            </a:effectRef>
+            <a:fontRef idx="minor">
+              <a:schemeClr val="lt1"/>
+            </a:fontRef>
+          </p:style>
+        </p:sp>
+        <p:sp>
+          <p:nvSpPr>
+            <p:cNvPr id="28" name="Rectangle 27"/>
+            <p:cNvSpPr/>
+            <p:nvPr/>
+          </p:nvSpPr>
+          <p:spPr>
+            <a:xfrm>
+              <a:off x="9334500" y="-8467"/>
+              <a:ext cx="2854326" cy="6866467"/>
+            </a:xfrm>
+            <a:custGeom>
+              <a:avLst/>
+              <a:gdLst/>
+              <a:ahLst/>
+              <a:cxnLst/>
+              <a:rect l="l" t="t" r="r" b="b"/>
+              <a:pathLst>
+                <a:path w="2858013" h="6866467">
+                  <a:moveTo>
+                    <a:pt x="0" y="0"/>
+                  </a:moveTo>
+                  <a:lnTo>
+                    <a:pt x="2858013" y="0"/>
+                  </a:lnTo>
+                  <a:lnTo>
+                    <a:pt x="2858013" y="6866467"/>
+                  </a:lnTo>
+                  <a:lnTo>
+                    <a:pt x="2473942" y="6866467"/>
+                  </a:lnTo>
+                  <a:lnTo>
+                    <a:pt x="0" y="0"/>
+                  </a:lnTo>
+                  <a:close/>
+                </a:path>
+              </a:pathLst>
+            </a:custGeom>
+            <a:solidFill>
+              <a:schemeClr val="accent2">
+                <a:lumMod val="75000"/>
+                <a:alpha val="70000"/>
+              </a:schemeClr>
+            </a:solidFill>
+            <a:ln>
+              <a:noFill/>
+            </a:ln>
+            <a:effectLst/>
+          </p:spPr>
+          <p:style>
+            <a:lnRef idx="1">
+              <a:schemeClr val="accent1"/>
+            </a:lnRef>
+            <a:fillRef idx="3">
+              <a:schemeClr val="accent1"/>
+            </a:fillRef>
+            <a:effectRef idx="2">
+              <a:schemeClr val="accent1"/>
+            </a:effectRef>
+            <a:fontRef idx="minor">
+              <a:schemeClr val="lt1"/>
+            </a:fontRef>
+          </p:style>
+        </p:sp>
+        <p:sp>
+          <p:nvSpPr>
+            <p:cNvPr id="29" name="Rectangle 28"/>
+            <p:cNvSpPr/>
+            <p:nvPr/>
+          </p:nvSpPr>
+          <p:spPr>
+            <a:xfrm>
+              <a:off x="10898730" y="-8467"/>
+              <a:ext cx="1290094" cy="6866467"/>
+            </a:xfrm>
+            <a:custGeom>
+              <a:avLst/>
+              <a:gdLst/>
+              <a:ahLst/>
+              <a:cxnLst/>
+              <a:rect l="l" t="t" r="r" b="b"/>
+              <a:pathLst>
+                <a:path w="1290094" h="6858000">
+                  <a:moveTo>
+                    <a:pt x="1019735" y="0"/>
+                  </a:moveTo>
+                  <a:lnTo>
+                    <a:pt x="1290094" y="0"/>
+                  </a:lnTo>
+                  <a:lnTo>
+                    <a:pt x="1290094" y="6858000"/>
+                  </a:lnTo>
+                  <a:lnTo>
+                    <a:pt x="0" y="6858000"/>
+                  </a:lnTo>
+                  <a:lnTo>
+                    <a:pt x="1019735" y="0"/>
+                  </a:lnTo>
+                  <a:close/>
+                </a:path>
+              </a:pathLst>
+            </a:custGeom>
+            <a:solidFill>
+              <a:schemeClr val="accent1">
+                <a:lumMod val="60000"/>
+                <a:lumOff val="40000"/>
+                <a:alpha val="70000"/>
+              </a:schemeClr>
+            </a:solidFill>
+            <a:ln>
+              <a:noFill/>
+            </a:ln>
+            <a:effectLst/>
+          </p:spPr>
+          <p:style>
+            <a:lnRef idx="1">
+              <a:schemeClr val="accent1"/>
+            </a:lnRef>
+            <a:fillRef idx="3">
+              <a:schemeClr val="accent1"/>
+            </a:fillRef>
+            <a:effectRef idx="2">
+              <a:schemeClr val="accent1"/>
+            </a:effectRef>
+            <a:fontRef idx="minor">
+              <a:schemeClr val="lt1"/>
+            </a:fontRef>
+          </p:style>
+        </p:sp>
+        <p:sp>
+          <p:nvSpPr>
+            <p:cNvPr id="30" name="Rectangle 29"/>
+            <p:cNvSpPr/>
+            <p:nvPr/>
+          </p:nvSpPr>
+          <p:spPr>
+            <a:xfrm>
+              <a:off x="10938999" y="-8467"/>
+              <a:ext cx="1249825" cy="6866467"/>
+            </a:xfrm>
+            <a:custGeom>
+              <a:avLst/>
+              <a:gdLst/>
+              <a:ahLst/>
+              <a:cxnLst/>
+              <a:rect l="l" t="t" r="r" b="b"/>
+              <a:pathLst>
+                <a:path w="1249825" h="6858000">
+                  <a:moveTo>
+                    <a:pt x="0" y="0"/>
+                  </a:moveTo>
+                  <a:lnTo>
+                    <a:pt x="1249825" y="0"/>
+                  </a:lnTo>
+                  <a:lnTo>
+                    <a:pt x="1249825" y="6858000"/>
+                  </a:lnTo>
+                  <a:lnTo>
+                    <a:pt x="1109382" y="6858000"/>
+                  </a:lnTo>
+                  <a:lnTo>
+                    <a:pt x="0" y="0"/>
+                  </a:lnTo>
+                  <a:close/>
+                </a:path>
+              </a:pathLst>
+            </a:custGeom>
+            <a:solidFill>
+              <a:schemeClr val="accent1">
+                <a:alpha val="65000"/>
+              </a:schemeClr>
+            </a:solidFill>
+            <a:ln>
+              <a:noFill/>
+            </a:ln>
+            <a:effectLst/>
+          </p:spPr>
+          <p:style>
+            <a:lnRef idx="1">
+              <a:schemeClr val="accent1"/>
+            </a:lnRef>
+            <a:fillRef idx="3">
+              <a:schemeClr val="accent1"/>
+            </a:fillRef>
+            <a:effectRef idx="2">
+              <a:schemeClr val="accent1"/>
+            </a:effectRef>
+            <a:fontRef idx="minor">
+              <a:schemeClr val="lt1"/>
+            </a:fontRef>
+          </p:style>
+        </p:sp>
+        <p:sp>
+          <p:nvSpPr>
+            <p:cNvPr id="31" name="Isosceles Triangle 30"/>
+            <p:cNvSpPr/>
+            <p:nvPr/>
+          </p:nvSpPr>
+          <p:spPr>
+            <a:xfrm>
+              <a:off x="10371666" y="3589867"/>
+              <a:ext cx="1817159" cy="3268133"/>
+            </a:xfrm>
+            <a:prstGeom prst="triangle">
+              <a:avLst>
+                <a:gd name="adj" fmla="val 100000"/>
+              </a:avLst>
+            </a:prstGeom>
+            <a:solidFill>
+              <a:schemeClr val="accent1">
+                <a:alpha val="80000"/>
+              </a:schemeClr>
+            </a:solidFill>
+            <a:ln>
+              <a:noFill/>
+            </a:ln>
+            <a:effectLst/>
+          </p:spPr>
+          <p:style>
+            <a:lnRef idx="1">
+              <a:schemeClr val="accent1"/>
+            </a:lnRef>
+            <a:fillRef idx="3">
+              <a:schemeClr val="accent1"/>
+            </a:fillRef>
+            <a:effectRef idx="2">
+              <a:schemeClr val="accent1"/>
+            </a:effectRef>
+            <a:fontRef idx="minor">
+              <a:schemeClr val="lt1"/>
+            </a:fontRef>
+          </p:style>
+        </p:sp>
+        <p:sp>
+          <p:nvSpPr>
+            <p:cNvPr id="19" name="Isosceles Triangle 18"/>
+            <p:cNvSpPr/>
+            <p:nvPr/>
+          </p:nvSpPr>
+          <p:spPr>
+            <a:xfrm rot="10800000">
+              <a:off x="0" y="0"/>
+              <a:ext cx="842596" cy="5666154"/>
+            </a:xfrm>
+            <a:prstGeom prst="triangle">
+              <a:avLst>
+                <a:gd name="adj" fmla="val 100000"/>
+              </a:avLst>
+            </a:prstGeom>
+            <a:solidFill>
+              <a:schemeClr val="accent1">
+                <a:alpha val="85000"/>
+              </a:schemeClr>
+            </a:solidFill>
+            <a:ln>
+              <a:noFill/>
+            </a:ln>
+            <a:effectLst/>
+          </p:spPr>
+          <p:style>
+            <a:lnRef idx="1">
+              <a:schemeClr val="accent1"/>
+            </a:lnRef>
+            <a:fillRef idx="3">
+              <a:schemeClr val="accent1"/>
+            </a:fillRef>
+            <a:effectRef idx="2">
+              <a:schemeClr val="accent1"/>
+            </a:effectRef>
+            <a:fontRef idx="minor">
+              <a:schemeClr val="lt1"/>
+            </a:fontRef>
+          </p:style>
+        </p:sp>
+      </p:grpSp>
+      <p:sp>
+        <p:nvSpPr>
+          <p:cNvPr id="2" name="Title 1"/>
+          <p:cNvSpPr>
+            <a:spLocks noGrp="1"/>
+          </p:cNvSpPr>
+          <p:nvPr>
+            <p:ph type="ctrTitle"/>
+          </p:nvPr>
+        </p:nvSpPr>
         <p:spPr>
           <a:xfrm>
-            <a:off x="239184" y="692150"/>
-            <a:ext cx="11885083" cy="6110288"/>
+            <a:off x="1507067" y="2404534"/>
+            <a:ext cx="7766936" cy="1646302"/>
           </a:xfrm>
-          <a:prstGeom prst="rect">
-            <a:avLst/>
-          </a:prstGeom>
-          <a:noFill/>
-          <a:ln w="9525">
-            <a:noFill/>
-          </a:ln>
         </p:spPr>
-      </p:pic>
-      <p:sp>
-        <p:nvSpPr>
-          <p:cNvPr id="10" name="Rectangle 7"/>
+        <p:txBody>
+          <a:bodyPr anchor="b">
+            <a:noAutofit/>
+          </a:bodyPr>
+          <a:lstStyle>
+            <a:lvl1pPr algn="r">
+              <a:defRPr sz="5400">
+                <a:solidFill>
+                  <a:schemeClr val="accent1"/>
+                </a:solidFill>
+              </a:defRPr>
+            </a:lvl1pPr>
+          </a:lstStyle>
+          <a:p>
+            <a:r>
+              <a:rPr lang="en-US"/>
+              <a:t>Click to edit Master title style</a:t>
+            </a:r>
+            <a:endParaRPr lang="en-US" dirty="0"/>
+          </a:p>
+        </p:txBody>
+      </p:sp>
+      <p:sp>
+        <p:nvSpPr>
+          <p:cNvPr id="3" name="Subtitle 2"/>
           <p:cNvSpPr>
-            <a:spLocks noChangeArrowheads="1"/>
-          </p:cNvSpPr>
-          <p:nvPr/>
-        </p:nvSpPr>
-        <p:spPr bwMode="auto">
-          <a:xfrm>
-            <a:off x="2117" y="549275"/>
-            <a:ext cx="12192000" cy="1511300"/>
-          </a:xfrm>
-          <a:prstGeom prst="rect">
-            <a:avLst/>
-          </a:prstGeom>
-          <a:gradFill rotWithShape="0">
-            <a:gsLst>
-              <a:gs pos="0">
-                <a:schemeClr val="bg2">
-                  <a:gamma/>
-                  <a:tint val="0"/>
-                  <a:invGamma/>
-                </a:schemeClr>
-              </a:gs>
-              <a:gs pos="100000">
-                <a:schemeClr val="bg2">
-                  <a:alpha val="53999"/>
-                </a:schemeClr>
-              </a:gs>
-            </a:gsLst>
-            <a:lin ang="0" scaled="1"/>
-          </a:gradFill>
-          <a:ln>
-            <a:noFill/>
-          </a:ln>
-          <a:effectLst/>
-          <a:extLst>
-            <a:ext uri="{91240B29-F687-4F45-9708-019B960494DF}">
-              <a14:hiddenLine xmlns:a14="http://schemas.microsoft.com/office/drawing/2010/main" w="9525">
-                <a:solidFill>
-                  <a:srgbClr val="000000"/>
-                </a:solidFill>
-                <a:miter lim="800000"/>
-                <a:headEnd/>
-                <a:tailEnd/>
-              </a14:hiddenLine>
-            </a:ext>
-            <a:ext uri="{AF507438-7753-43E0-B8FC-AC1667EBCBE1}">
-              <a14:hiddenEffects xmlns:a14="http://schemas.microsoft.com/office/drawing/2010/main">
-                <a:effectLst>
-                  <a:outerShdw dist="35921" dir="2700000" algn="ctr" rotWithShape="0">
-                    <a:schemeClr val="bg2"/>
-                  </a:outerShdw>
-                </a:effectLst>
-              </a14:hiddenEffects>
-            </a:ext>
-          </a:extLst>
-        </p:spPr>
-        <p:txBody>
-          <a:bodyPr anchor="ctr"/>
-          <a:lstStyle/>
-          <a:p>
-            <a:pPr marL="0" marR="0" lvl="0" indent="0" algn="l" defTabSz="914400" rtl="0" eaLnBrk="1" fontAlgn="base" latinLnBrk="0" hangingPunct="1">
-              <a:lnSpc>
-                <a:spcPct val="100000"/>
-              </a:lnSpc>
-              <a:spcBef>
-                <a:spcPct val="0"/>
-              </a:spcBef>
-              <a:spcAft>
-                <a:spcPct val="0"/>
-              </a:spcAft>
-              <a:buClrTx/>
-              <a:buSzTx/>
-              <a:buFontTx/>
-              <a:buNone/>
-              <a:defRPr/>
-            </a:pPr>
-            <a:endParaRPr kumimoji="0" lang="en-US" sz="1800" b="0" i="0" u="none" strike="noStrike" kern="1200" cap="none" spc="0" normalizeH="0" baseline="0" noProof="0">
-              <a:ln>
-                <a:noFill/>
-              </a:ln>
-              <a:solidFill>
-                <a:schemeClr val="tx1"/>
-              </a:solidFill>
-              <a:effectLst/>
-              <a:uLnTx/>
-              <a:uFillTx/>
-              <a:latin typeface="Arial" panose="020B0604020202020204" pitchFamily="34" charset="0"/>
-              <a:ea typeface="SimSun" panose="02010600030101010101" pitchFamily="2" charset="-122"/>
-              <a:cs typeface="+mn-cs"/>
-            </a:endParaRPr>
-          </a:p>
-        </p:txBody>
-      </p:sp>
-      <p:sp>
-        <p:nvSpPr>
-          <p:cNvPr id="2051" name="Rectangle 3"/>
-          <p:cNvSpPr>
-            <a:spLocks noGrp="1" noChangeArrowheads="1"/>
+            <a:spLocks noGrp="1"/>
           </p:cNvSpPr>
           <p:nvPr>
             <p:ph type="subTitle" idx="1"/>
@@ -937,115 +1273,128 @@
         </p:nvSpPr>
         <p:spPr>
           <a:xfrm>
-            <a:off x="2544233" y="2492375"/>
-            <a:ext cx="7393517" cy="1222375"/>
+            <a:off x="1507067" y="4050833"/>
+            <a:ext cx="7766936" cy="1096899"/>
           </a:xfrm>
         </p:spPr>
         <p:txBody>
-          <a:bodyPr anchor="ctr"/>
+          <a:bodyPr anchor="t"/>
           <a:lstStyle>
-            <a:lvl1pPr marL="0" indent="0" algn="ctr">
-              <a:buFontTx/>
-              <a:buNone/>
-              <a:defRPr/>
+            <a:lvl1pPr marL="0" indent="0" algn="r">
+              <a:buNone/>
+              <a:defRPr>
+                <a:solidFill>
+                  <a:schemeClr val="tx1">
+                    <a:lumMod val="50000"/>
+                    <a:lumOff val="50000"/>
+                  </a:schemeClr>
+                </a:solidFill>
+              </a:defRPr>
             </a:lvl1pPr>
+            <a:lvl2pPr marL="457200" indent="0" algn="ctr">
+              <a:buNone/>
+              <a:defRPr>
+                <a:solidFill>
+                  <a:schemeClr val="tx1">
+                    <a:tint val="75000"/>
+                  </a:schemeClr>
+                </a:solidFill>
+              </a:defRPr>
+            </a:lvl2pPr>
+            <a:lvl3pPr marL="914400" indent="0" algn="ctr">
+              <a:buNone/>
+              <a:defRPr>
+                <a:solidFill>
+                  <a:schemeClr val="tx1">
+                    <a:tint val="75000"/>
+                  </a:schemeClr>
+                </a:solidFill>
+              </a:defRPr>
+            </a:lvl3pPr>
+            <a:lvl4pPr marL="1371600" indent="0" algn="ctr">
+              <a:buNone/>
+              <a:defRPr>
+                <a:solidFill>
+                  <a:schemeClr val="tx1">
+                    <a:tint val="75000"/>
+                  </a:schemeClr>
+                </a:solidFill>
+              </a:defRPr>
+            </a:lvl4pPr>
+            <a:lvl5pPr marL="1828800" indent="0" algn="ctr">
+              <a:buNone/>
+              <a:defRPr>
+                <a:solidFill>
+                  <a:schemeClr val="tx1">
+                    <a:tint val="75000"/>
+                  </a:schemeClr>
+                </a:solidFill>
+              </a:defRPr>
+            </a:lvl5pPr>
+            <a:lvl6pPr marL="2286000" indent="0" algn="ctr">
+              <a:buNone/>
+              <a:defRPr>
+                <a:solidFill>
+                  <a:schemeClr val="tx1">
+                    <a:tint val="75000"/>
+                  </a:schemeClr>
+                </a:solidFill>
+              </a:defRPr>
+            </a:lvl6pPr>
+            <a:lvl7pPr marL="2743200" indent="0" algn="ctr">
+              <a:buNone/>
+              <a:defRPr>
+                <a:solidFill>
+                  <a:schemeClr val="tx1">
+                    <a:tint val="75000"/>
+                  </a:schemeClr>
+                </a:solidFill>
+              </a:defRPr>
+            </a:lvl7pPr>
+            <a:lvl8pPr marL="3200400" indent="0" algn="ctr">
+              <a:buNone/>
+              <a:defRPr>
+                <a:solidFill>
+                  <a:schemeClr val="tx1">
+                    <a:tint val="75000"/>
+                  </a:schemeClr>
+                </a:solidFill>
+              </a:defRPr>
+            </a:lvl8pPr>
+            <a:lvl9pPr marL="3657600" indent="0" algn="ctr">
+              <a:buNone/>
+              <a:defRPr>
+                <a:solidFill>
+                  <a:schemeClr val="tx1">
+                    <a:tint val="75000"/>
+                  </a:schemeClr>
+                </a:solidFill>
+              </a:defRPr>
+            </a:lvl9pPr>
           </a:lstStyle>
           <a:p>
-            <a:pPr lvl="0"/>
-            <a:r>
-              <a:rPr lang="en-US" altLang="zh-CN" noProof="0"/>
+            <a:r>
+              <a:rPr lang="en-US"/>
               <a:t>Click to edit Master subtitle style</a:t>
             </a:r>
-          </a:p>
-        </p:txBody>
-      </p:sp>
-      <p:sp>
-        <p:nvSpPr>
-          <p:cNvPr id="2056" name="Rectangle 8"/>
+            <a:endParaRPr lang="en-US" dirty="0"/>
+          </a:p>
+        </p:txBody>
+      </p:sp>
+      <p:sp>
+        <p:nvSpPr>
+          <p:cNvPr id="4" name="Date Placeholder 3"/>
           <p:cNvSpPr>
-            <a:spLocks noGrp="1" noChangeArrowheads="1"/>
+            <a:spLocks noGrp="1"/>
           </p:cNvSpPr>
           <p:nvPr>
-            <p:ph type="ctrTitle"/>
+            <p:ph type="dt" sz="half" idx="10"/>
           </p:nvPr>
         </p:nvSpPr>
-        <p:spPr>
-          <a:xfrm>
-            <a:off x="1007533" y="620713"/>
-            <a:ext cx="10363200" cy="1470025"/>
-          </a:xfrm>
-        </p:spPr>
+        <p:spPr/>
         <p:txBody>
           <a:bodyPr/>
-          <a:lstStyle>
-            <a:lvl1pPr>
-              <a:defRPr sz="3600"/>
-            </a:lvl1pPr>
-          </a:lstStyle>
-          <a:p>
-            <a:pPr lvl="0"/>
-            <a:r>
-              <a:rPr lang="en-US" altLang="zh-CN" noProof="0"/>
-              <a:t>Click to edit Master title style</a:t>
-            </a:r>
-          </a:p>
-        </p:txBody>
-      </p:sp>
-      <p:sp>
-        <p:nvSpPr>
-          <p:cNvPr id="11" name="Rectangle 4"/>
-          <p:cNvSpPr>
-            <a:spLocks noGrp="1" noChangeArrowheads="1"/>
-          </p:cNvSpPr>
-          <p:nvPr>
-            <p:ph type="dt" sz="half" idx="2"/>
-          </p:nvPr>
-        </p:nvSpPr>
-        <p:spPr bwMode="auto">
-          <a:xfrm>
-            <a:off x="609600" y="6245225"/>
-            <a:ext cx="2844800" cy="476250"/>
-          </a:xfrm>
-          <a:prstGeom prst="rect">
-            <a:avLst/>
-          </a:prstGeom>
-          <a:noFill/>
-          <a:extLst>
-            <a:ext uri="{909E8E84-426E-40DD-AFC4-6F175D3DCCD1}">
-              <a14:hiddenFill xmlns:a14="http://schemas.microsoft.com/office/drawing/2010/main">
-                <a:solidFill>
-                  <a:schemeClr val="accent1"/>
-                </a:solidFill>
-              </a14:hiddenFill>
-            </a:ext>
-            <a:ext uri="{91240B29-F687-4F45-9708-019B960494DF}">
-              <a14:hiddenLine xmlns:a14="http://schemas.microsoft.com/office/drawing/2010/main" w="9525">
-                <a:solidFill>
-                  <a:srgbClr val="000000"/>
-                </a:solidFill>
-                <a:miter lim="800000"/>
-                <a:headEnd/>
-                <a:tailEnd/>
-              </a14:hiddenLine>
-            </a:ext>
-            <a:ext uri="{AF507438-7753-43E0-B8FC-AC1667EBCBE1}">
-              <a14:hiddenEffects xmlns:a14="http://schemas.microsoft.com/office/drawing/2010/main">
-                <a:effectLst>
-                  <a:outerShdw dist="35921" dir="2700000" algn="ctr" rotWithShape="0">
-                    <a:schemeClr val="bg2"/>
-                  </a:outerShdw>
-                </a:effectLst>
-              </a14:hiddenEffects>
-            </a:ext>
-          </a:extLst>
-        </p:spPr>
-        <p:txBody>
-          <a:bodyPr vert="horz" wrap="square" lIns="91440" tIns="45720" rIns="91440" bIns="45720" numCol="1" anchor="t" anchorCtr="0" compatLnSpc="1"/>
-          <a:lstStyle>
-            <a:lvl1pPr>
-              <a:defRPr/>
-            </a:lvl1pPr>
-          </a:lstStyle>
+          <a:lstStyle/>
           <a:p>
             <a:pPr marL="0" marR="0" lvl="0" indent="0" algn="l" defTabSz="914400" rtl="0" eaLnBrk="1" fontAlgn="auto" latinLnBrk="0" hangingPunct="1">
               <a:lnSpc>
@@ -1083,59 +1432,18 @@
       </p:sp>
       <p:sp>
         <p:nvSpPr>
-          <p:cNvPr id="12" name="Rectangle 5"/>
+          <p:cNvPr id="5" name="Footer Placeholder 4"/>
           <p:cNvSpPr>
-            <a:spLocks noGrp="1" noChangeArrowheads="1"/>
+            <a:spLocks noGrp="1"/>
           </p:cNvSpPr>
           <p:nvPr>
-            <p:ph type="ftr" sz="quarter" idx="3"/>
+            <p:ph type="ftr" sz="quarter" idx="11"/>
           </p:nvPr>
         </p:nvSpPr>
-        <p:spPr bwMode="auto">
-          <a:xfrm>
-            <a:off x="4165600" y="6245225"/>
-            <a:ext cx="3860800" cy="476250"/>
-          </a:xfrm>
-          <a:prstGeom prst="rect">
-            <a:avLst/>
-          </a:prstGeom>
-          <a:noFill/>
-          <a:extLst>
-            <a:ext uri="{909E8E84-426E-40DD-AFC4-6F175D3DCCD1}">
-              <a14:hiddenFill xmlns:a14="http://schemas.microsoft.com/office/drawing/2010/main">
-                <a:solidFill>
-                  <a:schemeClr val="accent1"/>
-                </a:solidFill>
-              </a14:hiddenFill>
-            </a:ext>
-            <a:ext uri="{91240B29-F687-4F45-9708-019B960494DF}">
-              <a14:hiddenLine xmlns:a14="http://schemas.microsoft.com/office/drawing/2010/main" w="9525">
-                <a:solidFill>
-                  <a:srgbClr val="000000"/>
-                </a:solidFill>
-                <a:miter lim="800000"/>
-                <a:headEnd/>
-                <a:tailEnd/>
-              </a14:hiddenLine>
-            </a:ext>
-            <a:ext uri="{AF507438-7753-43E0-B8FC-AC1667EBCBE1}">
-              <a14:hiddenEffects xmlns:a14="http://schemas.microsoft.com/office/drawing/2010/main">
-                <a:effectLst>
-                  <a:outerShdw dist="35921" dir="2700000" algn="ctr" rotWithShape="0">
-                    <a:schemeClr val="bg2"/>
-                  </a:outerShdw>
-                </a:effectLst>
-              </a14:hiddenEffects>
-            </a:ext>
-          </a:extLst>
-        </p:spPr>
-        <p:txBody>
-          <a:bodyPr vert="horz" wrap="square" lIns="91440" tIns="45720" rIns="91440" bIns="45720" numCol="1" anchor="t" anchorCtr="0" compatLnSpc="1"/>
-          <a:lstStyle>
-            <a:lvl1pPr>
-              <a:defRPr/>
-            </a:lvl1pPr>
-          </a:lstStyle>
+        <p:spPr/>
+        <p:txBody>
+          <a:bodyPr/>
+          <a:lstStyle/>
           <a:p>
             <a:pPr marL="0" marR="0" lvl="0" indent="0" algn="ctr" defTabSz="914400" rtl="0" eaLnBrk="1" fontAlgn="auto" latinLnBrk="0" hangingPunct="1">
               <a:lnSpc>
@@ -1173,59 +1481,18 @@
       </p:sp>
       <p:sp>
         <p:nvSpPr>
-          <p:cNvPr id="13" name="Rectangle 6"/>
+          <p:cNvPr id="6" name="Slide Number Placeholder 5"/>
           <p:cNvSpPr>
-            <a:spLocks noGrp="1" noChangeArrowheads="1"/>
+            <a:spLocks noGrp="1"/>
           </p:cNvSpPr>
           <p:nvPr>
-            <p:ph type="sldNum" sz="quarter" idx="4"/>
+            <p:ph type="sldNum" sz="quarter" idx="12"/>
           </p:nvPr>
         </p:nvSpPr>
-        <p:spPr bwMode="auto">
-          <a:xfrm>
-            <a:off x="8737600" y="6245225"/>
-            <a:ext cx="2844800" cy="476250"/>
-          </a:xfrm>
-          <a:prstGeom prst="rect">
-            <a:avLst/>
-          </a:prstGeom>
-          <a:noFill/>
-          <a:extLst>
-            <a:ext uri="{909E8E84-426E-40DD-AFC4-6F175D3DCCD1}">
-              <a14:hiddenFill xmlns:a14="http://schemas.microsoft.com/office/drawing/2010/main">
-                <a:solidFill>
-                  <a:schemeClr val="accent1"/>
-                </a:solidFill>
-              </a14:hiddenFill>
-            </a:ext>
-            <a:ext uri="{91240B29-F687-4F45-9708-019B960494DF}">
-              <a14:hiddenLine xmlns:a14="http://schemas.microsoft.com/office/drawing/2010/main" w="9525">
-                <a:solidFill>
-                  <a:srgbClr val="000000"/>
-                </a:solidFill>
-                <a:miter lim="800000"/>
-                <a:headEnd/>
-                <a:tailEnd/>
-              </a14:hiddenLine>
-            </a:ext>
-            <a:ext uri="{AF507438-7753-43E0-B8FC-AC1667EBCBE1}">
-              <a14:hiddenEffects xmlns:a14="http://schemas.microsoft.com/office/drawing/2010/main">
-                <a:effectLst>
-                  <a:outerShdw dist="35921" dir="2700000" algn="ctr" rotWithShape="0">
-                    <a:schemeClr val="bg2"/>
-                  </a:outerShdw>
-                </a:effectLst>
-              </a14:hiddenEffects>
-            </a:ext>
-          </a:extLst>
-        </p:spPr>
-        <p:txBody>
-          <a:bodyPr vert="horz" wrap="square" lIns="91440" tIns="45720" rIns="91440" bIns="45720" numCol="1" anchor="t" anchorCtr="0" compatLnSpc="1"/>
-          <a:lstStyle>
-            <a:lvl1pPr>
-              <a:defRPr/>
-            </a:lvl1pPr>
-          </a:lstStyle>
+        <p:spPr/>
+        <p:txBody>
+          <a:bodyPr/>
+          <a:lstStyle/>
           <a:p>
             <a:pPr marL="0" marR="0" lvl="0" indent="0" algn="r" defTabSz="914400" rtl="0" eaLnBrk="1" fontAlgn="auto" latinLnBrk="0" hangingPunct="1">
               <a:lnSpc>
@@ -1281,6 +1548,11 @@
         </p:txBody>
       </p:sp>
     </p:spTree>
+    <p:extLst>
+      <p:ext uri="{BB962C8B-B14F-4D97-AF65-F5344CB8AC3E}">
+        <p14:creationId xmlns:p14="http://schemas.microsoft.com/office/powerpoint/2010/main" val="468014787"/>
+      </p:ext>
+    </p:extLst>
   </p:cSld>
   <p:clrMapOvr>
     <a:masterClrMapping/>
@@ -1297,146 +1569,2134 @@
       </p:transition>
     </mc:Fallback>
   </mc:AlternateContent>
-  <p:timing>
-    <p:tnLst>
-      <p:par>
-        <p:cTn id="1" dur="indefinite" restart="never" nodeType="tmRoot">
-          <p:childTnLst>
-            <p:seq concurrent="1" nextAc="seek">
-              <p:cTn id="2" dur="indefinite" nodeType="mainSeq">
-                <p:childTnLst>
-                  <p:par>
-                    <p:cTn id="3" fill="hold">
-                      <p:stCondLst>
-                        <p:cond delay="indefinite"/>
-                        <p:cond evt="onBegin" delay="0">
-                          <p:tn val="2"/>
-                        </p:cond>
-                      </p:stCondLst>
-                      <p:childTnLst>
-                        <p:par>
-                          <p:cTn id="4" fill="hold">
-                            <p:stCondLst>
-                              <p:cond delay="0"/>
-                            </p:stCondLst>
-                            <p:childTnLst>
-                              <p:par>
-                                <p:cTn id="5" presetID="29" presetClass="entr" presetSubtype="0" fill="hold" grpId="0" nodeType="withEffect">
-                                  <p:stCondLst>
-                                    <p:cond delay="0"/>
-                                  </p:stCondLst>
-                                  <p:childTnLst>
-                                    <p:set>
-                                      <p:cBhvr>
-                                        <p:cTn id="6" dur="1" fill="hold">
-                                          <p:stCondLst>
-                                            <p:cond delay="0"/>
-                                          </p:stCondLst>
-                                        </p:cTn>
-                                        <p:tgtEl>
-                                          <p:spTgt spid="10"/>
-                                        </p:tgtEl>
-                                        <p:attrNameLst>
-                                          <p:attrName>style.visibility</p:attrName>
-                                        </p:attrNameLst>
-                                      </p:cBhvr>
-                                      <p:to>
-                                        <p:strVal val="visible"/>
-                                      </p:to>
-                                    </p:set>
-                                    <p:anim calcmode="lin" valueType="num">
-                                      <p:cBhvr>
-                                        <p:cTn id="7" dur="1000" fill="hold"/>
-                                        <p:tgtEl>
-                                          <p:spTgt spid="10"/>
-                                        </p:tgtEl>
-                                        <p:attrNameLst>
-                                          <p:attrName>ppt_x</p:attrName>
-                                        </p:attrNameLst>
-                                      </p:cBhvr>
-                                      <p:tavLst>
-                                        <p:tav tm="0">
-                                          <p:val>
-                                            <p:strVal val="#ppt_x-.2"/>
-                                          </p:val>
-                                        </p:tav>
-                                        <p:tav tm="100000">
-                                          <p:val>
-                                            <p:strVal val="#ppt_x"/>
-                                          </p:val>
-                                        </p:tav>
-                                      </p:tavLst>
-                                    </p:anim>
-                                    <p:anim calcmode="lin" valueType="num">
-                                      <p:cBhvr>
-                                        <p:cTn id="8" dur="1000" fill="hold"/>
-                                        <p:tgtEl>
-                                          <p:spTgt spid="10"/>
-                                        </p:tgtEl>
-                                        <p:attrNameLst>
-                                          <p:attrName>ppt_y</p:attrName>
-                                        </p:attrNameLst>
-                                      </p:cBhvr>
-                                      <p:tavLst>
-                                        <p:tav tm="0">
-                                          <p:val>
-                                            <p:strVal val="#ppt_y"/>
-                                          </p:val>
-                                        </p:tav>
-                                        <p:tav tm="100000">
-                                          <p:val>
-                                            <p:strVal val="#ppt_y"/>
-                                          </p:val>
-                                        </p:tav>
-                                      </p:tavLst>
-                                    </p:anim>
-                                    <p:animEffect transition="in" filter="wipe(right)" prLst="gradientSize: 0.1">
-                                      <p:cBhvr>
-                                        <p:cTn id="9" dur="1000"/>
-                                        <p:tgtEl>
-                                          <p:spTgt spid="10"/>
-                                        </p:tgtEl>
-                                      </p:cBhvr>
-                                    </p:animEffect>
-                                  </p:childTnLst>
-                                </p:cTn>
-                              </p:par>
-                            </p:childTnLst>
-                          </p:cTn>
-                        </p:par>
-                      </p:childTnLst>
-                    </p:cTn>
-                  </p:par>
-                </p:childTnLst>
-              </p:cTn>
-              <p:prevCondLst>
-                <p:cond evt="onPrev" delay="0">
-                  <p:tgtEl>
-                    <p:sldTgt/>
-                  </p:tgtEl>
-                </p:cond>
-              </p:prevCondLst>
-              <p:nextCondLst>
-                <p:cond evt="onNext" delay="0">
-                  <p:tgtEl>
-                    <p:sldTgt/>
-                  </p:tgtEl>
-                </p:cond>
-              </p:nextCondLst>
-            </p:seq>
-          </p:childTnLst>
-        </p:cTn>
-      </p:par>
-    </p:tnLst>
-    <p:bldLst>
-      <p:bldP spid="10" grpId="0" bldLvl="0" animBg="1"/>
-    </p:bldLst>
-  </p:timing>
   <p:hf sldNum="0" hdr="0" ftr="0" dt="0"/>
 </p:sldLayout>
 </file>
 
 <file path=ppt/slideLayouts/slideLayout10.xml><?xml version="1.0" encoding="utf-8"?>
+<p:sldLayout xmlns:a="http://schemas.openxmlformats.org/drawingml/2006/main" xmlns:r="http://schemas.openxmlformats.org/officeDocument/2006/relationships" xmlns:p="http://schemas.openxmlformats.org/presentationml/2006/main" preserve="1">
+  <p:cSld name="Title and Caption">
+    <p:spTree>
+      <p:nvGrpSpPr>
+        <p:cNvPr id="1" name=""/>
+        <p:cNvGrpSpPr/>
+        <p:nvPr/>
+      </p:nvGrpSpPr>
+      <p:grpSpPr>
+        <a:xfrm>
+          <a:off x="0" y="0"/>
+          <a:ext cx="0" cy="0"/>
+          <a:chOff x="0" y="0"/>
+          <a:chExt cx="0" cy="0"/>
+        </a:xfrm>
+      </p:grpSpPr>
+      <p:sp>
+        <p:nvSpPr>
+          <p:cNvPr id="2" name="Title 1"/>
+          <p:cNvSpPr>
+            <a:spLocks noGrp="1"/>
+          </p:cNvSpPr>
+          <p:nvPr>
+            <p:ph type="title"/>
+          </p:nvPr>
+        </p:nvSpPr>
+        <p:spPr>
+          <a:xfrm>
+            <a:off x="677335" y="609600"/>
+            <a:ext cx="8596668" cy="3403600"/>
+          </a:xfrm>
+        </p:spPr>
+        <p:txBody>
+          <a:bodyPr anchor="ctr">
+            <a:normAutofit/>
+          </a:bodyPr>
+          <a:lstStyle>
+            <a:lvl1pPr algn="l">
+              <a:defRPr sz="4400" b="0" cap="none"/>
+            </a:lvl1pPr>
+          </a:lstStyle>
+          <a:p>
+            <a:r>
+              <a:rPr lang="en-US"/>
+              <a:t>Click to edit Master title style</a:t>
+            </a:r>
+            <a:endParaRPr lang="en-US" dirty="0"/>
+          </a:p>
+        </p:txBody>
+      </p:sp>
+      <p:sp>
+        <p:nvSpPr>
+          <p:cNvPr id="3" name="Text Placeholder 2"/>
+          <p:cNvSpPr>
+            <a:spLocks noGrp="1"/>
+          </p:cNvSpPr>
+          <p:nvPr>
+            <p:ph type="body" idx="1"/>
+          </p:nvPr>
+        </p:nvSpPr>
+        <p:spPr>
+          <a:xfrm>
+            <a:off x="677335" y="4470400"/>
+            <a:ext cx="8596668" cy="1570962"/>
+          </a:xfrm>
+        </p:spPr>
+        <p:txBody>
+          <a:bodyPr anchor="ctr">
+            <a:normAutofit/>
+          </a:bodyPr>
+          <a:lstStyle>
+            <a:lvl1pPr marL="0" indent="0" algn="l">
+              <a:buNone/>
+              <a:defRPr sz="1800">
+                <a:solidFill>
+                  <a:schemeClr val="tx1">
+                    <a:lumMod val="75000"/>
+                    <a:lumOff val="25000"/>
+                  </a:schemeClr>
+                </a:solidFill>
+              </a:defRPr>
+            </a:lvl1pPr>
+            <a:lvl2pPr marL="457200" indent="0">
+              <a:buNone/>
+              <a:defRPr sz="1800">
+                <a:solidFill>
+                  <a:schemeClr val="tx1">
+                    <a:tint val="75000"/>
+                  </a:schemeClr>
+                </a:solidFill>
+              </a:defRPr>
+            </a:lvl2pPr>
+            <a:lvl3pPr marL="914400" indent="0">
+              <a:buNone/>
+              <a:defRPr sz="1600">
+                <a:solidFill>
+                  <a:schemeClr val="tx1">
+                    <a:tint val="75000"/>
+                  </a:schemeClr>
+                </a:solidFill>
+              </a:defRPr>
+            </a:lvl3pPr>
+            <a:lvl4pPr marL="1371600" indent="0">
+              <a:buNone/>
+              <a:defRPr sz="1400">
+                <a:solidFill>
+                  <a:schemeClr val="tx1">
+                    <a:tint val="75000"/>
+                  </a:schemeClr>
+                </a:solidFill>
+              </a:defRPr>
+            </a:lvl4pPr>
+            <a:lvl5pPr marL="1828800" indent="0">
+              <a:buNone/>
+              <a:defRPr sz="1400">
+                <a:solidFill>
+                  <a:schemeClr val="tx1">
+                    <a:tint val="75000"/>
+                  </a:schemeClr>
+                </a:solidFill>
+              </a:defRPr>
+            </a:lvl5pPr>
+            <a:lvl6pPr marL="2286000" indent="0">
+              <a:buNone/>
+              <a:defRPr sz="1400">
+                <a:solidFill>
+                  <a:schemeClr val="tx1">
+                    <a:tint val="75000"/>
+                  </a:schemeClr>
+                </a:solidFill>
+              </a:defRPr>
+            </a:lvl6pPr>
+            <a:lvl7pPr marL="2743200" indent="0">
+              <a:buNone/>
+              <a:defRPr sz="1400">
+                <a:solidFill>
+                  <a:schemeClr val="tx1">
+                    <a:tint val="75000"/>
+                  </a:schemeClr>
+                </a:solidFill>
+              </a:defRPr>
+            </a:lvl7pPr>
+            <a:lvl8pPr marL="3200400" indent="0">
+              <a:buNone/>
+              <a:defRPr sz="1400">
+                <a:solidFill>
+                  <a:schemeClr val="tx1">
+                    <a:tint val="75000"/>
+                  </a:schemeClr>
+                </a:solidFill>
+              </a:defRPr>
+            </a:lvl8pPr>
+            <a:lvl9pPr marL="3657600" indent="0">
+              <a:buNone/>
+              <a:defRPr sz="1400">
+                <a:solidFill>
+                  <a:schemeClr val="tx1">
+                    <a:tint val="75000"/>
+                  </a:schemeClr>
+                </a:solidFill>
+              </a:defRPr>
+            </a:lvl9pPr>
+          </a:lstStyle>
+          <a:p>
+            <a:pPr lvl="0"/>
+            <a:r>
+              <a:rPr lang="en-US"/>
+              <a:t>Click to edit Master text styles</a:t>
+            </a:r>
+          </a:p>
+        </p:txBody>
+      </p:sp>
+      <p:sp>
+        <p:nvSpPr>
+          <p:cNvPr id="4" name="Date Placeholder 3"/>
+          <p:cNvSpPr>
+            <a:spLocks noGrp="1"/>
+          </p:cNvSpPr>
+          <p:nvPr>
+            <p:ph type="dt" sz="half" idx="10"/>
+          </p:nvPr>
+        </p:nvSpPr>
+        <p:spPr/>
+        <p:txBody>
+          <a:bodyPr/>
+          <a:lstStyle/>
+          <a:p>
+            <a:pPr marL="0" marR="0" lvl="0" indent="0" algn="l" defTabSz="914400" rtl="0" eaLnBrk="1" fontAlgn="auto" latinLnBrk="0" hangingPunct="1">
+              <a:lnSpc>
+                <a:spcPct val="100000"/>
+              </a:lnSpc>
+              <a:spcBef>
+                <a:spcPts val="0"/>
+              </a:spcBef>
+              <a:spcAft>
+                <a:spcPts val="0"/>
+              </a:spcAft>
+              <a:buClrTx/>
+              <a:buSzTx/>
+              <a:buFontTx/>
+              <a:buNone/>
+            </a:pPr>
+            <a:endParaRPr kumimoji="0" lang="zh-CN" altLang="en-US" sz="1200" b="0" i="0" u="none" strike="noStrike" kern="1200" cap="none" spc="0" normalizeH="0" baseline="0" noProof="0">
+              <a:ln>
+                <a:noFill/>
+              </a:ln>
+              <a:solidFill>
+                <a:schemeClr val="tx1">
+                  <a:tint val="75000"/>
+                </a:schemeClr>
+              </a:solidFill>
+              <a:effectLst/>
+              <a:uLnTx/>
+              <a:uFillTx/>
+              <a:latin typeface="+mn-lt"/>
+              <a:ea typeface="+mn-ea"/>
+              <a:cs typeface="+mn-cs"/>
+            </a:endParaRPr>
+          </a:p>
+        </p:txBody>
+      </p:sp>
+      <p:sp>
+        <p:nvSpPr>
+          <p:cNvPr id="5" name="Footer Placeholder 4"/>
+          <p:cNvSpPr>
+            <a:spLocks noGrp="1"/>
+          </p:cNvSpPr>
+          <p:nvPr>
+            <p:ph type="ftr" sz="quarter" idx="11"/>
+          </p:nvPr>
+        </p:nvSpPr>
+        <p:spPr/>
+        <p:txBody>
+          <a:bodyPr/>
+          <a:lstStyle/>
+          <a:p>
+            <a:pPr marL="0" marR="0" lvl="0" indent="0" algn="ctr" defTabSz="914400" rtl="0" eaLnBrk="1" fontAlgn="auto" latinLnBrk="0" hangingPunct="1">
+              <a:lnSpc>
+                <a:spcPct val="100000"/>
+              </a:lnSpc>
+              <a:spcBef>
+                <a:spcPts val="0"/>
+              </a:spcBef>
+              <a:spcAft>
+                <a:spcPts val="0"/>
+              </a:spcAft>
+              <a:buClrTx/>
+              <a:buSzTx/>
+              <a:buFontTx/>
+              <a:buNone/>
+            </a:pPr>
+            <a:endParaRPr kumimoji="0" lang="zh-CN" altLang="en-US" sz="1200" b="0" i="0" u="none" strike="noStrike" kern="1200" cap="none" spc="0" normalizeH="0" baseline="0" noProof="0">
+              <a:ln>
+                <a:noFill/>
+              </a:ln>
+              <a:solidFill>
+                <a:schemeClr val="tx1">
+                  <a:tint val="75000"/>
+                </a:schemeClr>
+              </a:solidFill>
+              <a:effectLst/>
+              <a:uLnTx/>
+              <a:uFillTx/>
+              <a:latin typeface="+mn-lt"/>
+              <a:ea typeface="+mn-ea"/>
+              <a:cs typeface="+mn-cs"/>
+            </a:endParaRPr>
+          </a:p>
+        </p:txBody>
+      </p:sp>
+      <p:sp>
+        <p:nvSpPr>
+          <p:cNvPr id="6" name="Slide Number Placeholder 5"/>
+          <p:cNvSpPr>
+            <a:spLocks noGrp="1"/>
+          </p:cNvSpPr>
+          <p:nvPr>
+            <p:ph type="sldNum" sz="quarter" idx="12"/>
+          </p:nvPr>
+        </p:nvSpPr>
+        <p:spPr/>
+        <p:txBody>
+          <a:bodyPr/>
+          <a:lstStyle/>
+          <a:p>
+            <a:pPr marL="0" marR="0" lvl="0" indent="0" algn="r" defTabSz="914400" rtl="0" eaLnBrk="1" fontAlgn="auto" latinLnBrk="0" hangingPunct="1">
+              <a:lnSpc>
+                <a:spcPct val="100000"/>
+              </a:lnSpc>
+              <a:spcBef>
+                <a:spcPts val="0"/>
+              </a:spcBef>
+              <a:spcAft>
+                <a:spcPts val="0"/>
+              </a:spcAft>
+              <a:buClrTx/>
+              <a:buSzTx/>
+              <a:buFontTx/>
+              <a:buNone/>
+            </a:pPr>
+            <a:fld id="{BEF05245-1089-431C-9CB9-1C9E798A99A0}" type="slidenum">
+              <a:rPr kumimoji="0" lang="zh-CN" altLang="en-US" sz="1200" b="0" i="0" u="none" strike="noStrike" kern="1200" cap="none" spc="0" normalizeH="0" baseline="0" noProof="0" smtClean="0">
+                <a:ln>
+                  <a:noFill/>
+                </a:ln>
+                <a:solidFill>
+                  <a:schemeClr val="tx1">
+                    <a:tint val="75000"/>
+                  </a:schemeClr>
+                </a:solidFill>
+                <a:effectLst/>
+                <a:uLnTx/>
+                <a:uFillTx/>
+                <a:latin typeface="+mn-lt"/>
+                <a:ea typeface="+mn-ea"/>
+                <a:cs typeface="+mn-cs"/>
+              </a:rPr>
+              <a:t>‹#›</a:t>
+            </a:fld>
+            <a:endParaRPr kumimoji="0" lang="zh-CN" altLang="en-US" sz="1200" b="0" i="0" u="none" strike="noStrike" kern="1200" cap="none" spc="0" normalizeH="0" baseline="0" noProof="0">
+              <a:ln>
+                <a:noFill/>
+              </a:ln>
+              <a:solidFill>
+                <a:schemeClr val="tx1">
+                  <a:tint val="75000"/>
+                </a:schemeClr>
+              </a:solidFill>
+              <a:effectLst/>
+              <a:uLnTx/>
+              <a:uFillTx/>
+              <a:latin typeface="+mn-lt"/>
+              <a:ea typeface="+mn-ea"/>
+              <a:cs typeface="+mn-cs"/>
+            </a:endParaRPr>
+          </a:p>
+        </p:txBody>
+      </p:sp>
+    </p:spTree>
+    <p:extLst>
+      <p:ext uri="{BB962C8B-B14F-4D97-AF65-F5344CB8AC3E}">
+        <p14:creationId xmlns:p14="http://schemas.microsoft.com/office/powerpoint/2010/main" val="2036034675"/>
+      </p:ext>
+    </p:extLst>
+  </p:cSld>
+  <p:clrMapOvr>
+    <a:masterClrMapping/>
+  </p:clrMapOvr>
+  <p:hf sldNum="0" hdr="0" ftr="0" dt="0"/>
+</p:sldLayout>
+</file>
+
+<file path=ppt/slideLayouts/slideLayout11.xml><?xml version="1.0" encoding="utf-8"?>
+<p:sldLayout xmlns:a="http://schemas.openxmlformats.org/drawingml/2006/main" xmlns:r="http://schemas.openxmlformats.org/officeDocument/2006/relationships" xmlns:p="http://schemas.openxmlformats.org/presentationml/2006/main" preserve="1">
+  <p:cSld name="Quote with Caption">
+    <p:spTree>
+      <p:nvGrpSpPr>
+        <p:cNvPr id="1" name=""/>
+        <p:cNvGrpSpPr/>
+        <p:nvPr/>
+      </p:nvGrpSpPr>
+      <p:grpSpPr>
+        <a:xfrm>
+          <a:off x="0" y="0"/>
+          <a:ext cx="0" cy="0"/>
+          <a:chOff x="0" y="0"/>
+          <a:chExt cx="0" cy="0"/>
+        </a:xfrm>
+      </p:grpSpPr>
+      <p:sp>
+        <p:nvSpPr>
+          <p:cNvPr id="2" name="Title 1"/>
+          <p:cNvSpPr>
+            <a:spLocks noGrp="1"/>
+          </p:cNvSpPr>
+          <p:nvPr>
+            <p:ph type="title"/>
+          </p:nvPr>
+        </p:nvSpPr>
+        <p:spPr>
+          <a:xfrm>
+            <a:off x="931334" y="609600"/>
+            <a:ext cx="8094134" cy="3022600"/>
+          </a:xfrm>
+        </p:spPr>
+        <p:txBody>
+          <a:bodyPr anchor="ctr">
+            <a:normAutofit/>
+          </a:bodyPr>
+          <a:lstStyle>
+            <a:lvl1pPr algn="l">
+              <a:defRPr sz="4400" b="0" cap="none"/>
+            </a:lvl1pPr>
+          </a:lstStyle>
+          <a:p>
+            <a:r>
+              <a:rPr lang="en-US"/>
+              <a:t>Click to edit Master title style</a:t>
+            </a:r>
+            <a:endParaRPr lang="en-US" dirty="0"/>
+          </a:p>
+        </p:txBody>
+      </p:sp>
+      <p:sp>
+        <p:nvSpPr>
+          <p:cNvPr id="23" name="Text Placeholder 9"/>
+          <p:cNvSpPr>
+            <a:spLocks noGrp="1"/>
+          </p:cNvSpPr>
+          <p:nvPr>
+            <p:ph type="body" sz="quarter" idx="13"/>
+          </p:nvPr>
+        </p:nvSpPr>
+        <p:spPr>
+          <a:xfrm>
+            <a:off x="1366139" y="3632200"/>
+            <a:ext cx="7224524" cy="381000"/>
+          </a:xfrm>
+        </p:spPr>
+        <p:txBody>
+          <a:bodyPr anchor="ctr">
+            <a:noAutofit/>
+          </a:bodyPr>
+          <a:lstStyle>
+            <a:lvl1pPr marL="0" indent="0">
+              <a:buFontTx/>
+              <a:buNone/>
+              <a:defRPr sz="1600">
+                <a:solidFill>
+                  <a:schemeClr val="tx1">
+                    <a:lumMod val="50000"/>
+                    <a:lumOff val="50000"/>
+                  </a:schemeClr>
+                </a:solidFill>
+              </a:defRPr>
+            </a:lvl1pPr>
+            <a:lvl2pPr marL="457200" indent="0">
+              <a:buFontTx/>
+              <a:buNone/>
+              <a:defRPr/>
+            </a:lvl2pPr>
+            <a:lvl3pPr marL="914400" indent="0">
+              <a:buFontTx/>
+              <a:buNone/>
+              <a:defRPr/>
+            </a:lvl3pPr>
+            <a:lvl4pPr marL="1371600" indent="0">
+              <a:buFontTx/>
+              <a:buNone/>
+              <a:defRPr/>
+            </a:lvl4pPr>
+            <a:lvl5pPr marL="1828800" indent="0">
+              <a:buFontTx/>
+              <a:buNone/>
+              <a:defRPr/>
+            </a:lvl5pPr>
+          </a:lstStyle>
+          <a:p>
+            <a:pPr lvl="0"/>
+            <a:r>
+              <a:rPr lang="en-US"/>
+              <a:t>Click to edit Master text styles</a:t>
+            </a:r>
+          </a:p>
+        </p:txBody>
+      </p:sp>
+      <p:sp>
+        <p:nvSpPr>
+          <p:cNvPr id="3" name="Text Placeholder 2"/>
+          <p:cNvSpPr>
+            <a:spLocks noGrp="1"/>
+          </p:cNvSpPr>
+          <p:nvPr>
+            <p:ph type="body" idx="1"/>
+          </p:nvPr>
+        </p:nvSpPr>
+        <p:spPr>
+          <a:xfrm>
+            <a:off x="677335" y="4470400"/>
+            <a:ext cx="8596668" cy="1570962"/>
+          </a:xfrm>
+        </p:spPr>
+        <p:txBody>
+          <a:bodyPr anchor="ctr">
+            <a:normAutofit/>
+          </a:bodyPr>
+          <a:lstStyle>
+            <a:lvl1pPr marL="0" indent="0" algn="l">
+              <a:buNone/>
+              <a:defRPr sz="1800">
+                <a:solidFill>
+                  <a:schemeClr val="tx1">
+                    <a:lumMod val="75000"/>
+                    <a:lumOff val="25000"/>
+                  </a:schemeClr>
+                </a:solidFill>
+              </a:defRPr>
+            </a:lvl1pPr>
+            <a:lvl2pPr marL="457200" indent="0">
+              <a:buNone/>
+              <a:defRPr sz="1800">
+                <a:solidFill>
+                  <a:schemeClr val="tx1">
+                    <a:tint val="75000"/>
+                  </a:schemeClr>
+                </a:solidFill>
+              </a:defRPr>
+            </a:lvl2pPr>
+            <a:lvl3pPr marL="914400" indent="0">
+              <a:buNone/>
+              <a:defRPr sz="1600">
+                <a:solidFill>
+                  <a:schemeClr val="tx1">
+                    <a:tint val="75000"/>
+                  </a:schemeClr>
+                </a:solidFill>
+              </a:defRPr>
+            </a:lvl3pPr>
+            <a:lvl4pPr marL="1371600" indent="0">
+              <a:buNone/>
+              <a:defRPr sz="1400">
+                <a:solidFill>
+                  <a:schemeClr val="tx1">
+                    <a:tint val="75000"/>
+                  </a:schemeClr>
+                </a:solidFill>
+              </a:defRPr>
+            </a:lvl4pPr>
+            <a:lvl5pPr marL="1828800" indent="0">
+              <a:buNone/>
+              <a:defRPr sz="1400">
+                <a:solidFill>
+                  <a:schemeClr val="tx1">
+                    <a:tint val="75000"/>
+                  </a:schemeClr>
+                </a:solidFill>
+              </a:defRPr>
+            </a:lvl5pPr>
+            <a:lvl6pPr marL="2286000" indent="0">
+              <a:buNone/>
+              <a:defRPr sz="1400">
+                <a:solidFill>
+                  <a:schemeClr val="tx1">
+                    <a:tint val="75000"/>
+                  </a:schemeClr>
+                </a:solidFill>
+              </a:defRPr>
+            </a:lvl6pPr>
+            <a:lvl7pPr marL="2743200" indent="0">
+              <a:buNone/>
+              <a:defRPr sz="1400">
+                <a:solidFill>
+                  <a:schemeClr val="tx1">
+                    <a:tint val="75000"/>
+                  </a:schemeClr>
+                </a:solidFill>
+              </a:defRPr>
+            </a:lvl7pPr>
+            <a:lvl8pPr marL="3200400" indent="0">
+              <a:buNone/>
+              <a:defRPr sz="1400">
+                <a:solidFill>
+                  <a:schemeClr val="tx1">
+                    <a:tint val="75000"/>
+                  </a:schemeClr>
+                </a:solidFill>
+              </a:defRPr>
+            </a:lvl8pPr>
+            <a:lvl9pPr marL="3657600" indent="0">
+              <a:buNone/>
+              <a:defRPr sz="1400">
+                <a:solidFill>
+                  <a:schemeClr val="tx1">
+                    <a:tint val="75000"/>
+                  </a:schemeClr>
+                </a:solidFill>
+              </a:defRPr>
+            </a:lvl9pPr>
+          </a:lstStyle>
+          <a:p>
+            <a:pPr lvl="0"/>
+            <a:r>
+              <a:rPr lang="en-US"/>
+              <a:t>Click to edit Master text styles</a:t>
+            </a:r>
+          </a:p>
+        </p:txBody>
+      </p:sp>
+      <p:sp>
+        <p:nvSpPr>
+          <p:cNvPr id="4" name="Date Placeholder 3"/>
+          <p:cNvSpPr>
+            <a:spLocks noGrp="1"/>
+          </p:cNvSpPr>
+          <p:nvPr>
+            <p:ph type="dt" sz="half" idx="10"/>
+          </p:nvPr>
+        </p:nvSpPr>
+        <p:spPr/>
+        <p:txBody>
+          <a:bodyPr/>
+          <a:lstStyle/>
+          <a:p>
+            <a:pPr marL="0" marR="0" lvl="0" indent="0" algn="l" defTabSz="914400" rtl="0" eaLnBrk="1" fontAlgn="auto" latinLnBrk="0" hangingPunct="1">
+              <a:lnSpc>
+                <a:spcPct val="100000"/>
+              </a:lnSpc>
+              <a:spcBef>
+                <a:spcPts val="0"/>
+              </a:spcBef>
+              <a:spcAft>
+                <a:spcPts val="0"/>
+              </a:spcAft>
+              <a:buClrTx/>
+              <a:buSzTx/>
+              <a:buFontTx/>
+              <a:buNone/>
+            </a:pPr>
+            <a:endParaRPr kumimoji="0" lang="zh-CN" altLang="en-US" sz="1200" b="0" i="0" u="none" strike="noStrike" kern="1200" cap="none" spc="0" normalizeH="0" baseline="0" noProof="0">
+              <a:ln>
+                <a:noFill/>
+              </a:ln>
+              <a:solidFill>
+                <a:schemeClr val="tx1">
+                  <a:tint val="75000"/>
+                </a:schemeClr>
+              </a:solidFill>
+              <a:effectLst/>
+              <a:uLnTx/>
+              <a:uFillTx/>
+              <a:latin typeface="+mn-lt"/>
+              <a:ea typeface="+mn-ea"/>
+              <a:cs typeface="+mn-cs"/>
+            </a:endParaRPr>
+          </a:p>
+        </p:txBody>
+      </p:sp>
+      <p:sp>
+        <p:nvSpPr>
+          <p:cNvPr id="5" name="Footer Placeholder 4"/>
+          <p:cNvSpPr>
+            <a:spLocks noGrp="1"/>
+          </p:cNvSpPr>
+          <p:nvPr>
+            <p:ph type="ftr" sz="quarter" idx="11"/>
+          </p:nvPr>
+        </p:nvSpPr>
+        <p:spPr/>
+        <p:txBody>
+          <a:bodyPr/>
+          <a:lstStyle/>
+          <a:p>
+            <a:pPr marL="0" marR="0" lvl="0" indent="0" algn="ctr" defTabSz="914400" rtl="0" eaLnBrk="1" fontAlgn="auto" latinLnBrk="0" hangingPunct="1">
+              <a:lnSpc>
+                <a:spcPct val="100000"/>
+              </a:lnSpc>
+              <a:spcBef>
+                <a:spcPts val="0"/>
+              </a:spcBef>
+              <a:spcAft>
+                <a:spcPts val="0"/>
+              </a:spcAft>
+              <a:buClrTx/>
+              <a:buSzTx/>
+              <a:buFontTx/>
+              <a:buNone/>
+            </a:pPr>
+            <a:endParaRPr kumimoji="0" lang="zh-CN" altLang="en-US" sz="1200" b="0" i="0" u="none" strike="noStrike" kern="1200" cap="none" spc="0" normalizeH="0" baseline="0" noProof="0">
+              <a:ln>
+                <a:noFill/>
+              </a:ln>
+              <a:solidFill>
+                <a:schemeClr val="tx1">
+                  <a:tint val="75000"/>
+                </a:schemeClr>
+              </a:solidFill>
+              <a:effectLst/>
+              <a:uLnTx/>
+              <a:uFillTx/>
+              <a:latin typeface="+mn-lt"/>
+              <a:ea typeface="+mn-ea"/>
+              <a:cs typeface="+mn-cs"/>
+            </a:endParaRPr>
+          </a:p>
+        </p:txBody>
+      </p:sp>
+      <p:sp>
+        <p:nvSpPr>
+          <p:cNvPr id="6" name="Slide Number Placeholder 5"/>
+          <p:cNvSpPr>
+            <a:spLocks noGrp="1"/>
+          </p:cNvSpPr>
+          <p:nvPr>
+            <p:ph type="sldNum" sz="quarter" idx="12"/>
+          </p:nvPr>
+        </p:nvSpPr>
+        <p:spPr/>
+        <p:txBody>
+          <a:bodyPr/>
+          <a:lstStyle/>
+          <a:p>
+            <a:pPr marL="0" marR="0" lvl="0" indent="0" algn="r" defTabSz="914400" rtl="0" eaLnBrk="1" fontAlgn="auto" latinLnBrk="0" hangingPunct="1">
+              <a:lnSpc>
+                <a:spcPct val="100000"/>
+              </a:lnSpc>
+              <a:spcBef>
+                <a:spcPts val="0"/>
+              </a:spcBef>
+              <a:spcAft>
+                <a:spcPts val="0"/>
+              </a:spcAft>
+              <a:buClrTx/>
+              <a:buSzTx/>
+              <a:buFontTx/>
+              <a:buNone/>
+            </a:pPr>
+            <a:fld id="{BEF05245-1089-431C-9CB9-1C9E798A99A0}" type="slidenum">
+              <a:rPr kumimoji="0" lang="zh-CN" altLang="en-US" sz="1200" b="0" i="0" u="none" strike="noStrike" kern="1200" cap="none" spc="0" normalizeH="0" baseline="0" noProof="0" smtClean="0">
+                <a:ln>
+                  <a:noFill/>
+                </a:ln>
+                <a:solidFill>
+                  <a:schemeClr val="tx1">
+                    <a:tint val="75000"/>
+                  </a:schemeClr>
+                </a:solidFill>
+                <a:effectLst/>
+                <a:uLnTx/>
+                <a:uFillTx/>
+                <a:latin typeface="+mn-lt"/>
+                <a:ea typeface="+mn-ea"/>
+                <a:cs typeface="+mn-cs"/>
+              </a:rPr>
+              <a:t>‹#›</a:t>
+            </a:fld>
+            <a:endParaRPr kumimoji="0" lang="zh-CN" altLang="en-US" sz="1200" b="0" i="0" u="none" strike="noStrike" kern="1200" cap="none" spc="0" normalizeH="0" baseline="0" noProof="0">
+              <a:ln>
+                <a:noFill/>
+              </a:ln>
+              <a:solidFill>
+                <a:schemeClr val="tx1">
+                  <a:tint val="75000"/>
+                </a:schemeClr>
+              </a:solidFill>
+              <a:effectLst/>
+              <a:uLnTx/>
+              <a:uFillTx/>
+              <a:latin typeface="+mn-lt"/>
+              <a:ea typeface="+mn-ea"/>
+              <a:cs typeface="+mn-cs"/>
+            </a:endParaRPr>
+          </a:p>
+        </p:txBody>
+      </p:sp>
+      <p:sp>
+        <p:nvSpPr>
+          <p:cNvPr id="20" name="TextBox 19"/>
+          <p:cNvSpPr txBox="1"/>
+          <p:nvPr/>
+        </p:nvSpPr>
+        <p:spPr>
+          <a:xfrm>
+            <a:off x="541870" y="790378"/>
+            <a:ext cx="609600" cy="584776"/>
+          </a:xfrm>
+          <a:prstGeom prst="rect">
+            <a:avLst/>
+          </a:prstGeom>
+        </p:spPr>
+        <p:txBody>
+          <a:bodyPr vert="horz" lIns="91440" tIns="45720" rIns="91440" bIns="45720" rtlCol="0" anchor="ctr">
+            <a:noAutofit/>
+          </a:bodyPr>
+          <a:lstStyle/>
+          <a:p>
+            <a:pPr lvl="0"/>
+            <a:r>
+              <a:rPr lang="en-US" sz="8000" baseline="0" dirty="0">
+                <a:ln w="3175" cmpd="sng">
+                  <a:noFill/>
+                </a:ln>
+                <a:solidFill>
+                  <a:schemeClr val="accent1">
+                    <a:lumMod val="60000"/>
+                    <a:lumOff val="40000"/>
+                  </a:schemeClr>
+                </a:solidFill>
+                <a:effectLst/>
+                <a:latin typeface="Arial"/>
+              </a:rPr>
+              <a:t>“</a:t>
+            </a:r>
+          </a:p>
+        </p:txBody>
+      </p:sp>
+      <p:sp>
+        <p:nvSpPr>
+          <p:cNvPr id="22" name="TextBox 21"/>
+          <p:cNvSpPr txBox="1"/>
+          <p:nvPr/>
+        </p:nvSpPr>
+        <p:spPr>
+          <a:xfrm>
+            <a:off x="8893011" y="2886556"/>
+            <a:ext cx="609600" cy="584776"/>
+          </a:xfrm>
+          <a:prstGeom prst="rect">
+            <a:avLst/>
+          </a:prstGeom>
+        </p:spPr>
+        <p:txBody>
+          <a:bodyPr vert="horz" lIns="91440" tIns="45720" rIns="91440" bIns="45720" rtlCol="0" anchor="ctr">
+            <a:noAutofit/>
+          </a:bodyPr>
+          <a:lstStyle/>
+          <a:p>
+            <a:pPr lvl="0"/>
+            <a:r>
+              <a:rPr lang="en-US" sz="8000" baseline="0" dirty="0">
+                <a:ln w="3175" cmpd="sng">
+                  <a:noFill/>
+                </a:ln>
+                <a:solidFill>
+                  <a:schemeClr val="accent1">
+                    <a:lumMod val="60000"/>
+                    <a:lumOff val="40000"/>
+                  </a:schemeClr>
+                </a:solidFill>
+                <a:latin typeface="Arial"/>
+              </a:rPr>
+              <a:t>”</a:t>
+            </a:r>
+            <a:endParaRPr lang="en-US" dirty="0">
+              <a:solidFill>
+                <a:schemeClr val="accent1">
+                  <a:lumMod val="60000"/>
+                  <a:lumOff val="40000"/>
+                </a:schemeClr>
+              </a:solidFill>
+              <a:latin typeface="Arial"/>
+            </a:endParaRPr>
+          </a:p>
+        </p:txBody>
+      </p:sp>
+    </p:spTree>
+    <p:extLst>
+      <p:ext uri="{BB962C8B-B14F-4D97-AF65-F5344CB8AC3E}">
+        <p14:creationId xmlns:p14="http://schemas.microsoft.com/office/powerpoint/2010/main" val="1992657346"/>
+      </p:ext>
+    </p:extLst>
+  </p:cSld>
+  <p:clrMapOvr>
+    <a:masterClrMapping/>
+  </p:clrMapOvr>
+  <p:hf sldNum="0" hdr="0" ftr="0" dt="0"/>
+</p:sldLayout>
+</file>
+
+<file path=ppt/slideLayouts/slideLayout12.xml><?xml version="1.0" encoding="utf-8"?>
+<p:sldLayout xmlns:a="http://schemas.openxmlformats.org/drawingml/2006/main" xmlns:r="http://schemas.openxmlformats.org/officeDocument/2006/relationships" xmlns:p="http://schemas.openxmlformats.org/presentationml/2006/main" preserve="1">
+  <p:cSld name="Name Card">
+    <p:spTree>
+      <p:nvGrpSpPr>
+        <p:cNvPr id="1" name=""/>
+        <p:cNvGrpSpPr/>
+        <p:nvPr/>
+      </p:nvGrpSpPr>
+      <p:grpSpPr>
+        <a:xfrm>
+          <a:off x="0" y="0"/>
+          <a:ext cx="0" cy="0"/>
+          <a:chOff x="0" y="0"/>
+          <a:chExt cx="0" cy="0"/>
+        </a:xfrm>
+      </p:grpSpPr>
+      <p:sp>
+        <p:nvSpPr>
+          <p:cNvPr id="2" name="Title 1"/>
+          <p:cNvSpPr>
+            <a:spLocks noGrp="1"/>
+          </p:cNvSpPr>
+          <p:nvPr>
+            <p:ph type="title"/>
+          </p:nvPr>
+        </p:nvSpPr>
+        <p:spPr>
+          <a:xfrm>
+            <a:off x="677335" y="1931988"/>
+            <a:ext cx="8596668" cy="2595460"/>
+          </a:xfrm>
+        </p:spPr>
+        <p:txBody>
+          <a:bodyPr anchor="b">
+            <a:normAutofit/>
+          </a:bodyPr>
+          <a:lstStyle>
+            <a:lvl1pPr algn="l">
+              <a:defRPr sz="4400" b="0" cap="none"/>
+            </a:lvl1pPr>
+          </a:lstStyle>
+          <a:p>
+            <a:r>
+              <a:rPr lang="en-US"/>
+              <a:t>Click to edit Master title style</a:t>
+            </a:r>
+            <a:endParaRPr lang="en-US" dirty="0"/>
+          </a:p>
+        </p:txBody>
+      </p:sp>
+      <p:sp>
+        <p:nvSpPr>
+          <p:cNvPr id="3" name="Text Placeholder 2"/>
+          <p:cNvSpPr>
+            <a:spLocks noGrp="1"/>
+          </p:cNvSpPr>
+          <p:nvPr>
+            <p:ph type="body" idx="1"/>
+          </p:nvPr>
+        </p:nvSpPr>
+        <p:spPr>
+          <a:xfrm>
+            <a:off x="677335" y="4527448"/>
+            <a:ext cx="8596668" cy="1513914"/>
+          </a:xfrm>
+        </p:spPr>
+        <p:txBody>
+          <a:bodyPr anchor="t">
+            <a:normAutofit/>
+          </a:bodyPr>
+          <a:lstStyle>
+            <a:lvl1pPr marL="0" indent="0" algn="l">
+              <a:buNone/>
+              <a:defRPr sz="1800">
+                <a:solidFill>
+                  <a:schemeClr val="tx1">
+                    <a:lumMod val="75000"/>
+                    <a:lumOff val="25000"/>
+                  </a:schemeClr>
+                </a:solidFill>
+              </a:defRPr>
+            </a:lvl1pPr>
+            <a:lvl2pPr marL="457200" indent="0">
+              <a:buNone/>
+              <a:defRPr sz="1800">
+                <a:solidFill>
+                  <a:schemeClr val="tx1">
+                    <a:tint val="75000"/>
+                  </a:schemeClr>
+                </a:solidFill>
+              </a:defRPr>
+            </a:lvl2pPr>
+            <a:lvl3pPr marL="914400" indent="0">
+              <a:buNone/>
+              <a:defRPr sz="1600">
+                <a:solidFill>
+                  <a:schemeClr val="tx1">
+                    <a:tint val="75000"/>
+                  </a:schemeClr>
+                </a:solidFill>
+              </a:defRPr>
+            </a:lvl3pPr>
+            <a:lvl4pPr marL="1371600" indent="0">
+              <a:buNone/>
+              <a:defRPr sz="1400">
+                <a:solidFill>
+                  <a:schemeClr val="tx1">
+                    <a:tint val="75000"/>
+                  </a:schemeClr>
+                </a:solidFill>
+              </a:defRPr>
+            </a:lvl4pPr>
+            <a:lvl5pPr marL="1828800" indent="0">
+              <a:buNone/>
+              <a:defRPr sz="1400">
+                <a:solidFill>
+                  <a:schemeClr val="tx1">
+                    <a:tint val="75000"/>
+                  </a:schemeClr>
+                </a:solidFill>
+              </a:defRPr>
+            </a:lvl5pPr>
+            <a:lvl6pPr marL="2286000" indent="0">
+              <a:buNone/>
+              <a:defRPr sz="1400">
+                <a:solidFill>
+                  <a:schemeClr val="tx1">
+                    <a:tint val="75000"/>
+                  </a:schemeClr>
+                </a:solidFill>
+              </a:defRPr>
+            </a:lvl6pPr>
+            <a:lvl7pPr marL="2743200" indent="0">
+              <a:buNone/>
+              <a:defRPr sz="1400">
+                <a:solidFill>
+                  <a:schemeClr val="tx1">
+                    <a:tint val="75000"/>
+                  </a:schemeClr>
+                </a:solidFill>
+              </a:defRPr>
+            </a:lvl7pPr>
+            <a:lvl8pPr marL="3200400" indent="0">
+              <a:buNone/>
+              <a:defRPr sz="1400">
+                <a:solidFill>
+                  <a:schemeClr val="tx1">
+                    <a:tint val="75000"/>
+                  </a:schemeClr>
+                </a:solidFill>
+              </a:defRPr>
+            </a:lvl8pPr>
+            <a:lvl9pPr marL="3657600" indent="0">
+              <a:buNone/>
+              <a:defRPr sz="1400">
+                <a:solidFill>
+                  <a:schemeClr val="tx1">
+                    <a:tint val="75000"/>
+                  </a:schemeClr>
+                </a:solidFill>
+              </a:defRPr>
+            </a:lvl9pPr>
+          </a:lstStyle>
+          <a:p>
+            <a:pPr lvl="0"/>
+            <a:r>
+              <a:rPr lang="en-US"/>
+              <a:t>Click to edit Master text styles</a:t>
+            </a:r>
+          </a:p>
+        </p:txBody>
+      </p:sp>
+      <p:sp>
+        <p:nvSpPr>
+          <p:cNvPr id="4" name="Date Placeholder 3"/>
+          <p:cNvSpPr>
+            <a:spLocks noGrp="1"/>
+          </p:cNvSpPr>
+          <p:nvPr>
+            <p:ph type="dt" sz="half" idx="10"/>
+          </p:nvPr>
+        </p:nvSpPr>
+        <p:spPr/>
+        <p:txBody>
+          <a:bodyPr/>
+          <a:lstStyle/>
+          <a:p>
+            <a:pPr marL="0" marR="0" lvl="0" indent="0" algn="l" defTabSz="914400" rtl="0" eaLnBrk="1" fontAlgn="auto" latinLnBrk="0" hangingPunct="1">
+              <a:lnSpc>
+                <a:spcPct val="100000"/>
+              </a:lnSpc>
+              <a:spcBef>
+                <a:spcPts val="0"/>
+              </a:spcBef>
+              <a:spcAft>
+                <a:spcPts val="0"/>
+              </a:spcAft>
+              <a:buClrTx/>
+              <a:buSzTx/>
+              <a:buFontTx/>
+              <a:buNone/>
+            </a:pPr>
+            <a:endParaRPr kumimoji="0" lang="zh-CN" altLang="en-US" sz="1200" b="0" i="0" u="none" strike="noStrike" kern="1200" cap="none" spc="0" normalizeH="0" baseline="0" noProof="0">
+              <a:ln>
+                <a:noFill/>
+              </a:ln>
+              <a:solidFill>
+                <a:schemeClr val="tx1">
+                  <a:tint val="75000"/>
+                </a:schemeClr>
+              </a:solidFill>
+              <a:effectLst/>
+              <a:uLnTx/>
+              <a:uFillTx/>
+              <a:latin typeface="+mn-lt"/>
+              <a:ea typeface="+mn-ea"/>
+              <a:cs typeface="+mn-cs"/>
+            </a:endParaRPr>
+          </a:p>
+        </p:txBody>
+      </p:sp>
+      <p:sp>
+        <p:nvSpPr>
+          <p:cNvPr id="5" name="Footer Placeholder 4"/>
+          <p:cNvSpPr>
+            <a:spLocks noGrp="1"/>
+          </p:cNvSpPr>
+          <p:nvPr>
+            <p:ph type="ftr" sz="quarter" idx="11"/>
+          </p:nvPr>
+        </p:nvSpPr>
+        <p:spPr/>
+        <p:txBody>
+          <a:bodyPr/>
+          <a:lstStyle/>
+          <a:p>
+            <a:pPr marL="0" marR="0" lvl="0" indent="0" algn="ctr" defTabSz="914400" rtl="0" eaLnBrk="1" fontAlgn="auto" latinLnBrk="0" hangingPunct="1">
+              <a:lnSpc>
+                <a:spcPct val="100000"/>
+              </a:lnSpc>
+              <a:spcBef>
+                <a:spcPts val="0"/>
+              </a:spcBef>
+              <a:spcAft>
+                <a:spcPts val="0"/>
+              </a:spcAft>
+              <a:buClrTx/>
+              <a:buSzTx/>
+              <a:buFontTx/>
+              <a:buNone/>
+            </a:pPr>
+            <a:endParaRPr kumimoji="0" lang="zh-CN" altLang="en-US" sz="1200" b="0" i="0" u="none" strike="noStrike" kern="1200" cap="none" spc="0" normalizeH="0" baseline="0" noProof="0">
+              <a:ln>
+                <a:noFill/>
+              </a:ln>
+              <a:solidFill>
+                <a:schemeClr val="tx1">
+                  <a:tint val="75000"/>
+                </a:schemeClr>
+              </a:solidFill>
+              <a:effectLst/>
+              <a:uLnTx/>
+              <a:uFillTx/>
+              <a:latin typeface="+mn-lt"/>
+              <a:ea typeface="+mn-ea"/>
+              <a:cs typeface="+mn-cs"/>
+            </a:endParaRPr>
+          </a:p>
+        </p:txBody>
+      </p:sp>
+      <p:sp>
+        <p:nvSpPr>
+          <p:cNvPr id="6" name="Slide Number Placeholder 5"/>
+          <p:cNvSpPr>
+            <a:spLocks noGrp="1"/>
+          </p:cNvSpPr>
+          <p:nvPr>
+            <p:ph type="sldNum" sz="quarter" idx="12"/>
+          </p:nvPr>
+        </p:nvSpPr>
+        <p:spPr/>
+        <p:txBody>
+          <a:bodyPr/>
+          <a:lstStyle/>
+          <a:p>
+            <a:pPr marL="0" marR="0" lvl="0" indent="0" algn="r" defTabSz="914400" rtl="0" eaLnBrk="1" fontAlgn="auto" latinLnBrk="0" hangingPunct="1">
+              <a:lnSpc>
+                <a:spcPct val="100000"/>
+              </a:lnSpc>
+              <a:spcBef>
+                <a:spcPts val="0"/>
+              </a:spcBef>
+              <a:spcAft>
+                <a:spcPts val="0"/>
+              </a:spcAft>
+              <a:buClrTx/>
+              <a:buSzTx/>
+              <a:buFontTx/>
+              <a:buNone/>
+            </a:pPr>
+            <a:fld id="{BEF05245-1089-431C-9CB9-1C9E798A99A0}" type="slidenum">
+              <a:rPr kumimoji="0" lang="zh-CN" altLang="en-US" sz="1200" b="0" i="0" u="none" strike="noStrike" kern="1200" cap="none" spc="0" normalizeH="0" baseline="0" noProof="0" smtClean="0">
+                <a:ln>
+                  <a:noFill/>
+                </a:ln>
+                <a:solidFill>
+                  <a:schemeClr val="tx1">
+                    <a:tint val="75000"/>
+                  </a:schemeClr>
+                </a:solidFill>
+                <a:effectLst/>
+                <a:uLnTx/>
+                <a:uFillTx/>
+                <a:latin typeface="+mn-lt"/>
+                <a:ea typeface="+mn-ea"/>
+                <a:cs typeface="+mn-cs"/>
+              </a:rPr>
+              <a:t>‹#›</a:t>
+            </a:fld>
+            <a:endParaRPr kumimoji="0" lang="zh-CN" altLang="en-US" sz="1200" b="0" i="0" u="none" strike="noStrike" kern="1200" cap="none" spc="0" normalizeH="0" baseline="0" noProof="0">
+              <a:ln>
+                <a:noFill/>
+              </a:ln>
+              <a:solidFill>
+                <a:schemeClr val="tx1">
+                  <a:tint val="75000"/>
+                </a:schemeClr>
+              </a:solidFill>
+              <a:effectLst/>
+              <a:uLnTx/>
+              <a:uFillTx/>
+              <a:latin typeface="+mn-lt"/>
+              <a:ea typeface="+mn-ea"/>
+              <a:cs typeface="+mn-cs"/>
+            </a:endParaRPr>
+          </a:p>
+        </p:txBody>
+      </p:sp>
+    </p:spTree>
+    <p:extLst>
+      <p:ext uri="{BB962C8B-B14F-4D97-AF65-F5344CB8AC3E}">
+        <p14:creationId xmlns:p14="http://schemas.microsoft.com/office/powerpoint/2010/main" val="258779749"/>
+      </p:ext>
+    </p:extLst>
+  </p:cSld>
+  <p:clrMapOvr>
+    <a:masterClrMapping/>
+  </p:clrMapOvr>
+  <p:hf sldNum="0" hdr="0" ftr="0" dt="0"/>
+</p:sldLayout>
+</file>
+
+<file path=ppt/slideLayouts/slideLayout13.xml><?xml version="1.0" encoding="utf-8"?>
+<p:sldLayout xmlns:a="http://schemas.openxmlformats.org/drawingml/2006/main" xmlns:r="http://schemas.openxmlformats.org/officeDocument/2006/relationships" xmlns:p="http://schemas.openxmlformats.org/presentationml/2006/main" preserve="1">
+  <p:cSld name="Quote Name Card">
+    <p:spTree>
+      <p:nvGrpSpPr>
+        <p:cNvPr id="1" name=""/>
+        <p:cNvGrpSpPr/>
+        <p:nvPr/>
+      </p:nvGrpSpPr>
+      <p:grpSpPr>
+        <a:xfrm>
+          <a:off x="0" y="0"/>
+          <a:ext cx="0" cy="0"/>
+          <a:chOff x="0" y="0"/>
+          <a:chExt cx="0" cy="0"/>
+        </a:xfrm>
+      </p:grpSpPr>
+      <p:sp>
+        <p:nvSpPr>
+          <p:cNvPr id="2" name="Title 1"/>
+          <p:cNvSpPr>
+            <a:spLocks noGrp="1"/>
+          </p:cNvSpPr>
+          <p:nvPr>
+            <p:ph type="title"/>
+          </p:nvPr>
+        </p:nvSpPr>
+        <p:spPr>
+          <a:xfrm>
+            <a:off x="931334" y="609600"/>
+            <a:ext cx="8094134" cy="3022600"/>
+          </a:xfrm>
+        </p:spPr>
+        <p:txBody>
+          <a:bodyPr anchor="ctr">
+            <a:normAutofit/>
+          </a:bodyPr>
+          <a:lstStyle>
+            <a:lvl1pPr algn="l">
+              <a:defRPr sz="4400" b="0" cap="none"/>
+            </a:lvl1pPr>
+          </a:lstStyle>
+          <a:p>
+            <a:r>
+              <a:rPr lang="en-US"/>
+              <a:t>Click to edit Master title style</a:t>
+            </a:r>
+            <a:endParaRPr lang="en-US" dirty="0"/>
+          </a:p>
+        </p:txBody>
+      </p:sp>
+      <p:sp>
+        <p:nvSpPr>
+          <p:cNvPr id="23" name="Text Placeholder 9"/>
+          <p:cNvSpPr>
+            <a:spLocks noGrp="1"/>
+          </p:cNvSpPr>
+          <p:nvPr>
+            <p:ph type="body" sz="quarter" idx="13"/>
+          </p:nvPr>
+        </p:nvSpPr>
+        <p:spPr>
+          <a:xfrm>
+            <a:off x="677332" y="4013200"/>
+            <a:ext cx="8596669" cy="514248"/>
+          </a:xfrm>
+        </p:spPr>
+        <p:txBody>
+          <a:bodyPr anchor="b">
+            <a:noAutofit/>
+          </a:bodyPr>
+          <a:lstStyle>
+            <a:lvl1pPr marL="0" indent="0">
+              <a:buFontTx/>
+              <a:buNone/>
+              <a:defRPr sz="2400">
+                <a:solidFill>
+                  <a:schemeClr val="tx1">
+                    <a:lumMod val="75000"/>
+                    <a:lumOff val="25000"/>
+                  </a:schemeClr>
+                </a:solidFill>
+              </a:defRPr>
+            </a:lvl1pPr>
+            <a:lvl2pPr marL="457200" indent="0">
+              <a:buFontTx/>
+              <a:buNone/>
+              <a:defRPr/>
+            </a:lvl2pPr>
+            <a:lvl3pPr marL="914400" indent="0">
+              <a:buFontTx/>
+              <a:buNone/>
+              <a:defRPr/>
+            </a:lvl3pPr>
+            <a:lvl4pPr marL="1371600" indent="0">
+              <a:buFontTx/>
+              <a:buNone/>
+              <a:defRPr/>
+            </a:lvl4pPr>
+            <a:lvl5pPr marL="1828800" indent="0">
+              <a:buFontTx/>
+              <a:buNone/>
+              <a:defRPr/>
+            </a:lvl5pPr>
+          </a:lstStyle>
+          <a:p>
+            <a:pPr lvl="0"/>
+            <a:r>
+              <a:rPr lang="en-US"/>
+              <a:t>Click to edit Master text styles</a:t>
+            </a:r>
+          </a:p>
+        </p:txBody>
+      </p:sp>
+      <p:sp>
+        <p:nvSpPr>
+          <p:cNvPr id="3" name="Text Placeholder 2"/>
+          <p:cNvSpPr>
+            <a:spLocks noGrp="1"/>
+          </p:cNvSpPr>
+          <p:nvPr>
+            <p:ph type="body" idx="1"/>
+          </p:nvPr>
+        </p:nvSpPr>
+        <p:spPr>
+          <a:xfrm>
+            <a:off x="677335" y="4527448"/>
+            <a:ext cx="8596668" cy="1513914"/>
+          </a:xfrm>
+        </p:spPr>
+        <p:txBody>
+          <a:bodyPr anchor="t">
+            <a:normAutofit/>
+          </a:bodyPr>
+          <a:lstStyle>
+            <a:lvl1pPr marL="0" indent="0" algn="l">
+              <a:buNone/>
+              <a:defRPr sz="1800">
+                <a:solidFill>
+                  <a:schemeClr val="tx1">
+                    <a:lumMod val="50000"/>
+                    <a:lumOff val="50000"/>
+                  </a:schemeClr>
+                </a:solidFill>
+              </a:defRPr>
+            </a:lvl1pPr>
+            <a:lvl2pPr marL="457200" indent="0">
+              <a:buNone/>
+              <a:defRPr sz="1800">
+                <a:solidFill>
+                  <a:schemeClr val="tx1">
+                    <a:tint val="75000"/>
+                  </a:schemeClr>
+                </a:solidFill>
+              </a:defRPr>
+            </a:lvl2pPr>
+            <a:lvl3pPr marL="914400" indent="0">
+              <a:buNone/>
+              <a:defRPr sz="1600">
+                <a:solidFill>
+                  <a:schemeClr val="tx1">
+                    <a:tint val="75000"/>
+                  </a:schemeClr>
+                </a:solidFill>
+              </a:defRPr>
+            </a:lvl3pPr>
+            <a:lvl4pPr marL="1371600" indent="0">
+              <a:buNone/>
+              <a:defRPr sz="1400">
+                <a:solidFill>
+                  <a:schemeClr val="tx1">
+                    <a:tint val="75000"/>
+                  </a:schemeClr>
+                </a:solidFill>
+              </a:defRPr>
+            </a:lvl4pPr>
+            <a:lvl5pPr marL="1828800" indent="0">
+              <a:buNone/>
+              <a:defRPr sz="1400">
+                <a:solidFill>
+                  <a:schemeClr val="tx1">
+                    <a:tint val="75000"/>
+                  </a:schemeClr>
+                </a:solidFill>
+              </a:defRPr>
+            </a:lvl5pPr>
+            <a:lvl6pPr marL="2286000" indent="0">
+              <a:buNone/>
+              <a:defRPr sz="1400">
+                <a:solidFill>
+                  <a:schemeClr val="tx1">
+                    <a:tint val="75000"/>
+                  </a:schemeClr>
+                </a:solidFill>
+              </a:defRPr>
+            </a:lvl6pPr>
+            <a:lvl7pPr marL="2743200" indent="0">
+              <a:buNone/>
+              <a:defRPr sz="1400">
+                <a:solidFill>
+                  <a:schemeClr val="tx1">
+                    <a:tint val="75000"/>
+                  </a:schemeClr>
+                </a:solidFill>
+              </a:defRPr>
+            </a:lvl7pPr>
+            <a:lvl8pPr marL="3200400" indent="0">
+              <a:buNone/>
+              <a:defRPr sz="1400">
+                <a:solidFill>
+                  <a:schemeClr val="tx1">
+                    <a:tint val="75000"/>
+                  </a:schemeClr>
+                </a:solidFill>
+              </a:defRPr>
+            </a:lvl8pPr>
+            <a:lvl9pPr marL="3657600" indent="0">
+              <a:buNone/>
+              <a:defRPr sz="1400">
+                <a:solidFill>
+                  <a:schemeClr val="tx1">
+                    <a:tint val="75000"/>
+                  </a:schemeClr>
+                </a:solidFill>
+              </a:defRPr>
+            </a:lvl9pPr>
+          </a:lstStyle>
+          <a:p>
+            <a:pPr lvl="0"/>
+            <a:r>
+              <a:rPr lang="en-US"/>
+              <a:t>Click to edit Master text styles</a:t>
+            </a:r>
+          </a:p>
+        </p:txBody>
+      </p:sp>
+      <p:sp>
+        <p:nvSpPr>
+          <p:cNvPr id="4" name="Date Placeholder 3"/>
+          <p:cNvSpPr>
+            <a:spLocks noGrp="1"/>
+          </p:cNvSpPr>
+          <p:nvPr>
+            <p:ph type="dt" sz="half" idx="10"/>
+          </p:nvPr>
+        </p:nvSpPr>
+        <p:spPr/>
+        <p:txBody>
+          <a:bodyPr/>
+          <a:lstStyle/>
+          <a:p>
+            <a:pPr marL="0" marR="0" lvl="0" indent="0" algn="l" defTabSz="914400" rtl="0" eaLnBrk="1" fontAlgn="auto" latinLnBrk="0" hangingPunct="1">
+              <a:lnSpc>
+                <a:spcPct val="100000"/>
+              </a:lnSpc>
+              <a:spcBef>
+                <a:spcPts val="0"/>
+              </a:spcBef>
+              <a:spcAft>
+                <a:spcPts val="0"/>
+              </a:spcAft>
+              <a:buClrTx/>
+              <a:buSzTx/>
+              <a:buFontTx/>
+              <a:buNone/>
+            </a:pPr>
+            <a:endParaRPr kumimoji="0" lang="zh-CN" altLang="en-US" sz="1200" b="0" i="0" u="none" strike="noStrike" kern="1200" cap="none" spc="0" normalizeH="0" baseline="0" noProof="0">
+              <a:ln>
+                <a:noFill/>
+              </a:ln>
+              <a:solidFill>
+                <a:schemeClr val="tx1">
+                  <a:tint val="75000"/>
+                </a:schemeClr>
+              </a:solidFill>
+              <a:effectLst/>
+              <a:uLnTx/>
+              <a:uFillTx/>
+              <a:latin typeface="+mn-lt"/>
+              <a:ea typeface="+mn-ea"/>
+              <a:cs typeface="+mn-cs"/>
+            </a:endParaRPr>
+          </a:p>
+        </p:txBody>
+      </p:sp>
+      <p:sp>
+        <p:nvSpPr>
+          <p:cNvPr id="5" name="Footer Placeholder 4"/>
+          <p:cNvSpPr>
+            <a:spLocks noGrp="1"/>
+          </p:cNvSpPr>
+          <p:nvPr>
+            <p:ph type="ftr" sz="quarter" idx="11"/>
+          </p:nvPr>
+        </p:nvSpPr>
+        <p:spPr/>
+        <p:txBody>
+          <a:bodyPr/>
+          <a:lstStyle/>
+          <a:p>
+            <a:pPr marL="0" marR="0" lvl="0" indent="0" algn="ctr" defTabSz="914400" rtl="0" eaLnBrk="1" fontAlgn="auto" latinLnBrk="0" hangingPunct="1">
+              <a:lnSpc>
+                <a:spcPct val="100000"/>
+              </a:lnSpc>
+              <a:spcBef>
+                <a:spcPts val="0"/>
+              </a:spcBef>
+              <a:spcAft>
+                <a:spcPts val="0"/>
+              </a:spcAft>
+              <a:buClrTx/>
+              <a:buSzTx/>
+              <a:buFontTx/>
+              <a:buNone/>
+            </a:pPr>
+            <a:endParaRPr kumimoji="0" lang="zh-CN" altLang="en-US" sz="1200" b="0" i="0" u="none" strike="noStrike" kern="1200" cap="none" spc="0" normalizeH="0" baseline="0" noProof="0">
+              <a:ln>
+                <a:noFill/>
+              </a:ln>
+              <a:solidFill>
+                <a:schemeClr val="tx1">
+                  <a:tint val="75000"/>
+                </a:schemeClr>
+              </a:solidFill>
+              <a:effectLst/>
+              <a:uLnTx/>
+              <a:uFillTx/>
+              <a:latin typeface="+mn-lt"/>
+              <a:ea typeface="+mn-ea"/>
+              <a:cs typeface="+mn-cs"/>
+            </a:endParaRPr>
+          </a:p>
+        </p:txBody>
+      </p:sp>
+      <p:sp>
+        <p:nvSpPr>
+          <p:cNvPr id="6" name="Slide Number Placeholder 5"/>
+          <p:cNvSpPr>
+            <a:spLocks noGrp="1"/>
+          </p:cNvSpPr>
+          <p:nvPr>
+            <p:ph type="sldNum" sz="quarter" idx="12"/>
+          </p:nvPr>
+        </p:nvSpPr>
+        <p:spPr/>
+        <p:txBody>
+          <a:bodyPr/>
+          <a:lstStyle/>
+          <a:p>
+            <a:pPr marL="0" marR="0" lvl="0" indent="0" algn="r" defTabSz="914400" rtl="0" eaLnBrk="1" fontAlgn="auto" latinLnBrk="0" hangingPunct="1">
+              <a:lnSpc>
+                <a:spcPct val="100000"/>
+              </a:lnSpc>
+              <a:spcBef>
+                <a:spcPts val="0"/>
+              </a:spcBef>
+              <a:spcAft>
+                <a:spcPts val="0"/>
+              </a:spcAft>
+              <a:buClrTx/>
+              <a:buSzTx/>
+              <a:buFontTx/>
+              <a:buNone/>
+            </a:pPr>
+            <a:fld id="{BEF05245-1089-431C-9CB9-1C9E798A99A0}" type="slidenum">
+              <a:rPr kumimoji="0" lang="zh-CN" altLang="en-US" sz="1200" b="0" i="0" u="none" strike="noStrike" kern="1200" cap="none" spc="0" normalizeH="0" baseline="0" noProof="0" smtClean="0">
+                <a:ln>
+                  <a:noFill/>
+                </a:ln>
+                <a:solidFill>
+                  <a:schemeClr val="tx1">
+                    <a:tint val="75000"/>
+                  </a:schemeClr>
+                </a:solidFill>
+                <a:effectLst/>
+                <a:uLnTx/>
+                <a:uFillTx/>
+                <a:latin typeface="+mn-lt"/>
+                <a:ea typeface="+mn-ea"/>
+                <a:cs typeface="+mn-cs"/>
+              </a:rPr>
+              <a:t>‹#›</a:t>
+            </a:fld>
+            <a:endParaRPr kumimoji="0" lang="zh-CN" altLang="en-US" sz="1200" b="0" i="0" u="none" strike="noStrike" kern="1200" cap="none" spc="0" normalizeH="0" baseline="0" noProof="0">
+              <a:ln>
+                <a:noFill/>
+              </a:ln>
+              <a:solidFill>
+                <a:schemeClr val="tx1">
+                  <a:tint val="75000"/>
+                </a:schemeClr>
+              </a:solidFill>
+              <a:effectLst/>
+              <a:uLnTx/>
+              <a:uFillTx/>
+              <a:latin typeface="+mn-lt"/>
+              <a:ea typeface="+mn-ea"/>
+              <a:cs typeface="+mn-cs"/>
+            </a:endParaRPr>
+          </a:p>
+        </p:txBody>
+      </p:sp>
+      <p:sp>
+        <p:nvSpPr>
+          <p:cNvPr id="24" name="TextBox 23"/>
+          <p:cNvSpPr txBox="1"/>
+          <p:nvPr/>
+        </p:nvSpPr>
+        <p:spPr>
+          <a:xfrm>
+            <a:off x="541870" y="790378"/>
+            <a:ext cx="609600" cy="584776"/>
+          </a:xfrm>
+          <a:prstGeom prst="rect">
+            <a:avLst/>
+          </a:prstGeom>
+        </p:spPr>
+        <p:txBody>
+          <a:bodyPr vert="horz" lIns="91440" tIns="45720" rIns="91440" bIns="45720" rtlCol="0" anchor="ctr">
+            <a:noAutofit/>
+          </a:bodyPr>
+          <a:lstStyle/>
+          <a:p>
+            <a:pPr lvl="0"/>
+            <a:r>
+              <a:rPr lang="en-US" sz="8000" baseline="0" dirty="0">
+                <a:ln w="3175" cmpd="sng">
+                  <a:noFill/>
+                </a:ln>
+                <a:solidFill>
+                  <a:schemeClr val="accent1">
+                    <a:lumMod val="60000"/>
+                    <a:lumOff val="40000"/>
+                  </a:schemeClr>
+                </a:solidFill>
+                <a:effectLst/>
+                <a:latin typeface="Arial"/>
+              </a:rPr>
+              <a:t>“</a:t>
+            </a:r>
+          </a:p>
+        </p:txBody>
+      </p:sp>
+      <p:sp>
+        <p:nvSpPr>
+          <p:cNvPr id="25" name="TextBox 24"/>
+          <p:cNvSpPr txBox="1"/>
+          <p:nvPr/>
+        </p:nvSpPr>
+        <p:spPr>
+          <a:xfrm>
+            <a:off x="8893011" y="2886556"/>
+            <a:ext cx="609600" cy="584776"/>
+          </a:xfrm>
+          <a:prstGeom prst="rect">
+            <a:avLst/>
+          </a:prstGeom>
+        </p:spPr>
+        <p:txBody>
+          <a:bodyPr vert="horz" lIns="91440" tIns="45720" rIns="91440" bIns="45720" rtlCol="0" anchor="ctr">
+            <a:noAutofit/>
+          </a:bodyPr>
+          <a:lstStyle/>
+          <a:p>
+            <a:pPr lvl="0"/>
+            <a:r>
+              <a:rPr lang="en-US" sz="8000" baseline="0" dirty="0">
+                <a:ln w="3175" cmpd="sng">
+                  <a:noFill/>
+                </a:ln>
+                <a:solidFill>
+                  <a:schemeClr val="accent1">
+                    <a:lumMod val="60000"/>
+                    <a:lumOff val="40000"/>
+                  </a:schemeClr>
+                </a:solidFill>
+                <a:effectLst/>
+                <a:latin typeface="Arial"/>
+              </a:rPr>
+              <a:t>”</a:t>
+            </a:r>
+          </a:p>
+        </p:txBody>
+      </p:sp>
+    </p:spTree>
+    <p:extLst>
+      <p:ext uri="{BB962C8B-B14F-4D97-AF65-F5344CB8AC3E}">
+        <p14:creationId xmlns:p14="http://schemas.microsoft.com/office/powerpoint/2010/main" val="2635451105"/>
+      </p:ext>
+    </p:extLst>
+  </p:cSld>
+  <p:clrMapOvr>
+    <a:masterClrMapping/>
+  </p:clrMapOvr>
+  <p:hf sldNum="0" hdr="0" ftr="0" dt="0"/>
+</p:sldLayout>
+</file>
+
+<file path=ppt/slideLayouts/slideLayout14.xml><?xml version="1.0" encoding="utf-8"?>
+<p:sldLayout xmlns:a="http://schemas.openxmlformats.org/drawingml/2006/main" xmlns:r="http://schemas.openxmlformats.org/officeDocument/2006/relationships" xmlns:p="http://schemas.openxmlformats.org/presentationml/2006/main" preserve="1">
+  <p:cSld name="True or False">
+    <p:spTree>
+      <p:nvGrpSpPr>
+        <p:cNvPr id="1" name=""/>
+        <p:cNvGrpSpPr/>
+        <p:nvPr/>
+      </p:nvGrpSpPr>
+      <p:grpSpPr>
+        <a:xfrm>
+          <a:off x="0" y="0"/>
+          <a:ext cx="0" cy="0"/>
+          <a:chOff x="0" y="0"/>
+          <a:chExt cx="0" cy="0"/>
+        </a:xfrm>
+      </p:grpSpPr>
+      <p:sp>
+        <p:nvSpPr>
+          <p:cNvPr id="2" name="Title 1"/>
+          <p:cNvSpPr>
+            <a:spLocks noGrp="1"/>
+          </p:cNvSpPr>
+          <p:nvPr>
+            <p:ph type="title"/>
+          </p:nvPr>
+        </p:nvSpPr>
+        <p:spPr>
+          <a:xfrm>
+            <a:off x="685799" y="609600"/>
+            <a:ext cx="8588203" cy="3022600"/>
+          </a:xfrm>
+        </p:spPr>
+        <p:txBody>
+          <a:bodyPr anchor="ctr">
+            <a:normAutofit/>
+          </a:bodyPr>
+          <a:lstStyle>
+            <a:lvl1pPr algn="l">
+              <a:defRPr sz="4400" b="0" cap="none"/>
+            </a:lvl1pPr>
+          </a:lstStyle>
+          <a:p>
+            <a:r>
+              <a:rPr lang="en-US"/>
+              <a:t>Click to edit Master title style</a:t>
+            </a:r>
+            <a:endParaRPr lang="en-US" dirty="0"/>
+          </a:p>
+        </p:txBody>
+      </p:sp>
+      <p:sp>
+        <p:nvSpPr>
+          <p:cNvPr id="23" name="Text Placeholder 9"/>
+          <p:cNvSpPr>
+            <a:spLocks noGrp="1"/>
+          </p:cNvSpPr>
+          <p:nvPr>
+            <p:ph type="body" sz="quarter" idx="13"/>
+          </p:nvPr>
+        </p:nvSpPr>
+        <p:spPr>
+          <a:xfrm>
+            <a:off x="677332" y="4013200"/>
+            <a:ext cx="8596669" cy="514248"/>
+          </a:xfrm>
+        </p:spPr>
+        <p:txBody>
+          <a:bodyPr anchor="b">
+            <a:noAutofit/>
+          </a:bodyPr>
+          <a:lstStyle>
+            <a:lvl1pPr marL="0" indent="0">
+              <a:buFontTx/>
+              <a:buNone/>
+              <a:defRPr sz="2400">
+                <a:solidFill>
+                  <a:schemeClr val="accent1"/>
+                </a:solidFill>
+              </a:defRPr>
+            </a:lvl1pPr>
+            <a:lvl2pPr marL="457200" indent="0">
+              <a:buFontTx/>
+              <a:buNone/>
+              <a:defRPr/>
+            </a:lvl2pPr>
+            <a:lvl3pPr marL="914400" indent="0">
+              <a:buFontTx/>
+              <a:buNone/>
+              <a:defRPr/>
+            </a:lvl3pPr>
+            <a:lvl4pPr marL="1371600" indent="0">
+              <a:buFontTx/>
+              <a:buNone/>
+              <a:defRPr/>
+            </a:lvl4pPr>
+            <a:lvl5pPr marL="1828800" indent="0">
+              <a:buFontTx/>
+              <a:buNone/>
+              <a:defRPr/>
+            </a:lvl5pPr>
+          </a:lstStyle>
+          <a:p>
+            <a:pPr lvl="0"/>
+            <a:r>
+              <a:rPr lang="en-US"/>
+              <a:t>Click to edit Master text styles</a:t>
+            </a:r>
+          </a:p>
+        </p:txBody>
+      </p:sp>
+      <p:sp>
+        <p:nvSpPr>
+          <p:cNvPr id="3" name="Text Placeholder 2"/>
+          <p:cNvSpPr>
+            <a:spLocks noGrp="1"/>
+          </p:cNvSpPr>
+          <p:nvPr>
+            <p:ph type="body" idx="1"/>
+          </p:nvPr>
+        </p:nvSpPr>
+        <p:spPr>
+          <a:xfrm>
+            <a:off x="677335" y="4527448"/>
+            <a:ext cx="8596668" cy="1513914"/>
+          </a:xfrm>
+        </p:spPr>
+        <p:txBody>
+          <a:bodyPr anchor="t">
+            <a:normAutofit/>
+          </a:bodyPr>
+          <a:lstStyle>
+            <a:lvl1pPr marL="0" indent="0" algn="l">
+              <a:buNone/>
+              <a:defRPr sz="1800">
+                <a:solidFill>
+                  <a:schemeClr val="tx1">
+                    <a:lumMod val="50000"/>
+                    <a:lumOff val="50000"/>
+                  </a:schemeClr>
+                </a:solidFill>
+              </a:defRPr>
+            </a:lvl1pPr>
+            <a:lvl2pPr marL="457200" indent="0">
+              <a:buNone/>
+              <a:defRPr sz="1800">
+                <a:solidFill>
+                  <a:schemeClr val="tx1">
+                    <a:tint val="75000"/>
+                  </a:schemeClr>
+                </a:solidFill>
+              </a:defRPr>
+            </a:lvl2pPr>
+            <a:lvl3pPr marL="914400" indent="0">
+              <a:buNone/>
+              <a:defRPr sz="1600">
+                <a:solidFill>
+                  <a:schemeClr val="tx1">
+                    <a:tint val="75000"/>
+                  </a:schemeClr>
+                </a:solidFill>
+              </a:defRPr>
+            </a:lvl3pPr>
+            <a:lvl4pPr marL="1371600" indent="0">
+              <a:buNone/>
+              <a:defRPr sz="1400">
+                <a:solidFill>
+                  <a:schemeClr val="tx1">
+                    <a:tint val="75000"/>
+                  </a:schemeClr>
+                </a:solidFill>
+              </a:defRPr>
+            </a:lvl4pPr>
+            <a:lvl5pPr marL="1828800" indent="0">
+              <a:buNone/>
+              <a:defRPr sz="1400">
+                <a:solidFill>
+                  <a:schemeClr val="tx1">
+                    <a:tint val="75000"/>
+                  </a:schemeClr>
+                </a:solidFill>
+              </a:defRPr>
+            </a:lvl5pPr>
+            <a:lvl6pPr marL="2286000" indent="0">
+              <a:buNone/>
+              <a:defRPr sz="1400">
+                <a:solidFill>
+                  <a:schemeClr val="tx1">
+                    <a:tint val="75000"/>
+                  </a:schemeClr>
+                </a:solidFill>
+              </a:defRPr>
+            </a:lvl6pPr>
+            <a:lvl7pPr marL="2743200" indent="0">
+              <a:buNone/>
+              <a:defRPr sz="1400">
+                <a:solidFill>
+                  <a:schemeClr val="tx1">
+                    <a:tint val="75000"/>
+                  </a:schemeClr>
+                </a:solidFill>
+              </a:defRPr>
+            </a:lvl7pPr>
+            <a:lvl8pPr marL="3200400" indent="0">
+              <a:buNone/>
+              <a:defRPr sz="1400">
+                <a:solidFill>
+                  <a:schemeClr val="tx1">
+                    <a:tint val="75000"/>
+                  </a:schemeClr>
+                </a:solidFill>
+              </a:defRPr>
+            </a:lvl8pPr>
+            <a:lvl9pPr marL="3657600" indent="0">
+              <a:buNone/>
+              <a:defRPr sz="1400">
+                <a:solidFill>
+                  <a:schemeClr val="tx1">
+                    <a:tint val="75000"/>
+                  </a:schemeClr>
+                </a:solidFill>
+              </a:defRPr>
+            </a:lvl9pPr>
+          </a:lstStyle>
+          <a:p>
+            <a:pPr lvl="0"/>
+            <a:r>
+              <a:rPr lang="en-US"/>
+              <a:t>Click to edit Master text styles</a:t>
+            </a:r>
+          </a:p>
+        </p:txBody>
+      </p:sp>
+      <p:sp>
+        <p:nvSpPr>
+          <p:cNvPr id="4" name="Date Placeholder 3"/>
+          <p:cNvSpPr>
+            <a:spLocks noGrp="1"/>
+          </p:cNvSpPr>
+          <p:nvPr>
+            <p:ph type="dt" sz="half" idx="10"/>
+          </p:nvPr>
+        </p:nvSpPr>
+        <p:spPr/>
+        <p:txBody>
+          <a:bodyPr/>
+          <a:lstStyle/>
+          <a:p>
+            <a:pPr marL="0" marR="0" lvl="0" indent="0" algn="l" defTabSz="914400" rtl="0" eaLnBrk="1" fontAlgn="auto" latinLnBrk="0" hangingPunct="1">
+              <a:lnSpc>
+                <a:spcPct val="100000"/>
+              </a:lnSpc>
+              <a:spcBef>
+                <a:spcPts val="0"/>
+              </a:spcBef>
+              <a:spcAft>
+                <a:spcPts val="0"/>
+              </a:spcAft>
+              <a:buClrTx/>
+              <a:buSzTx/>
+              <a:buFontTx/>
+              <a:buNone/>
+            </a:pPr>
+            <a:endParaRPr kumimoji="0" lang="zh-CN" altLang="en-US" sz="1200" b="0" i="0" u="none" strike="noStrike" kern="1200" cap="none" spc="0" normalizeH="0" baseline="0" noProof="0">
+              <a:ln>
+                <a:noFill/>
+              </a:ln>
+              <a:solidFill>
+                <a:schemeClr val="tx1">
+                  <a:tint val="75000"/>
+                </a:schemeClr>
+              </a:solidFill>
+              <a:effectLst/>
+              <a:uLnTx/>
+              <a:uFillTx/>
+              <a:latin typeface="+mn-lt"/>
+              <a:ea typeface="+mn-ea"/>
+              <a:cs typeface="+mn-cs"/>
+            </a:endParaRPr>
+          </a:p>
+        </p:txBody>
+      </p:sp>
+      <p:sp>
+        <p:nvSpPr>
+          <p:cNvPr id="5" name="Footer Placeholder 4"/>
+          <p:cNvSpPr>
+            <a:spLocks noGrp="1"/>
+          </p:cNvSpPr>
+          <p:nvPr>
+            <p:ph type="ftr" sz="quarter" idx="11"/>
+          </p:nvPr>
+        </p:nvSpPr>
+        <p:spPr/>
+        <p:txBody>
+          <a:bodyPr/>
+          <a:lstStyle/>
+          <a:p>
+            <a:pPr marL="0" marR="0" lvl="0" indent="0" algn="ctr" defTabSz="914400" rtl="0" eaLnBrk="1" fontAlgn="auto" latinLnBrk="0" hangingPunct="1">
+              <a:lnSpc>
+                <a:spcPct val="100000"/>
+              </a:lnSpc>
+              <a:spcBef>
+                <a:spcPts val="0"/>
+              </a:spcBef>
+              <a:spcAft>
+                <a:spcPts val="0"/>
+              </a:spcAft>
+              <a:buClrTx/>
+              <a:buSzTx/>
+              <a:buFontTx/>
+              <a:buNone/>
+            </a:pPr>
+            <a:endParaRPr kumimoji="0" lang="zh-CN" altLang="en-US" sz="1200" b="0" i="0" u="none" strike="noStrike" kern="1200" cap="none" spc="0" normalizeH="0" baseline="0" noProof="0">
+              <a:ln>
+                <a:noFill/>
+              </a:ln>
+              <a:solidFill>
+                <a:schemeClr val="tx1">
+                  <a:tint val="75000"/>
+                </a:schemeClr>
+              </a:solidFill>
+              <a:effectLst/>
+              <a:uLnTx/>
+              <a:uFillTx/>
+              <a:latin typeface="+mn-lt"/>
+              <a:ea typeface="+mn-ea"/>
+              <a:cs typeface="+mn-cs"/>
+            </a:endParaRPr>
+          </a:p>
+        </p:txBody>
+      </p:sp>
+      <p:sp>
+        <p:nvSpPr>
+          <p:cNvPr id="6" name="Slide Number Placeholder 5"/>
+          <p:cNvSpPr>
+            <a:spLocks noGrp="1"/>
+          </p:cNvSpPr>
+          <p:nvPr>
+            <p:ph type="sldNum" sz="quarter" idx="12"/>
+          </p:nvPr>
+        </p:nvSpPr>
+        <p:spPr/>
+        <p:txBody>
+          <a:bodyPr/>
+          <a:lstStyle/>
+          <a:p>
+            <a:pPr marL="0" marR="0" lvl="0" indent="0" algn="r" defTabSz="914400" rtl="0" eaLnBrk="1" fontAlgn="auto" latinLnBrk="0" hangingPunct="1">
+              <a:lnSpc>
+                <a:spcPct val="100000"/>
+              </a:lnSpc>
+              <a:spcBef>
+                <a:spcPts val="0"/>
+              </a:spcBef>
+              <a:spcAft>
+                <a:spcPts val="0"/>
+              </a:spcAft>
+              <a:buClrTx/>
+              <a:buSzTx/>
+              <a:buFontTx/>
+              <a:buNone/>
+            </a:pPr>
+            <a:fld id="{BEF05245-1089-431C-9CB9-1C9E798A99A0}" type="slidenum">
+              <a:rPr kumimoji="0" lang="zh-CN" altLang="en-US" sz="1200" b="0" i="0" u="none" strike="noStrike" kern="1200" cap="none" spc="0" normalizeH="0" baseline="0" noProof="0" smtClean="0">
+                <a:ln>
+                  <a:noFill/>
+                </a:ln>
+                <a:solidFill>
+                  <a:schemeClr val="tx1">
+                    <a:tint val="75000"/>
+                  </a:schemeClr>
+                </a:solidFill>
+                <a:effectLst/>
+                <a:uLnTx/>
+                <a:uFillTx/>
+                <a:latin typeface="+mn-lt"/>
+                <a:ea typeface="+mn-ea"/>
+                <a:cs typeface="+mn-cs"/>
+              </a:rPr>
+              <a:t>‹#›</a:t>
+            </a:fld>
+            <a:endParaRPr kumimoji="0" lang="zh-CN" altLang="en-US" sz="1200" b="0" i="0" u="none" strike="noStrike" kern="1200" cap="none" spc="0" normalizeH="0" baseline="0" noProof="0">
+              <a:ln>
+                <a:noFill/>
+              </a:ln>
+              <a:solidFill>
+                <a:schemeClr val="tx1">
+                  <a:tint val="75000"/>
+                </a:schemeClr>
+              </a:solidFill>
+              <a:effectLst/>
+              <a:uLnTx/>
+              <a:uFillTx/>
+              <a:latin typeface="+mn-lt"/>
+              <a:ea typeface="+mn-ea"/>
+              <a:cs typeface="+mn-cs"/>
+            </a:endParaRPr>
+          </a:p>
+        </p:txBody>
+      </p:sp>
+    </p:spTree>
+    <p:extLst>
+      <p:ext uri="{BB962C8B-B14F-4D97-AF65-F5344CB8AC3E}">
+        <p14:creationId xmlns:p14="http://schemas.microsoft.com/office/powerpoint/2010/main" val="3956212675"/>
+      </p:ext>
+    </p:extLst>
+  </p:cSld>
+  <p:clrMapOvr>
+    <a:masterClrMapping/>
+  </p:clrMapOvr>
+  <p:hf sldNum="0" hdr="0" ftr="0" dt="0"/>
+</p:sldLayout>
+</file>
+
+<file path=ppt/slideLayouts/slideLayout15.xml><?xml version="1.0" encoding="utf-8"?>
 <p:sldLayout xmlns:a="http://schemas.openxmlformats.org/drawingml/2006/main" xmlns:r="http://schemas.openxmlformats.org/officeDocument/2006/relationships" xmlns:p="http://schemas.openxmlformats.org/presentationml/2006/main" type="vertTx" preserve="1">
   <p:cSld name="Title and Vertical Text">
     <p:spTree>
@@ -1472,6 +3732,7 @@
               <a:rPr lang="en-US"/>
               <a:t>Click to edit Master title style</a:t>
             </a:r>
+            <a:endParaRPr lang="en-US" dirty="0"/>
           </a:p>
         </p:txBody>
       </p:sp>
@@ -1523,6 +3784,7 @@
               <a:rPr lang="en-US"/>
               <a:t>Fifth level</a:t>
             </a:r>
+            <a:endParaRPr lang="en-US" dirty="0"/>
           </a:p>
         </p:txBody>
       </p:sp>
@@ -1688,6 +3950,11 @@
         </p:txBody>
       </p:sp>
     </p:spTree>
+    <p:extLst>
+      <p:ext uri="{BB962C8B-B14F-4D97-AF65-F5344CB8AC3E}">
+        <p14:creationId xmlns:p14="http://schemas.microsoft.com/office/powerpoint/2010/main" val="316332295"/>
+      </p:ext>
+    </p:extLst>
   </p:cSld>
   <p:clrMapOvr>
     <a:masterClrMapping/>
@@ -1708,7 +3975,7 @@
 </p:sldLayout>
 </file>
 
-<file path=ppt/slideLayouts/slideLayout11.xml><?xml version="1.0" encoding="utf-8"?>
+<file path=ppt/slideLayouts/slideLayout16.xml><?xml version="1.0" encoding="utf-8"?>
 <p:sldLayout xmlns:a="http://schemas.openxmlformats.org/drawingml/2006/main" xmlns:r="http://schemas.openxmlformats.org/officeDocument/2006/relationships" xmlns:p="http://schemas.openxmlformats.org/presentationml/2006/main" type="vertTitleAndTx" preserve="1">
   <p:cSld name="Vertical Title and Text">
     <p:spTree>
@@ -1737,18 +4004,19 @@
         </p:nvSpPr>
         <p:spPr>
           <a:xfrm>
-            <a:off x="8839200" y="274638"/>
-            <a:ext cx="2743200" cy="5851525"/>
+            <a:off x="7967673" y="609599"/>
+            <a:ext cx="1304743" cy="5251451"/>
           </a:xfrm>
         </p:spPr>
         <p:txBody>
-          <a:bodyPr vert="eaVert"/>
+          <a:bodyPr vert="eaVert" anchor="ctr"/>
           <a:lstStyle/>
           <a:p>
             <a:r>
               <a:rPr lang="en-US"/>
               <a:t>Click to edit Master title style</a:t>
             </a:r>
+            <a:endParaRPr lang="en-US" dirty="0"/>
           </a:p>
         </p:txBody>
       </p:sp>
@@ -1764,8 +4032,8 @@
         </p:nvSpPr>
         <p:spPr>
           <a:xfrm>
-            <a:off x="609600" y="274638"/>
-            <a:ext cx="8026400" cy="5851525"/>
+            <a:off x="677335" y="609600"/>
+            <a:ext cx="7060150" cy="5251450"/>
           </a:xfrm>
         </p:spPr>
         <p:txBody>
@@ -1805,6 +4073,7 @@
               <a:rPr lang="en-US"/>
               <a:t>Fifth level</a:t>
             </a:r>
+            <a:endParaRPr lang="en-US" dirty="0"/>
           </a:p>
         </p:txBody>
       </p:sp>
@@ -1970,6 +4239,11 @@
         </p:txBody>
       </p:sp>
     </p:spTree>
+    <p:extLst>
+      <p:ext uri="{BB962C8B-B14F-4D97-AF65-F5344CB8AC3E}">
+        <p14:creationId xmlns:p14="http://schemas.microsoft.com/office/powerpoint/2010/main" val="3110766069"/>
+      </p:ext>
+    </p:extLst>
   </p:cSld>
   <p:clrMapOvr>
     <a:masterClrMapping/>
@@ -2019,13 +4293,20 @@
         </p:nvSpPr>
         <p:spPr/>
         <p:txBody>
-          <a:bodyPr/>
-          <a:lstStyle/>
+          <a:bodyPr>
+            <a:normAutofit/>
+          </a:bodyPr>
+          <a:lstStyle>
+            <a:lvl1pPr>
+              <a:defRPr sz="3600"/>
+            </a:lvl1pPr>
+          </a:lstStyle>
           <a:p>
             <a:r>
               <a:rPr lang="en-US"/>
               <a:t>Click to edit Master title style</a:t>
             </a:r>
+            <a:endParaRPr lang="en-US" dirty="0"/>
           </a:p>
         </p:txBody>
       </p:sp>
@@ -2077,6 +4358,7 @@
               <a:rPr lang="en-US"/>
               <a:t>Fifth level</a:t>
             </a:r>
+            <a:endParaRPr lang="en-US" dirty="0"/>
           </a:p>
         </p:txBody>
       </p:sp>
@@ -2242,6 +4524,11 @@
         </p:txBody>
       </p:sp>
     </p:spTree>
+    <p:extLst>
+      <p:ext uri="{BB962C8B-B14F-4D97-AF65-F5344CB8AC3E}">
+        <p14:creationId xmlns:p14="http://schemas.microsoft.com/office/powerpoint/2010/main" val="2979198681"/>
+      </p:ext>
+    </p:extLst>
   </p:cSld>
   <p:clrMapOvr>
     <a:masterClrMapping/>
@@ -2291,15 +4578,15 @@
         </p:nvSpPr>
         <p:spPr>
           <a:xfrm>
-            <a:off x="831851" y="1709738"/>
-            <a:ext cx="10515600" cy="2852737"/>
+            <a:off x="677335" y="2700867"/>
+            <a:ext cx="8596668" cy="1826581"/>
           </a:xfrm>
         </p:spPr>
         <p:txBody>
           <a:bodyPr anchor="b"/>
           <a:lstStyle>
-            <a:lvl1pPr>
-              <a:defRPr sz="6000"/>
+            <a:lvl1pPr algn="l">
+              <a:defRPr sz="4000" b="0" cap="none"/>
             </a:lvl1pPr>
           </a:lstStyle>
           <a:p>
@@ -2307,6 +4594,7 @@
               <a:rPr lang="en-US"/>
               <a:t>Click to edit Master title style</a:t>
             </a:r>
+            <a:endParaRPr lang="en-US" dirty="0"/>
           </a:p>
         </p:txBody>
       </p:sp>
@@ -2322,48 +4610,103 @@
         </p:nvSpPr>
         <p:spPr>
           <a:xfrm>
-            <a:off x="831851" y="4589463"/>
-            <a:ext cx="10515600" cy="1500187"/>
+            <a:off x="677335" y="4527448"/>
+            <a:ext cx="8596668" cy="860400"/>
           </a:xfrm>
         </p:spPr>
         <p:txBody>
-          <a:bodyPr/>
+          <a:bodyPr anchor="t"/>
           <a:lstStyle>
-            <a:lvl1pPr marL="0" indent="0">
-              <a:buNone/>
-              <a:defRPr sz="2400"/>
+            <a:lvl1pPr marL="0" indent="0" algn="l">
+              <a:buNone/>
+              <a:defRPr sz="2000">
+                <a:solidFill>
+                  <a:schemeClr val="tx1">
+                    <a:lumMod val="50000"/>
+                    <a:lumOff val="50000"/>
+                  </a:schemeClr>
+                </a:solidFill>
+              </a:defRPr>
             </a:lvl1pPr>
             <a:lvl2pPr marL="457200" indent="0">
               <a:buNone/>
-              <a:defRPr sz="2000"/>
+              <a:defRPr sz="1800">
+                <a:solidFill>
+                  <a:schemeClr val="tx1">
+                    <a:tint val="75000"/>
+                  </a:schemeClr>
+                </a:solidFill>
+              </a:defRPr>
             </a:lvl2pPr>
             <a:lvl3pPr marL="914400" indent="0">
               <a:buNone/>
-              <a:defRPr sz="1800"/>
+              <a:defRPr sz="1600">
+                <a:solidFill>
+                  <a:schemeClr val="tx1">
+                    <a:tint val="75000"/>
+                  </a:schemeClr>
+                </a:solidFill>
+              </a:defRPr>
             </a:lvl3pPr>
             <a:lvl4pPr marL="1371600" indent="0">
               <a:buNone/>
-              <a:defRPr sz="1600"/>
+              <a:defRPr sz="1400">
+                <a:solidFill>
+                  <a:schemeClr val="tx1">
+                    <a:tint val="75000"/>
+                  </a:schemeClr>
+                </a:solidFill>
+              </a:defRPr>
             </a:lvl4pPr>
             <a:lvl5pPr marL="1828800" indent="0">
               <a:buNone/>
-              <a:defRPr sz="1600"/>
+              <a:defRPr sz="1400">
+                <a:solidFill>
+                  <a:schemeClr val="tx1">
+                    <a:tint val="75000"/>
+                  </a:schemeClr>
+                </a:solidFill>
+              </a:defRPr>
             </a:lvl5pPr>
             <a:lvl6pPr marL="2286000" indent="0">
               <a:buNone/>
-              <a:defRPr sz="1600"/>
+              <a:defRPr sz="1400">
+                <a:solidFill>
+                  <a:schemeClr val="tx1">
+                    <a:tint val="75000"/>
+                  </a:schemeClr>
+                </a:solidFill>
+              </a:defRPr>
             </a:lvl6pPr>
             <a:lvl7pPr marL="2743200" indent="0">
               <a:buNone/>
-              <a:defRPr sz="1600"/>
+              <a:defRPr sz="1400">
+                <a:solidFill>
+                  <a:schemeClr val="tx1">
+                    <a:tint val="75000"/>
+                  </a:schemeClr>
+                </a:solidFill>
+              </a:defRPr>
             </a:lvl7pPr>
             <a:lvl8pPr marL="3200400" indent="0">
               <a:buNone/>
-              <a:defRPr sz="1600"/>
+              <a:defRPr sz="1400">
+                <a:solidFill>
+                  <a:schemeClr val="tx1">
+                    <a:tint val="75000"/>
+                  </a:schemeClr>
+                </a:solidFill>
+              </a:defRPr>
             </a:lvl8pPr>
             <a:lvl9pPr marL="3657600" indent="0">
               <a:buNone/>
-              <a:defRPr sz="1600"/>
+              <a:defRPr sz="1400">
+                <a:solidFill>
+                  <a:schemeClr val="tx1">
+                    <a:tint val="75000"/>
+                  </a:schemeClr>
+                </a:solidFill>
+              </a:defRPr>
             </a:lvl9pPr>
           </a:lstStyle>
           <a:p>
@@ -2537,6 +4880,11 @@
         </p:txBody>
       </p:sp>
     </p:spTree>
+    <p:extLst>
+      <p:ext uri="{BB962C8B-B14F-4D97-AF65-F5344CB8AC3E}">
+        <p14:creationId xmlns:p14="http://schemas.microsoft.com/office/powerpoint/2010/main" val="1398479682"/>
+      </p:ext>
+    </p:extLst>
   </p:cSld>
   <p:clrMapOvr>
     <a:masterClrMapping/>
@@ -2593,6 +4941,7 @@
               <a:rPr lang="en-US"/>
               <a:t>Click to edit Master title style</a:t>
             </a:r>
+            <a:endParaRPr lang="en-US" dirty="0"/>
           </a:p>
         </p:txBody>
       </p:sp>
@@ -2608,8 +4957,8 @@
         </p:nvSpPr>
         <p:spPr>
           <a:xfrm>
-            <a:off x="609600" y="1600200"/>
-            <a:ext cx="5384800" cy="4525963"/>
+            <a:off x="677334" y="2160589"/>
+            <a:ext cx="4184035" cy="3880772"/>
           </a:xfrm>
         </p:spPr>
         <p:txBody>
@@ -2649,6 +4998,7 @@
               <a:rPr lang="en-US"/>
               <a:t>Fifth level</a:t>
             </a:r>
+            <a:endParaRPr lang="en-US" dirty="0"/>
           </a:p>
         </p:txBody>
       </p:sp>
@@ -2664,8 +5014,8 @@
         </p:nvSpPr>
         <p:spPr>
           <a:xfrm>
-            <a:off x="6197600" y="1600200"/>
-            <a:ext cx="5384800" cy="4525963"/>
+            <a:off x="5089970" y="2160589"/>
+            <a:ext cx="4184034" cy="3880773"/>
           </a:xfrm>
         </p:spPr>
         <p:txBody>
@@ -2705,6 +5055,7 @@
               <a:rPr lang="en-US"/>
               <a:t>Fifth level</a:t>
             </a:r>
+            <a:endParaRPr lang="en-US" dirty="0"/>
           </a:p>
         </p:txBody>
       </p:sp>
@@ -2870,6 +5221,11 @@
         </p:txBody>
       </p:sp>
     </p:spTree>
+    <p:extLst>
+      <p:ext uri="{BB962C8B-B14F-4D97-AF65-F5344CB8AC3E}">
+        <p14:creationId xmlns:p14="http://schemas.microsoft.com/office/powerpoint/2010/main" val="3217694349"/>
+      </p:ext>
+    </p:extLst>
   </p:cSld>
   <p:clrMapOvr>
     <a:masterClrMapping/>
@@ -2917,20 +5273,20 @@
             <p:ph type="title"/>
           </p:nvPr>
         </p:nvSpPr>
-        <p:spPr>
-          <a:xfrm>
-            <a:off x="840317" y="365125"/>
-            <a:ext cx="10515600" cy="1325563"/>
-          </a:xfrm>
-        </p:spPr>
+        <p:spPr/>
         <p:txBody>
           <a:bodyPr/>
-          <a:lstStyle/>
+          <a:lstStyle>
+            <a:lvl1pPr>
+              <a:defRPr/>
+            </a:lvl1pPr>
+          </a:lstStyle>
           <a:p>
             <a:r>
               <a:rPr lang="en-US"/>
               <a:t>Click to edit Master title style</a:t>
             </a:r>
+            <a:endParaRPr lang="en-US" dirty="0"/>
           </a:p>
         </p:txBody>
       </p:sp>
@@ -2946,16 +5302,18 @@
         </p:nvSpPr>
         <p:spPr>
           <a:xfrm>
-            <a:off x="840317" y="1681163"/>
-            <a:ext cx="5158316" cy="823912"/>
+            <a:off x="675745" y="2160983"/>
+            <a:ext cx="4185623" cy="576262"/>
           </a:xfrm>
         </p:spPr>
         <p:txBody>
-          <a:bodyPr anchor="b"/>
+          <a:bodyPr anchor="b">
+            <a:noAutofit/>
+          </a:bodyPr>
           <a:lstStyle>
             <a:lvl1pPr marL="0" indent="0">
               <a:buNone/>
-              <a:defRPr sz="2400" b="1"/>
+              <a:defRPr sz="2400" b="0"/>
             </a:lvl1pPr>
             <a:lvl2pPr marL="457200" indent="0">
               <a:buNone/>
@@ -3011,12 +5369,14 @@
         </p:nvSpPr>
         <p:spPr>
           <a:xfrm>
-            <a:off x="840317" y="2505075"/>
-            <a:ext cx="5158316" cy="3684588"/>
+            <a:off x="675745" y="2737245"/>
+            <a:ext cx="4185623" cy="3304117"/>
           </a:xfrm>
         </p:spPr>
         <p:txBody>
-          <a:bodyPr/>
+          <a:bodyPr>
+            <a:normAutofit/>
+          </a:bodyPr>
           <a:lstStyle/>
           <a:p>
             <a:pPr lvl="0"/>
@@ -3052,6 +5412,7 @@
               <a:rPr lang="en-US"/>
               <a:t>Fifth level</a:t>
             </a:r>
+            <a:endParaRPr lang="en-US" dirty="0"/>
           </a:p>
         </p:txBody>
       </p:sp>
@@ -3067,16 +5428,18 @@
         </p:nvSpPr>
         <p:spPr>
           <a:xfrm>
-            <a:off x="6172200" y="1681163"/>
-            <a:ext cx="5183717" cy="823912"/>
+            <a:off x="5088383" y="2160983"/>
+            <a:ext cx="4185618" cy="576262"/>
           </a:xfrm>
         </p:spPr>
         <p:txBody>
-          <a:bodyPr anchor="b"/>
+          <a:bodyPr anchor="b">
+            <a:noAutofit/>
+          </a:bodyPr>
           <a:lstStyle>
             <a:lvl1pPr marL="0" indent="0">
               <a:buNone/>
-              <a:defRPr sz="2400" b="1"/>
+              <a:defRPr sz="2400" b="0"/>
             </a:lvl1pPr>
             <a:lvl2pPr marL="457200" indent="0">
               <a:buNone/>
@@ -3132,12 +5495,14 @@
         </p:nvSpPr>
         <p:spPr>
           <a:xfrm>
-            <a:off x="6172200" y="2505075"/>
-            <a:ext cx="5183717" cy="3684588"/>
+            <a:off x="5088384" y="2737245"/>
+            <a:ext cx="4185617" cy="3304117"/>
           </a:xfrm>
         </p:spPr>
         <p:txBody>
-          <a:bodyPr/>
+          <a:bodyPr>
+            <a:normAutofit/>
+          </a:bodyPr>
           <a:lstStyle/>
           <a:p>
             <a:pPr lvl="0"/>
@@ -3173,6 +5538,7 @@
               <a:rPr lang="en-US"/>
               <a:t>Fifth level</a:t>
             </a:r>
+            <a:endParaRPr lang="en-US" dirty="0"/>
           </a:p>
         </p:txBody>
       </p:sp>
@@ -3338,6 +5704,11 @@
         </p:txBody>
       </p:sp>
     </p:spTree>
+    <p:extLst>
+      <p:ext uri="{BB962C8B-B14F-4D97-AF65-F5344CB8AC3E}">
+        <p14:creationId xmlns:p14="http://schemas.microsoft.com/office/powerpoint/2010/main" val="3830916457"/>
+      </p:ext>
+    </p:extLst>
   </p:cSld>
   <p:clrMapOvr>
     <a:masterClrMapping/>
@@ -3385,7 +5756,12 @@
             <p:ph type="title"/>
           </p:nvPr>
         </p:nvSpPr>
-        <p:spPr/>
+        <p:spPr>
+          <a:xfrm>
+            <a:off x="677334" y="609600"/>
+            <a:ext cx="8596668" cy="1320800"/>
+          </a:xfrm>
+        </p:spPr>
         <p:txBody>
           <a:bodyPr/>
           <a:lstStyle/>
@@ -3394,6 +5770,7 @@
               <a:rPr lang="en-US"/>
               <a:t>Click to edit Master title style</a:t>
             </a:r>
+            <a:endParaRPr lang="en-US" dirty="0"/>
           </a:p>
         </p:txBody>
       </p:sp>
@@ -3559,6 +5936,11 @@
         </p:txBody>
       </p:sp>
     </p:spTree>
+    <p:extLst>
+      <p:ext uri="{BB962C8B-B14F-4D97-AF65-F5344CB8AC3E}">
+        <p14:creationId xmlns:p14="http://schemas.microsoft.com/office/powerpoint/2010/main" val="582381557"/>
+      </p:ext>
+    </p:extLst>
   </p:cSld>
   <p:clrMapOvr>
     <a:masterClrMapping/>
@@ -3758,6 +6140,11 @@
         </p:txBody>
       </p:sp>
     </p:spTree>
+    <p:extLst>
+      <p:ext uri="{BB962C8B-B14F-4D97-AF65-F5344CB8AC3E}">
+        <p14:creationId xmlns:p14="http://schemas.microsoft.com/office/powerpoint/2010/main" val="2429874050"/>
+      </p:ext>
+    </p:extLst>
   </p:cSld>
   <p:clrMapOvr>
     <a:masterClrMapping/>
@@ -3807,15 +6194,17 @@
         </p:nvSpPr>
         <p:spPr>
           <a:xfrm>
-            <a:off x="840317" y="457200"/>
-            <a:ext cx="3932767" cy="1600200"/>
+            <a:off x="677334" y="1498604"/>
+            <a:ext cx="3854528" cy="1278466"/>
           </a:xfrm>
         </p:spPr>
         <p:txBody>
-          <a:bodyPr anchor="b"/>
+          <a:bodyPr anchor="b">
+            <a:normAutofit/>
+          </a:bodyPr>
           <a:lstStyle>
             <a:lvl1pPr>
-              <a:defRPr sz="3200"/>
+              <a:defRPr sz="2000"/>
             </a:lvl1pPr>
           </a:lstStyle>
           <a:p>
@@ -3823,6 +6212,7 @@
               <a:rPr lang="en-US"/>
               <a:t>Click to edit Master title style</a:t>
             </a:r>
+            <a:endParaRPr lang="en-US" dirty="0"/>
           </a:p>
         </p:txBody>
       </p:sp>
@@ -3838,41 +6228,15 @@
         </p:nvSpPr>
         <p:spPr>
           <a:xfrm>
-            <a:off x="5183717" y="987425"/>
-            <a:ext cx="6172200" cy="4873625"/>
+            <a:off x="4760461" y="514924"/>
+            <a:ext cx="4513541" cy="5526437"/>
           </a:xfrm>
         </p:spPr>
         <p:txBody>
-          <a:bodyPr/>
-          <a:lstStyle>
-            <a:lvl1pPr>
-              <a:defRPr sz="3200"/>
-            </a:lvl1pPr>
-            <a:lvl2pPr>
-              <a:defRPr sz="2800"/>
-            </a:lvl2pPr>
-            <a:lvl3pPr>
-              <a:defRPr sz="2400"/>
-            </a:lvl3pPr>
-            <a:lvl4pPr>
-              <a:defRPr sz="2000"/>
-            </a:lvl4pPr>
-            <a:lvl5pPr>
-              <a:defRPr sz="2000"/>
-            </a:lvl5pPr>
-            <a:lvl6pPr>
-              <a:defRPr sz="2000"/>
-            </a:lvl6pPr>
-            <a:lvl7pPr>
-              <a:defRPr sz="2000"/>
-            </a:lvl7pPr>
-            <a:lvl8pPr>
-              <a:defRPr sz="2000"/>
-            </a:lvl8pPr>
-            <a:lvl9pPr>
-              <a:defRPr sz="2000"/>
-            </a:lvl9pPr>
-          </a:lstStyle>
+          <a:bodyPr>
+            <a:normAutofit/>
+          </a:bodyPr>
+          <a:lstStyle/>
           <a:p>
             <a:pPr lvl="0"/>
             <a:r>
@@ -3907,6 +6271,7 @@
               <a:rPr lang="en-US"/>
               <a:t>Fifth level</a:t>
             </a:r>
+            <a:endParaRPr lang="en-US" dirty="0"/>
           </a:p>
         </p:txBody>
       </p:sp>
@@ -3922,46 +6287,48 @@
         </p:nvSpPr>
         <p:spPr>
           <a:xfrm>
-            <a:off x="840317" y="2057400"/>
-            <a:ext cx="3932767" cy="3811588"/>
+            <a:off x="677334" y="2777069"/>
+            <a:ext cx="3854528" cy="2584449"/>
           </a:xfrm>
         </p:spPr>
         <p:txBody>
-          <a:bodyPr/>
+          <a:bodyPr>
+            <a:normAutofit/>
+          </a:bodyPr>
           <a:lstStyle>
             <a:lvl1pPr marL="0" indent="0">
               <a:buNone/>
-              <a:defRPr sz="1600"/>
+              <a:defRPr sz="1400"/>
             </a:lvl1pPr>
-            <a:lvl2pPr marL="457200" indent="0">
+            <a:lvl2pPr marL="457063" indent="0">
               <a:buNone/>
               <a:defRPr sz="1400"/>
             </a:lvl2pPr>
-            <a:lvl3pPr marL="914400" indent="0">
+            <a:lvl3pPr marL="914126" indent="0">
               <a:buNone/>
               <a:defRPr sz="1200"/>
             </a:lvl3pPr>
-            <a:lvl4pPr marL="1371600" indent="0">
+            <a:lvl4pPr marL="1371189" indent="0">
               <a:buNone/>
               <a:defRPr sz="1000"/>
             </a:lvl4pPr>
-            <a:lvl5pPr marL="1828800" indent="0">
+            <a:lvl5pPr marL="1828251" indent="0">
               <a:buNone/>
               <a:defRPr sz="1000"/>
             </a:lvl5pPr>
-            <a:lvl6pPr marL="2286000" indent="0">
+            <a:lvl6pPr marL="2285314" indent="0">
               <a:buNone/>
               <a:defRPr sz="1000"/>
             </a:lvl6pPr>
-            <a:lvl7pPr marL="2743200" indent="0">
+            <a:lvl7pPr marL="2742377" indent="0">
               <a:buNone/>
               <a:defRPr sz="1000"/>
             </a:lvl7pPr>
-            <a:lvl8pPr marL="3200400" indent="0">
+            <a:lvl8pPr marL="3199440" indent="0">
               <a:buNone/>
               <a:defRPr sz="1000"/>
             </a:lvl8pPr>
-            <a:lvl9pPr marL="3657600" indent="0">
+            <a:lvl9pPr marL="3656503" indent="0">
               <a:buNone/>
               <a:defRPr sz="1000"/>
             </a:lvl9pPr>
@@ -4137,6 +6504,11 @@
         </p:txBody>
       </p:sp>
     </p:spTree>
+    <p:extLst>
+      <p:ext uri="{BB962C8B-B14F-4D97-AF65-F5344CB8AC3E}">
+        <p14:creationId xmlns:p14="http://schemas.microsoft.com/office/powerpoint/2010/main" val="1514437748"/>
+      </p:ext>
+    </p:extLst>
   </p:cSld>
   <p:clrMapOvr>
     <a:masterClrMapping/>
@@ -4186,15 +6558,17 @@
         </p:nvSpPr>
         <p:spPr>
           <a:xfrm>
-            <a:off x="840317" y="457200"/>
-            <a:ext cx="3932767" cy="1600200"/>
+            <a:off x="677334" y="4800600"/>
+            <a:ext cx="8596667" cy="566738"/>
           </a:xfrm>
         </p:spPr>
         <p:txBody>
-          <a:bodyPr anchor="b"/>
+          <a:bodyPr anchor="b">
+            <a:normAutofit/>
+          </a:bodyPr>
           <a:lstStyle>
-            <a:lvl1pPr>
-              <a:defRPr sz="3200"/>
+            <a:lvl1pPr algn="l">
+              <a:defRPr sz="2400" b="0"/>
             </a:lvl1pPr>
           </a:lstStyle>
           <a:p>
@@ -4202,6 +6576,7 @@
               <a:rPr lang="en-US"/>
               <a:t>Click to edit Master title style</a:t>
             </a:r>
+            <a:endParaRPr lang="en-US" dirty="0"/>
           </a:p>
         </p:txBody>
       </p:sp>
@@ -4209,7 +6584,7 @@
         <p:nvSpPr>
           <p:cNvPr id="3" name="Picture Placeholder 2"/>
           <p:cNvSpPr>
-            <a:spLocks noGrp="1"/>
+            <a:spLocks noGrp="1" noChangeAspect="1"/>
           </p:cNvSpPr>
           <p:nvPr>
             <p:ph type="pic" idx="1"/>
@@ -4217,81 +6592,58 @@
         </p:nvSpPr>
         <p:spPr>
           <a:xfrm>
-            <a:off x="5183717" y="987425"/>
-            <a:ext cx="6172200" cy="4873625"/>
+            <a:off x="677334" y="609600"/>
+            <a:ext cx="8596668" cy="3845718"/>
           </a:xfrm>
         </p:spPr>
         <p:txBody>
-          <a:bodyPr vert="horz" wrap="square" lIns="91440" tIns="45720" rIns="91440" bIns="45720" numCol="1" anchor="t" anchorCtr="0" compatLnSpc="1"/>
+          <a:bodyPr anchor="t">
+            <a:normAutofit/>
+          </a:bodyPr>
           <a:lstStyle>
-            <a:lvl1pPr marL="0" indent="0">
-              <a:buNone/>
-              <a:defRPr sz="3200"/>
+            <a:lvl1pPr marL="0" indent="0" algn="ctr">
+              <a:buNone/>
+              <a:defRPr sz="1600"/>
             </a:lvl1pPr>
             <a:lvl2pPr marL="457200" indent="0">
               <a:buNone/>
-              <a:defRPr sz="2800"/>
+              <a:defRPr sz="1600"/>
             </a:lvl2pPr>
             <a:lvl3pPr marL="914400" indent="0">
               <a:buNone/>
-              <a:defRPr sz="2400"/>
+              <a:defRPr sz="1600"/>
             </a:lvl3pPr>
             <a:lvl4pPr marL="1371600" indent="0">
               <a:buNone/>
-              <a:defRPr sz="2000"/>
+              <a:defRPr sz="1600"/>
             </a:lvl4pPr>
             <a:lvl5pPr marL="1828800" indent="0">
               <a:buNone/>
-              <a:defRPr sz="2000"/>
+              <a:defRPr sz="1600"/>
             </a:lvl5pPr>
             <a:lvl6pPr marL="2286000" indent="0">
               <a:buNone/>
-              <a:defRPr sz="2000"/>
+              <a:defRPr sz="1600"/>
             </a:lvl6pPr>
             <a:lvl7pPr marL="2743200" indent="0">
               <a:buNone/>
-              <a:defRPr sz="2000"/>
+              <a:defRPr sz="1600"/>
             </a:lvl7pPr>
             <a:lvl8pPr marL="3200400" indent="0">
               <a:buNone/>
-              <a:defRPr sz="2000"/>
+              <a:defRPr sz="1600"/>
             </a:lvl8pPr>
             <a:lvl9pPr marL="3657600" indent="0">
               <a:buNone/>
-              <a:defRPr sz="2000"/>
+              <a:defRPr sz="1600"/>
             </a:lvl9pPr>
           </a:lstStyle>
           <a:p>
-            <a:pPr marL="0" marR="0" lvl="0" indent="0" algn="l" defTabSz="914400" rtl="0" eaLnBrk="1" fontAlgn="base" latinLnBrk="0" hangingPunct="1">
-              <a:lnSpc>
-                <a:spcPct val="100000"/>
-              </a:lnSpc>
-              <a:spcBef>
-                <a:spcPct val="20000"/>
-              </a:spcBef>
-              <a:spcAft>
-                <a:spcPct val="0"/>
-              </a:spcAft>
-              <a:buClrTx/>
-              <a:buSzTx/>
-              <a:buFontTx/>
-              <a:buNone/>
-              <a:defRPr/>
-            </a:pPr>
-            <a:endParaRPr kumimoji="0" lang="en-US" sz="3200" b="0" i="0" u="none" strike="noStrike" kern="1200" cap="none" spc="0" normalizeH="0" baseline="0" noProof="0">
-              <a:ln>
-                <a:noFill/>
-              </a:ln>
-              <a:solidFill>
-                <a:schemeClr val="tx1"/>
-              </a:solidFill>
-              <a:effectLst/>
-              <a:uLnTx/>
-              <a:uFillTx/>
-              <a:latin typeface="+mn-lt"/>
-              <a:ea typeface="+mn-ea"/>
-              <a:cs typeface="+mn-cs"/>
-            </a:endParaRPr>
+            <a:r>
+              <a:rPr lang="en-US"/>
+              <a:t>Click icon to add picture</a:t>
+            </a:r>
+            <a:endParaRPr lang="en-US" dirty="0"/>
           </a:p>
         </p:txBody>
       </p:sp>
@@ -4307,48 +6659,50 @@
         </p:nvSpPr>
         <p:spPr>
           <a:xfrm>
-            <a:off x="840317" y="2057400"/>
-            <a:ext cx="3932767" cy="3811588"/>
+            <a:off x="677334" y="5367338"/>
+            <a:ext cx="8596667" cy="674024"/>
           </a:xfrm>
         </p:spPr>
         <p:txBody>
-          <a:bodyPr/>
+          <a:bodyPr>
+            <a:normAutofit/>
+          </a:bodyPr>
           <a:lstStyle>
             <a:lvl1pPr marL="0" indent="0">
               <a:buNone/>
-              <a:defRPr sz="1600"/>
+              <a:defRPr sz="1200"/>
             </a:lvl1pPr>
             <a:lvl2pPr marL="457200" indent="0">
               <a:buNone/>
-              <a:defRPr sz="1400"/>
+              <a:defRPr sz="1200"/>
             </a:lvl2pPr>
             <a:lvl3pPr marL="914400" indent="0">
               <a:buNone/>
-              <a:defRPr sz="1200"/>
+              <a:defRPr sz="1000"/>
             </a:lvl3pPr>
             <a:lvl4pPr marL="1371600" indent="0">
               <a:buNone/>
-              <a:defRPr sz="1000"/>
+              <a:defRPr sz="900"/>
             </a:lvl4pPr>
             <a:lvl5pPr marL="1828800" indent="0">
               <a:buNone/>
-              <a:defRPr sz="1000"/>
+              <a:defRPr sz="900"/>
             </a:lvl5pPr>
             <a:lvl6pPr marL="2286000" indent="0">
               <a:buNone/>
-              <a:defRPr sz="1000"/>
+              <a:defRPr sz="900"/>
             </a:lvl6pPr>
             <a:lvl7pPr marL="2743200" indent="0">
               <a:buNone/>
-              <a:defRPr sz="1000"/>
+              <a:defRPr sz="900"/>
             </a:lvl7pPr>
             <a:lvl8pPr marL="3200400" indent="0">
               <a:buNone/>
-              <a:defRPr sz="1000"/>
+              <a:defRPr sz="900"/>
             </a:lvl8pPr>
             <a:lvl9pPr marL="3657600" indent="0">
               <a:buNone/>
-              <a:defRPr sz="1000"/>
+              <a:defRPr sz="900"/>
             </a:lvl9pPr>
           </a:lstStyle>
           <a:p>
@@ -4522,6 +6876,11 @@
         </p:txBody>
       </p:sp>
     </p:spTree>
+    <p:extLst>
+      <p:ext uri="{BB962C8B-B14F-4D97-AF65-F5344CB8AC3E}">
+        <p14:creationId xmlns:p14="http://schemas.microsoft.com/office/powerpoint/2010/main" val="2635969020"/>
+      </p:ext>
+    </p:extLst>
   </p:cSld>
   <p:clrMapOvr>
     <a:masterClrMapping/>
@@ -4546,12 +6905,9 @@
 <p:sldMaster xmlns:a="http://schemas.openxmlformats.org/drawingml/2006/main" xmlns:r="http://schemas.openxmlformats.org/officeDocument/2006/relationships" xmlns:p="http://schemas.openxmlformats.org/presentationml/2006/main">
   <p:cSld>
     <p:bg>
-      <p:bgPr>
-        <a:solidFill>
-          <a:schemeClr val="bg1"/>
-        </a:solidFill>
-        <a:effectLst/>
-      </p:bgPr>
+      <p:bgRef idx="1001">
+        <a:schemeClr val="bg1"/>
+      </p:bgRef>
     </p:bg>
     <p:spTree>
       <p:nvGrpSpPr>
@@ -4567,134 +6923,539 @@
           <a:chExt cx="0" cy="0"/>
         </a:xfrm>
       </p:grpSpPr>
-      <p:sp>
-        <p:nvSpPr>
-          <p:cNvPr id="1026" name="Rectangle 2"/>
-          <p:cNvSpPr>
-            <a:spLocks noChangeArrowheads="1"/>
-          </p:cNvSpPr>
+      <p:grpSp>
+        <p:nvGrpSpPr>
+          <p:cNvPr id="7" name="Group 6"/>
+          <p:cNvGrpSpPr/>
           <p:nvPr/>
-        </p:nvSpPr>
-        <p:spPr bwMode="auto">
+        </p:nvGrpSpPr>
+        <p:grpSpPr>
           <a:xfrm>
-            <a:off x="2117" y="333375"/>
-            <a:ext cx="12192000" cy="1009650"/>
+            <a:off x="0" y="-8467"/>
+            <a:ext cx="12192000" cy="6866467"/>
+            <a:chOff x="0" y="-8467"/>
+            <a:chExt cx="12192000" cy="6866467"/>
           </a:xfrm>
-          <a:prstGeom prst="rect">
-            <a:avLst/>
-          </a:prstGeom>
-          <a:gradFill rotWithShape="0">
-            <a:gsLst>
-              <a:gs pos="0">
-                <a:schemeClr val="bg2">
-                  <a:gamma/>
-                  <a:tint val="0"/>
-                  <a:invGamma/>
+        </p:grpSpPr>
+        <p:cxnSp>
+          <p:nvCxnSpPr>
+            <p:cNvPr id="20" name="Straight Connector 19"/>
+            <p:cNvCxnSpPr/>
+            <p:nvPr/>
+          </p:nvCxnSpPr>
+          <p:spPr>
+            <a:xfrm>
+              <a:off x="9371012" y="0"/>
+              <a:ext cx="1219200" cy="6858000"/>
+            </a:xfrm>
+            <a:prstGeom prst="line">
+              <a:avLst/>
+            </a:prstGeom>
+            <a:ln w="9525">
+              <a:solidFill>
+                <a:schemeClr val="bg1">
+                  <a:lumMod val="75000"/>
                 </a:schemeClr>
-              </a:gs>
-              <a:gs pos="100000">
-                <a:schemeClr val="bg2">
-                  <a:alpha val="53999"/>
+              </a:solidFill>
+            </a:ln>
+          </p:spPr>
+          <p:style>
+            <a:lnRef idx="2">
+              <a:schemeClr val="accent1"/>
+            </a:lnRef>
+            <a:fillRef idx="0">
+              <a:schemeClr val="accent1"/>
+            </a:fillRef>
+            <a:effectRef idx="1">
+              <a:schemeClr val="accent1"/>
+            </a:effectRef>
+            <a:fontRef idx="minor">
+              <a:schemeClr val="tx1"/>
+            </a:fontRef>
+          </p:style>
+        </p:cxnSp>
+        <p:cxnSp>
+          <p:nvCxnSpPr>
+            <p:cNvPr id="21" name="Straight Connector 20"/>
+            <p:cNvCxnSpPr/>
+            <p:nvPr/>
+          </p:nvCxnSpPr>
+          <p:spPr>
+            <a:xfrm flipH="1">
+              <a:off x="7425267" y="3681413"/>
+              <a:ext cx="4763558" cy="3176587"/>
+            </a:xfrm>
+            <a:prstGeom prst="line">
+              <a:avLst/>
+            </a:prstGeom>
+            <a:ln w="9525">
+              <a:solidFill>
+                <a:schemeClr val="bg1">
+                  <a:lumMod val="85000"/>
                 </a:schemeClr>
-              </a:gs>
-            </a:gsLst>
-            <a:lin ang="0" scaled="1"/>
-          </a:gradFill>
-          <a:ln>
-            <a:noFill/>
-          </a:ln>
-          <a:effectLst/>
-          <a:extLst>
-            <a:ext uri="{91240B29-F687-4F45-9708-019B960494DF}">
-              <a14:hiddenLine xmlns:a14="http://schemas.microsoft.com/office/drawing/2010/main" w="9525">
-                <a:solidFill>
-                  <a:srgbClr val="000000"/>
-                </a:solidFill>
-                <a:miter lim="800000"/>
-                <a:headEnd/>
-                <a:tailEnd/>
-              </a14:hiddenLine>
-            </a:ext>
-            <a:ext uri="{AF507438-7753-43E0-B8FC-AC1667EBCBE1}">
-              <a14:hiddenEffects xmlns:a14="http://schemas.microsoft.com/office/drawing/2010/main">
-                <a:effectLst>
-                  <a:outerShdw dist="35921" dir="2700000" algn="ctr" rotWithShape="0">
-                    <a:schemeClr val="bg2"/>
-                  </a:outerShdw>
-                </a:effectLst>
-              </a14:hiddenEffects>
-            </a:ext>
-          </a:extLst>
-        </p:spPr>
-        <p:txBody>
-          <a:bodyPr anchor="ctr"/>
-          <a:lstStyle/>
-          <a:p>
-            <a:pPr marL="0" marR="0" lvl="0" indent="0" algn="l" defTabSz="914400" rtl="0" eaLnBrk="1" fontAlgn="base" latinLnBrk="0" hangingPunct="1">
-              <a:lnSpc>
-                <a:spcPct val="100000"/>
-              </a:lnSpc>
-              <a:spcBef>
-                <a:spcPct val="0"/>
-              </a:spcBef>
-              <a:spcAft>
-                <a:spcPct val="0"/>
-              </a:spcAft>
-              <a:buClrTx/>
-              <a:buSzTx/>
-              <a:buFontTx/>
-              <a:buNone/>
-              <a:defRPr/>
-            </a:pPr>
-            <a:endParaRPr kumimoji="0" lang="en-US" sz="1800" b="0" i="0" u="none" strike="noStrike" kern="1200" cap="none" spc="0" normalizeH="0" baseline="0" noProof="0">
-              <a:ln>
-                <a:noFill/>
-              </a:ln>
-              <a:solidFill>
-                <a:schemeClr val="tx1"/>
               </a:solidFill>
-              <a:effectLst/>
-              <a:uLnTx/>
-              <a:uFillTx/>
-              <a:latin typeface="Arial" panose="020B0604020202020204" pitchFamily="34" charset="0"/>
-              <a:ea typeface="SimSun" panose="02010600030101010101" pitchFamily="2" charset="-122"/>
-              <a:cs typeface="+mn-cs"/>
-            </a:endParaRPr>
-          </a:p>
-        </p:txBody>
-      </p:sp>
-      <p:pic>
-        <p:nvPicPr>
-          <p:cNvPr id="1027" name="Picture 3" descr="关系图"/>
-          <p:cNvPicPr>
-            <a:picLocks noChangeAspect="1"/>
-          </p:cNvPicPr>
-          <p:nvPr/>
-        </p:nvPicPr>
-        <p:blipFill>
-          <a:blip r:embed="rId13"/>
-          <a:srcRect t="1094" r="8122" b="13318"/>
-          <a:stretch>
-            <a:fillRect/>
-          </a:stretch>
-        </p:blipFill>
-        <p:spPr>
-          <a:xfrm>
-            <a:off x="7730067" y="4438650"/>
-            <a:ext cx="4453467" cy="2333625"/>
-          </a:xfrm>
-          <a:prstGeom prst="rect">
-            <a:avLst/>
-          </a:prstGeom>
-          <a:noFill/>
-          <a:ln w="9525">
-            <a:noFill/>
-          </a:ln>
-        </p:spPr>
-      </p:pic>
-      <p:sp>
-        <p:nvSpPr>
-          <p:cNvPr id="1028" name="Rectangle 4"/>
+            </a:ln>
+          </p:spPr>
+          <p:style>
+            <a:lnRef idx="2">
+              <a:schemeClr val="accent1"/>
+            </a:lnRef>
+            <a:fillRef idx="0">
+              <a:schemeClr val="accent1"/>
+            </a:fillRef>
+            <a:effectRef idx="1">
+              <a:schemeClr val="accent1"/>
+            </a:effectRef>
+            <a:fontRef idx="minor">
+              <a:schemeClr val="tx1"/>
+            </a:fontRef>
+          </p:style>
+        </p:cxnSp>
+        <p:sp>
+          <p:nvSpPr>
+            <p:cNvPr id="22" name="Rectangle 23"/>
+            <p:cNvSpPr/>
+            <p:nvPr/>
+          </p:nvSpPr>
+          <p:spPr>
+            <a:xfrm>
+              <a:off x="9181476" y="-8467"/>
+              <a:ext cx="3007349" cy="6866467"/>
+            </a:xfrm>
+            <a:custGeom>
+              <a:avLst/>
+              <a:gdLst/>
+              <a:ahLst/>
+              <a:cxnLst/>
+              <a:rect l="l" t="t" r="r" b="b"/>
+              <a:pathLst>
+                <a:path w="3007349" h="6866467">
+                  <a:moveTo>
+                    <a:pt x="2045532" y="0"/>
+                  </a:moveTo>
+                  <a:lnTo>
+                    <a:pt x="3007349" y="0"/>
+                  </a:lnTo>
+                  <a:lnTo>
+                    <a:pt x="3007349" y="6866467"/>
+                  </a:lnTo>
+                  <a:lnTo>
+                    <a:pt x="0" y="6866467"/>
+                  </a:lnTo>
+                  <a:lnTo>
+                    <a:pt x="2045532" y="0"/>
+                  </a:lnTo>
+                  <a:close/>
+                </a:path>
+              </a:pathLst>
+            </a:custGeom>
+            <a:solidFill>
+              <a:schemeClr val="accent1">
+                <a:alpha val="30000"/>
+              </a:schemeClr>
+            </a:solidFill>
+            <a:ln>
+              <a:noFill/>
+            </a:ln>
+            <a:effectLst/>
+          </p:spPr>
+          <p:style>
+            <a:lnRef idx="1">
+              <a:schemeClr val="accent1"/>
+            </a:lnRef>
+            <a:fillRef idx="3">
+              <a:schemeClr val="accent1"/>
+            </a:fillRef>
+            <a:effectRef idx="2">
+              <a:schemeClr val="accent1"/>
+            </a:effectRef>
+            <a:fontRef idx="minor">
+              <a:schemeClr val="lt1"/>
+            </a:fontRef>
+          </p:style>
+        </p:sp>
+        <p:sp>
+          <p:nvSpPr>
+            <p:cNvPr id="23" name="Rectangle 25"/>
+            <p:cNvSpPr/>
+            <p:nvPr/>
+          </p:nvSpPr>
+          <p:spPr>
+            <a:xfrm>
+              <a:off x="9603442" y="-8467"/>
+              <a:ext cx="2588558" cy="6866467"/>
+            </a:xfrm>
+            <a:custGeom>
+              <a:avLst/>
+              <a:gdLst/>
+              <a:ahLst/>
+              <a:cxnLst/>
+              <a:rect l="l" t="t" r="r" b="b"/>
+              <a:pathLst>
+                <a:path w="2573311" h="6866467">
+                  <a:moveTo>
+                    <a:pt x="0" y="0"/>
+                  </a:moveTo>
+                  <a:lnTo>
+                    <a:pt x="2573311" y="0"/>
+                  </a:lnTo>
+                  <a:lnTo>
+                    <a:pt x="2573311" y="6866467"/>
+                  </a:lnTo>
+                  <a:lnTo>
+                    <a:pt x="1202336" y="6866467"/>
+                  </a:lnTo>
+                  <a:lnTo>
+                    <a:pt x="0" y="0"/>
+                  </a:lnTo>
+                  <a:close/>
+                </a:path>
+              </a:pathLst>
+            </a:custGeom>
+            <a:solidFill>
+              <a:schemeClr val="accent1">
+                <a:alpha val="20000"/>
+              </a:schemeClr>
+            </a:solidFill>
+            <a:ln>
+              <a:noFill/>
+            </a:ln>
+            <a:effectLst/>
+          </p:spPr>
+          <p:style>
+            <a:lnRef idx="1">
+              <a:schemeClr val="accent1"/>
+            </a:lnRef>
+            <a:fillRef idx="3">
+              <a:schemeClr val="accent1"/>
+            </a:fillRef>
+            <a:effectRef idx="2">
+              <a:schemeClr val="accent1"/>
+            </a:effectRef>
+            <a:fontRef idx="minor">
+              <a:schemeClr val="lt1"/>
+            </a:fontRef>
+          </p:style>
+        </p:sp>
+        <p:sp>
+          <p:nvSpPr>
+            <p:cNvPr id="24" name="Isosceles Triangle 23"/>
+            <p:cNvSpPr/>
+            <p:nvPr/>
+          </p:nvSpPr>
+          <p:spPr>
+            <a:xfrm>
+              <a:off x="8932333" y="3048000"/>
+              <a:ext cx="3259667" cy="3810000"/>
+            </a:xfrm>
+            <a:prstGeom prst="triangle">
+              <a:avLst>
+                <a:gd name="adj" fmla="val 100000"/>
+              </a:avLst>
+            </a:prstGeom>
+            <a:solidFill>
+              <a:schemeClr val="accent2">
+                <a:alpha val="72000"/>
+              </a:schemeClr>
+            </a:solidFill>
+            <a:ln>
+              <a:noFill/>
+            </a:ln>
+            <a:effectLst/>
+          </p:spPr>
+          <p:style>
+            <a:lnRef idx="1">
+              <a:schemeClr val="accent1"/>
+            </a:lnRef>
+            <a:fillRef idx="3">
+              <a:schemeClr val="accent1"/>
+            </a:fillRef>
+            <a:effectRef idx="2">
+              <a:schemeClr val="accent1"/>
+            </a:effectRef>
+            <a:fontRef idx="minor">
+              <a:schemeClr val="lt1"/>
+            </a:fontRef>
+          </p:style>
+        </p:sp>
+        <p:sp>
+          <p:nvSpPr>
+            <p:cNvPr id="25" name="Rectangle 27"/>
+            <p:cNvSpPr/>
+            <p:nvPr/>
+          </p:nvSpPr>
+          <p:spPr>
+            <a:xfrm>
+              <a:off x="9334500" y="-8467"/>
+              <a:ext cx="2854326" cy="6866467"/>
+            </a:xfrm>
+            <a:custGeom>
+              <a:avLst/>
+              <a:gdLst/>
+              <a:ahLst/>
+              <a:cxnLst/>
+              <a:rect l="l" t="t" r="r" b="b"/>
+              <a:pathLst>
+                <a:path w="2858013" h="6866467">
+                  <a:moveTo>
+                    <a:pt x="0" y="0"/>
+                  </a:moveTo>
+                  <a:lnTo>
+                    <a:pt x="2858013" y="0"/>
+                  </a:lnTo>
+                  <a:lnTo>
+                    <a:pt x="2858013" y="6866467"/>
+                  </a:lnTo>
+                  <a:lnTo>
+                    <a:pt x="2473942" y="6866467"/>
+                  </a:lnTo>
+                  <a:lnTo>
+                    <a:pt x="0" y="0"/>
+                  </a:lnTo>
+                  <a:close/>
+                </a:path>
+              </a:pathLst>
+            </a:custGeom>
+            <a:solidFill>
+              <a:schemeClr val="accent2">
+                <a:lumMod val="75000"/>
+                <a:alpha val="70000"/>
+              </a:schemeClr>
+            </a:solidFill>
+            <a:ln>
+              <a:noFill/>
+            </a:ln>
+            <a:effectLst/>
+          </p:spPr>
+          <p:style>
+            <a:lnRef idx="1">
+              <a:schemeClr val="accent1"/>
+            </a:lnRef>
+            <a:fillRef idx="3">
+              <a:schemeClr val="accent1"/>
+            </a:fillRef>
+            <a:effectRef idx="2">
+              <a:schemeClr val="accent1"/>
+            </a:effectRef>
+            <a:fontRef idx="minor">
+              <a:schemeClr val="lt1"/>
+            </a:fontRef>
+          </p:style>
+        </p:sp>
+        <p:sp>
+          <p:nvSpPr>
+            <p:cNvPr id="26" name="Rectangle 28"/>
+            <p:cNvSpPr/>
+            <p:nvPr/>
+          </p:nvSpPr>
+          <p:spPr>
+            <a:xfrm>
+              <a:off x="10898730" y="-8467"/>
+              <a:ext cx="1290094" cy="6866467"/>
+            </a:xfrm>
+            <a:custGeom>
+              <a:avLst/>
+              <a:gdLst/>
+              <a:ahLst/>
+              <a:cxnLst/>
+              <a:rect l="l" t="t" r="r" b="b"/>
+              <a:pathLst>
+                <a:path w="1290094" h="6858000">
+                  <a:moveTo>
+                    <a:pt x="1019735" y="0"/>
+                  </a:moveTo>
+                  <a:lnTo>
+                    <a:pt x="1290094" y="0"/>
+                  </a:lnTo>
+                  <a:lnTo>
+                    <a:pt x="1290094" y="6858000"/>
+                  </a:lnTo>
+                  <a:lnTo>
+                    <a:pt x="0" y="6858000"/>
+                  </a:lnTo>
+                  <a:lnTo>
+                    <a:pt x="1019735" y="0"/>
+                  </a:lnTo>
+                  <a:close/>
+                </a:path>
+              </a:pathLst>
+            </a:custGeom>
+            <a:solidFill>
+              <a:schemeClr val="accent1">
+                <a:lumMod val="60000"/>
+                <a:lumOff val="40000"/>
+                <a:alpha val="70000"/>
+              </a:schemeClr>
+            </a:solidFill>
+            <a:ln>
+              <a:noFill/>
+            </a:ln>
+            <a:effectLst/>
+          </p:spPr>
+          <p:style>
+            <a:lnRef idx="1">
+              <a:schemeClr val="accent1"/>
+            </a:lnRef>
+            <a:fillRef idx="3">
+              <a:schemeClr val="accent1"/>
+            </a:fillRef>
+            <a:effectRef idx="2">
+              <a:schemeClr val="accent1"/>
+            </a:effectRef>
+            <a:fontRef idx="minor">
+              <a:schemeClr val="lt1"/>
+            </a:fontRef>
+          </p:style>
+        </p:sp>
+        <p:sp>
+          <p:nvSpPr>
+            <p:cNvPr id="27" name="Rectangle 29"/>
+            <p:cNvSpPr/>
+            <p:nvPr/>
+          </p:nvSpPr>
+          <p:spPr>
+            <a:xfrm>
+              <a:off x="10938999" y="-8467"/>
+              <a:ext cx="1249825" cy="6866467"/>
+            </a:xfrm>
+            <a:custGeom>
+              <a:avLst/>
+              <a:gdLst/>
+              <a:ahLst/>
+              <a:cxnLst/>
+              <a:rect l="l" t="t" r="r" b="b"/>
+              <a:pathLst>
+                <a:path w="1249825" h="6858000">
+                  <a:moveTo>
+                    <a:pt x="0" y="0"/>
+                  </a:moveTo>
+                  <a:lnTo>
+                    <a:pt x="1249825" y="0"/>
+                  </a:lnTo>
+                  <a:lnTo>
+                    <a:pt x="1249825" y="6858000"/>
+                  </a:lnTo>
+                  <a:lnTo>
+                    <a:pt x="1109382" y="6858000"/>
+                  </a:lnTo>
+                  <a:lnTo>
+                    <a:pt x="0" y="0"/>
+                  </a:lnTo>
+                  <a:close/>
+                </a:path>
+              </a:pathLst>
+            </a:custGeom>
+            <a:solidFill>
+              <a:schemeClr val="accent1">
+                <a:alpha val="65000"/>
+              </a:schemeClr>
+            </a:solidFill>
+            <a:ln>
+              <a:noFill/>
+            </a:ln>
+            <a:effectLst/>
+          </p:spPr>
+          <p:style>
+            <a:lnRef idx="1">
+              <a:schemeClr val="accent1"/>
+            </a:lnRef>
+            <a:fillRef idx="3">
+              <a:schemeClr val="accent1"/>
+            </a:fillRef>
+            <a:effectRef idx="2">
+              <a:schemeClr val="accent1"/>
+            </a:effectRef>
+            <a:fontRef idx="minor">
+              <a:schemeClr val="lt1"/>
+            </a:fontRef>
+          </p:style>
+        </p:sp>
+        <p:sp>
+          <p:nvSpPr>
+            <p:cNvPr id="28" name="Isosceles Triangle 27"/>
+            <p:cNvSpPr/>
+            <p:nvPr/>
+          </p:nvSpPr>
+          <p:spPr>
+            <a:xfrm>
+              <a:off x="10371666" y="3589867"/>
+              <a:ext cx="1817159" cy="3268133"/>
+            </a:xfrm>
+            <a:prstGeom prst="triangle">
+              <a:avLst>
+                <a:gd name="adj" fmla="val 100000"/>
+              </a:avLst>
+            </a:prstGeom>
+            <a:solidFill>
+              <a:schemeClr val="accent1">
+                <a:alpha val="80000"/>
+              </a:schemeClr>
+            </a:solidFill>
+            <a:ln>
+              <a:noFill/>
+            </a:ln>
+            <a:effectLst/>
+          </p:spPr>
+          <p:style>
+            <a:lnRef idx="1">
+              <a:schemeClr val="accent1"/>
+            </a:lnRef>
+            <a:fillRef idx="3">
+              <a:schemeClr val="accent1"/>
+            </a:fillRef>
+            <a:effectRef idx="2">
+              <a:schemeClr val="accent1"/>
+            </a:effectRef>
+            <a:fontRef idx="minor">
+              <a:schemeClr val="lt1"/>
+            </a:fontRef>
+          </p:style>
+        </p:sp>
+        <p:sp>
+          <p:nvSpPr>
+            <p:cNvPr id="29" name="Isosceles Triangle 28"/>
+            <p:cNvSpPr/>
+            <p:nvPr/>
+          </p:nvSpPr>
+          <p:spPr>
+            <a:xfrm>
+              <a:off x="0" y="4013200"/>
+              <a:ext cx="448733" cy="2844800"/>
+            </a:xfrm>
+            <a:prstGeom prst="triangle">
+              <a:avLst>
+                <a:gd name="adj" fmla="val 0"/>
+              </a:avLst>
+            </a:prstGeom>
+            <a:solidFill>
+              <a:schemeClr val="accent1">
+                <a:alpha val="85000"/>
+              </a:schemeClr>
+            </a:solidFill>
+            <a:ln>
+              <a:noFill/>
+            </a:ln>
+            <a:effectLst/>
+          </p:spPr>
+          <p:style>
+            <a:lnRef idx="1">
+              <a:schemeClr val="accent1"/>
+            </a:lnRef>
+            <a:fillRef idx="3">
+              <a:schemeClr val="accent1"/>
+            </a:fillRef>
+            <a:effectRef idx="2">
+              <a:schemeClr val="accent1"/>
+            </a:effectRef>
+            <a:fontRef idx="minor">
+              <a:schemeClr val="lt1"/>
+            </a:fontRef>
+          </p:style>
+        </p:sp>
+      </p:grpSp>
+      <p:sp>
+        <p:nvSpPr>
+          <p:cNvPr id="2" name="Title Placeholder 1"/>
           <p:cNvSpPr>
             <a:spLocks noGrp="1"/>
           </p:cNvSpPr>
@@ -4704,32 +7465,30 @@
         </p:nvSpPr>
         <p:spPr>
           <a:xfrm>
-            <a:off x="609600" y="274638"/>
-            <a:ext cx="10972800" cy="1143000"/>
+            <a:off x="677334" y="609600"/>
+            <a:ext cx="8596668" cy="1320800"/>
           </a:xfrm>
           <a:prstGeom prst="rect">
             <a:avLst/>
           </a:prstGeom>
-          <a:noFill/>
-          <a:ln w="9525">
-            <a:noFill/>
-          </a:ln>
         </p:spPr>
         <p:txBody>
-          <a:bodyPr anchor="ctr" anchorCtr="0"/>
+          <a:bodyPr vert="horz" lIns="91440" tIns="45720" rIns="91440" bIns="45720" rtlCol="0" anchor="t">
+            <a:normAutofit/>
+          </a:bodyPr>
           <a:lstStyle/>
           <a:p>
-            <a:pPr lvl="0"/>
-            <a:r>
-              <a:rPr lang="en-US" altLang="zh-CN" dirty="0"/>
+            <a:r>
+              <a:rPr lang="en-US"/>
               <a:t>Click to edit Master title style</a:t>
             </a:r>
-          </a:p>
-        </p:txBody>
-      </p:sp>
-      <p:sp>
-        <p:nvSpPr>
-          <p:cNvPr id="1029" name="Rectangle 5"/>
+            <a:endParaRPr lang="en-US" dirty="0"/>
+          </a:p>
+        </p:txBody>
+      </p:sp>
+      <p:sp>
+        <p:nvSpPr>
+          <p:cNvPr id="3" name="Text Placeholder 2"/>
           <p:cNvSpPr>
             <a:spLocks noGrp="1"/>
           </p:cNvSpPr>
@@ -4739,114 +7498,86 @@
         </p:nvSpPr>
         <p:spPr>
           <a:xfrm>
-            <a:off x="609600" y="1600200"/>
-            <a:ext cx="10972800" cy="4525963"/>
+            <a:off x="677334" y="2160589"/>
+            <a:ext cx="8596668" cy="3880773"/>
           </a:xfrm>
           <a:prstGeom prst="rect">
             <a:avLst/>
           </a:prstGeom>
-          <a:noFill/>
-          <a:ln w="9525">
-            <a:noFill/>
-          </a:ln>
         </p:spPr>
         <p:txBody>
-          <a:bodyPr/>
+          <a:bodyPr vert="horz" lIns="91440" tIns="45720" rIns="91440" bIns="45720" rtlCol="0">
+            <a:normAutofit/>
+          </a:bodyPr>
           <a:lstStyle/>
           <a:p>
             <a:pPr lvl="0"/>
             <a:r>
-              <a:rPr lang="en-US" altLang="zh-CN" dirty="0"/>
+              <a:rPr lang="en-US"/>
               <a:t>Click to edit Master text styles</a:t>
             </a:r>
           </a:p>
           <a:p>
             <a:pPr lvl="1"/>
             <a:r>
-              <a:rPr lang="en-US" altLang="zh-CN" dirty="0"/>
+              <a:rPr lang="en-US"/>
               <a:t>Second level</a:t>
             </a:r>
           </a:p>
           <a:p>
             <a:pPr lvl="2"/>
             <a:r>
-              <a:rPr lang="en-US" altLang="zh-CN" dirty="0"/>
+              <a:rPr lang="en-US"/>
               <a:t>Third level</a:t>
             </a:r>
           </a:p>
           <a:p>
             <a:pPr lvl="3"/>
             <a:r>
-              <a:rPr lang="en-US" altLang="zh-CN" dirty="0"/>
+              <a:rPr lang="en-US"/>
               <a:t>Fourth level</a:t>
             </a:r>
           </a:p>
           <a:p>
             <a:pPr lvl="4"/>
             <a:r>
-              <a:rPr lang="en-US" altLang="zh-CN" dirty="0"/>
+              <a:rPr lang="en-US"/>
               <a:t>Fifth level</a:t>
             </a:r>
-          </a:p>
-        </p:txBody>
-      </p:sp>
-      <p:sp>
-        <p:nvSpPr>
-          <p:cNvPr id="1030" name="Rectangle 6"/>
+            <a:endParaRPr lang="en-US" dirty="0"/>
+          </a:p>
+        </p:txBody>
+      </p:sp>
+      <p:sp>
+        <p:nvSpPr>
+          <p:cNvPr id="4" name="Date Placeholder 3"/>
           <p:cNvSpPr>
-            <a:spLocks noGrp="1" noChangeArrowheads="1"/>
+            <a:spLocks noGrp="1"/>
           </p:cNvSpPr>
           <p:nvPr>
             <p:ph type="dt" sz="half" idx="2"/>
           </p:nvPr>
         </p:nvSpPr>
-        <p:spPr bwMode="auto">
+        <p:spPr>
           <a:xfrm>
-            <a:off x="609600" y="6245225"/>
-            <a:ext cx="2844800" cy="476250"/>
+            <a:off x="7205133" y="6041362"/>
+            <a:ext cx="911939" cy="365125"/>
           </a:xfrm>
           <a:prstGeom prst="rect">
             <a:avLst/>
           </a:prstGeom>
-          <a:noFill/>
-          <a:ln>
-            <a:noFill/>
-          </a:ln>
-          <a:effectLst/>
-          <a:extLst>
-            <a:ext uri="{909E8E84-426E-40DD-AFC4-6F175D3DCCD1}">
-              <a14:hiddenFill xmlns:a14="http://schemas.microsoft.com/office/drawing/2010/main">
-                <a:solidFill>
-                  <a:schemeClr val="accent1"/>
-                </a:solidFill>
-              </a14:hiddenFill>
-            </a:ext>
-            <a:ext uri="{91240B29-F687-4F45-9708-019B960494DF}">
-              <a14:hiddenLine xmlns:a14="http://schemas.microsoft.com/office/drawing/2010/main" w="9525">
-                <a:solidFill>
-                  <a:srgbClr val="000000"/>
-                </a:solidFill>
-                <a:miter lim="800000"/>
-                <a:headEnd/>
-                <a:tailEnd/>
-              </a14:hiddenLine>
-            </a:ext>
-            <a:ext uri="{AF507438-7753-43E0-B8FC-AC1667EBCBE1}">
-              <a14:hiddenEffects xmlns:a14="http://schemas.microsoft.com/office/drawing/2010/main">
-                <a:effectLst>
-                  <a:outerShdw dist="35921" dir="2700000" algn="ctr" rotWithShape="0">
-                    <a:schemeClr val="bg2"/>
-                  </a:outerShdw>
-                </a:effectLst>
-              </a14:hiddenEffects>
-            </a:ext>
-          </a:extLst>
         </p:spPr>
         <p:txBody>
-          <a:bodyPr vert="horz" wrap="square" lIns="91440" tIns="45720" rIns="91440" bIns="45720" numCol="1" anchor="t" anchorCtr="0" compatLnSpc="1"/>
+          <a:bodyPr vert="horz" lIns="91440" tIns="45720" rIns="91440" bIns="45720" rtlCol="0" anchor="ctr"/>
           <a:lstStyle>
-            <a:lvl1pPr>
-              <a:defRPr sz="1400"/>
+            <a:lvl1pPr algn="r">
+              <a:defRPr sz="900">
+                <a:solidFill>
+                  <a:schemeClr val="tx1">
+                    <a:tint val="75000"/>
+                  </a:schemeClr>
+                </a:solidFill>
+              </a:defRPr>
             </a:lvl1pPr>
           </a:lstStyle>
           <a:p>
@@ -4886,61 +7617,34 @@
       </p:sp>
       <p:sp>
         <p:nvSpPr>
-          <p:cNvPr id="1031" name="Rectangle 7"/>
+          <p:cNvPr id="5" name="Footer Placeholder 4"/>
           <p:cNvSpPr>
-            <a:spLocks noGrp="1" noChangeArrowheads="1"/>
+            <a:spLocks noGrp="1"/>
           </p:cNvSpPr>
           <p:nvPr>
             <p:ph type="ftr" sz="quarter" idx="3"/>
           </p:nvPr>
         </p:nvSpPr>
-        <p:spPr bwMode="auto">
+        <p:spPr>
           <a:xfrm>
-            <a:off x="4165600" y="6245225"/>
-            <a:ext cx="3860800" cy="476250"/>
+            <a:off x="677334" y="6041362"/>
+            <a:ext cx="6297612" cy="365125"/>
           </a:xfrm>
           <a:prstGeom prst="rect">
             <a:avLst/>
           </a:prstGeom>
-          <a:noFill/>
-          <a:ln>
-            <a:noFill/>
-          </a:ln>
-          <a:effectLst/>
-          <a:extLst>
-            <a:ext uri="{909E8E84-426E-40DD-AFC4-6F175D3DCCD1}">
-              <a14:hiddenFill xmlns:a14="http://schemas.microsoft.com/office/drawing/2010/main">
-                <a:solidFill>
-                  <a:schemeClr val="accent1"/>
-                </a:solidFill>
-              </a14:hiddenFill>
-            </a:ext>
-            <a:ext uri="{91240B29-F687-4F45-9708-019B960494DF}">
-              <a14:hiddenLine xmlns:a14="http://schemas.microsoft.com/office/drawing/2010/main" w="9525">
-                <a:solidFill>
-                  <a:srgbClr val="000000"/>
-                </a:solidFill>
-                <a:miter lim="800000"/>
-                <a:headEnd/>
-                <a:tailEnd/>
-              </a14:hiddenLine>
-            </a:ext>
-            <a:ext uri="{AF507438-7753-43E0-B8FC-AC1667EBCBE1}">
-              <a14:hiddenEffects xmlns:a14="http://schemas.microsoft.com/office/drawing/2010/main">
-                <a:effectLst>
-                  <a:outerShdw dist="35921" dir="2700000" algn="ctr" rotWithShape="0">
-                    <a:schemeClr val="bg2"/>
-                  </a:outerShdw>
-                </a:effectLst>
-              </a14:hiddenEffects>
-            </a:ext>
-          </a:extLst>
         </p:spPr>
         <p:txBody>
-          <a:bodyPr vert="horz" wrap="square" lIns="91440" tIns="45720" rIns="91440" bIns="45720" numCol="1" anchor="t" anchorCtr="0" compatLnSpc="1"/>
+          <a:bodyPr vert="horz" lIns="91440" tIns="45720" rIns="91440" bIns="45720" rtlCol="0" anchor="ctr"/>
           <a:lstStyle>
-            <a:lvl1pPr algn="ctr">
-              <a:defRPr sz="1400"/>
+            <a:lvl1pPr algn="l">
+              <a:defRPr sz="900">
+                <a:solidFill>
+                  <a:schemeClr val="tx1">
+                    <a:tint val="75000"/>
+                  </a:schemeClr>
+                </a:solidFill>
+              </a:defRPr>
             </a:lvl1pPr>
           </a:lstStyle>
           <a:p>
@@ -4980,61 +7684,32 @@
       </p:sp>
       <p:sp>
         <p:nvSpPr>
-          <p:cNvPr id="1032" name="Rectangle 8"/>
+          <p:cNvPr id="6" name="Slide Number Placeholder 5"/>
           <p:cNvSpPr>
-            <a:spLocks noGrp="1" noChangeArrowheads="1"/>
+            <a:spLocks noGrp="1"/>
           </p:cNvSpPr>
           <p:nvPr>
             <p:ph type="sldNum" sz="quarter" idx="4"/>
           </p:nvPr>
         </p:nvSpPr>
-        <p:spPr bwMode="auto">
+        <p:spPr>
           <a:xfrm>
-            <a:off x="8737600" y="6245225"/>
-            <a:ext cx="2844800" cy="476250"/>
+            <a:off x="8590663" y="6041362"/>
+            <a:ext cx="683339" cy="365125"/>
           </a:xfrm>
           <a:prstGeom prst="rect">
             <a:avLst/>
           </a:prstGeom>
-          <a:noFill/>
-          <a:ln>
-            <a:noFill/>
-          </a:ln>
-          <a:effectLst/>
-          <a:extLst>
-            <a:ext uri="{909E8E84-426E-40DD-AFC4-6F175D3DCCD1}">
-              <a14:hiddenFill xmlns:a14="http://schemas.microsoft.com/office/drawing/2010/main">
-                <a:solidFill>
-                  <a:schemeClr val="accent1"/>
-                </a:solidFill>
-              </a14:hiddenFill>
-            </a:ext>
-            <a:ext uri="{91240B29-F687-4F45-9708-019B960494DF}">
-              <a14:hiddenLine xmlns:a14="http://schemas.microsoft.com/office/drawing/2010/main" w="9525">
-                <a:solidFill>
-                  <a:srgbClr val="000000"/>
-                </a:solidFill>
-                <a:miter lim="800000"/>
-                <a:headEnd/>
-                <a:tailEnd/>
-              </a14:hiddenLine>
-            </a:ext>
-            <a:ext uri="{AF507438-7753-43E0-B8FC-AC1667EBCBE1}">
-              <a14:hiddenEffects xmlns:a14="http://schemas.microsoft.com/office/drawing/2010/main">
-                <a:effectLst>
-                  <a:outerShdw dist="35921" dir="2700000" algn="ctr" rotWithShape="0">
-                    <a:schemeClr val="bg2"/>
-                  </a:outerShdw>
-                </a:effectLst>
-              </a14:hiddenEffects>
-            </a:ext>
-          </a:extLst>
         </p:spPr>
         <p:txBody>
-          <a:bodyPr vert="horz" wrap="square" lIns="91440" tIns="45720" rIns="91440" bIns="45720" numCol="1" anchor="t" anchorCtr="0" compatLnSpc="1"/>
+          <a:bodyPr vert="horz" lIns="91440" tIns="45720" rIns="91440" bIns="45720" rtlCol="0" anchor="ctr"/>
           <a:lstStyle>
             <a:lvl1pPr algn="r">
-              <a:defRPr sz="1400"/>
+              <a:defRPr sz="900">
+                <a:solidFill>
+                  <a:schemeClr val="accent1"/>
+                </a:solidFill>
+              </a:defRPr>
             </a:lvl1pPr>
           </a:lstStyle>
           <a:p>
@@ -5092,20 +7767,30 @@
         </p:txBody>
       </p:sp>
     </p:spTree>
+    <p:extLst>
+      <p:ext uri="{BB962C8B-B14F-4D97-AF65-F5344CB8AC3E}">
+        <p14:creationId xmlns:p14="http://schemas.microsoft.com/office/powerpoint/2010/main" val="1760830835"/>
+      </p:ext>
+    </p:extLst>
   </p:cSld>
   <p:clrMap bg1="lt1" tx1="dk1" bg2="lt2" tx2="dk2" accent1="accent1" accent2="accent2" accent3="accent3" accent4="accent4" accent5="accent5" accent6="accent6" hlink="hlink" folHlink="folHlink"/>
   <p:sldLayoutIdLst>
-    <p:sldLayoutId id="2147483649" r:id="rId1"/>
-    <p:sldLayoutId id="2147483650" r:id="rId2"/>
-    <p:sldLayoutId id="2147483651" r:id="rId3"/>
-    <p:sldLayoutId id="2147483652" r:id="rId4"/>
-    <p:sldLayoutId id="2147483653" r:id="rId5"/>
-    <p:sldLayoutId id="2147483654" r:id="rId6"/>
-    <p:sldLayoutId id="2147483655" r:id="rId7"/>
-    <p:sldLayoutId id="2147483656" r:id="rId8"/>
-    <p:sldLayoutId id="2147483657" r:id="rId9"/>
-    <p:sldLayoutId id="2147483658" r:id="rId10"/>
-    <p:sldLayoutId id="2147483659" r:id="rId11"/>
+    <p:sldLayoutId id="2147483673" r:id="rId1"/>
+    <p:sldLayoutId id="2147483674" r:id="rId2"/>
+    <p:sldLayoutId id="2147483675" r:id="rId3"/>
+    <p:sldLayoutId id="2147483676" r:id="rId4"/>
+    <p:sldLayoutId id="2147483677" r:id="rId5"/>
+    <p:sldLayoutId id="2147483678" r:id="rId6"/>
+    <p:sldLayoutId id="2147483679" r:id="rId7"/>
+    <p:sldLayoutId id="2147483680" r:id="rId8"/>
+    <p:sldLayoutId id="2147483681" r:id="rId9"/>
+    <p:sldLayoutId id="2147483682" r:id="rId10"/>
+    <p:sldLayoutId id="2147483683" r:id="rId11"/>
+    <p:sldLayoutId id="2147483684" r:id="rId12"/>
+    <p:sldLayoutId id="2147483685" r:id="rId13"/>
+    <p:sldLayoutId id="2147483686" r:id="rId14"/>
+    <p:sldLayoutId id="2147483687" r:id="rId15"/>
+    <p:sldLayoutId id="2147483688" r:id="rId16"/>
   </p:sldLayoutIdLst>
   <mc:AlternateContent xmlns:mc="http://schemas.openxmlformats.org/markup-compatibility/2006" xmlns:p14="http://schemas.microsoft.com/office/powerpoint/2010/main">
     <mc:Choice Requires="p14">
@@ -5156,7 +7841,7 @@
                                           </p:stCondLst>
                                         </p:cTn>
                                         <p:tgtEl>
-                                          <p:spTgt spid="1026"/>
+                                          <p:spTgt spid="2"/>
                                         </p:tgtEl>
                                         <p:attrNameLst>
                                           <p:attrName>style.visibility</p:attrName>
@@ -5170,7 +7855,7 @@
                                       <p:cBhvr>
                                         <p:cTn id="7" dur="1000" fill="hold"/>
                                         <p:tgtEl>
-                                          <p:spTgt spid="1026"/>
+                                          <p:spTgt spid="2"/>
                                         </p:tgtEl>
                                         <p:attrNameLst>
                                           <p:attrName>ppt_x</p:attrName>
@@ -5193,7 +7878,7 @@
                                       <p:cBhvr>
                                         <p:cTn id="8" dur="1000" fill="hold"/>
                                         <p:tgtEl>
-                                          <p:spTgt spid="1026"/>
+                                          <p:spTgt spid="2"/>
                                         </p:tgtEl>
                                         <p:attrNameLst>
                                           <p:attrName>ppt_y</p:attrName>
@@ -5216,88 +7901,7 @@
                                       <p:cBhvr>
                                         <p:cTn id="9" dur="1000"/>
                                         <p:tgtEl>
-                                          <p:spTgt spid="1026"/>
-                                        </p:tgtEl>
-                                      </p:cBhvr>
-                                    </p:animEffect>
-                                  </p:childTnLst>
-                                </p:cTn>
-                              </p:par>
-                              <p:par>
-                                <p:cTn id="10" presetID="29" presetClass="entr" presetSubtype="0" fill="hold" grpId="0" nodeType="withEffect">
-                                  <p:stCondLst>
-                                    <p:cond delay="0"/>
-                                  </p:stCondLst>
-                                  <p:childTnLst>
-                                    <p:set>
-                                      <p:cBhvr>
-                                        <p:cTn id="11" dur="1" fill="hold">
-                                          <p:stCondLst>
-                                            <p:cond delay="0"/>
-                                          </p:stCondLst>
-                                        </p:cTn>
-                                        <p:tgtEl>
-                                          <p:spTgt spid="1028"/>
-                                        </p:tgtEl>
-                                        <p:attrNameLst>
-                                          <p:attrName>style.visibility</p:attrName>
-                                        </p:attrNameLst>
-                                      </p:cBhvr>
-                                      <p:to>
-                                        <p:strVal val="visible"/>
-                                      </p:to>
-                                    </p:set>
-                                    <p:anim calcmode="lin" valueType="num">
-                                      <p:cBhvr>
-                                        <p:cTn id="12" dur="1000" fill="hold"/>
-                                        <p:tgtEl>
-                                          <p:spTgt spid="1028"/>
-                                        </p:tgtEl>
-                                        <p:attrNameLst>
-                                          <p:attrName>ppt_x</p:attrName>
-                                        </p:attrNameLst>
-                                      </p:cBhvr>
-                                      <p:tavLst>
-                                        <p:tav tm="0">
-                                          <p:val>
-                                            <p:strVal val="#ppt_x-.2"/>
-                                          </p:val>
-                                        </p:tav>
-                                        <p:tav tm="100000">
-                                          <p:val>
-                                            <p:strVal val="#ppt_x"/>
-                                          </p:val>
-                                        </p:tav>
-                                      </p:tavLst>
-                                    </p:anim>
-                                    <p:anim calcmode="lin" valueType="num">
-                                      <p:cBhvr>
-                                        <p:cTn id="13" dur="1000" fill="hold"/>
-                                        <p:tgtEl>
-                                          <p:spTgt spid="1028"/>
-                                        </p:tgtEl>
-                                        <p:attrNameLst>
-                                          <p:attrName>ppt_y</p:attrName>
-                                        </p:attrNameLst>
-                                      </p:cBhvr>
-                                      <p:tavLst>
-                                        <p:tav tm="0">
-                                          <p:val>
-                                            <p:strVal val="#ppt_y"/>
-                                          </p:val>
-                                        </p:tav>
-                                        <p:tav tm="100000">
-                                          <p:val>
-                                            <p:strVal val="#ppt_y"/>
-                                          </p:val>
-                                        </p:tav>
-                                      </p:tavLst>
-                                    </p:anim>
-                                    <p:animEffect transition="in" filter="wipe(right)" prLst="gradientSize: 0.1">
-                                      <p:cBhvr>
-                                        <p:cTn id="14" dur="1000"/>
-                                        <p:tgtEl>
-                                          <p:spTgt spid="1028"/>
+                                          <p:spTgt spid="2"/>
                                         </p:tgtEl>
                                       </p:cBhvr>
                                     </p:animEffect>
@@ -5332,302 +7936,303 @@
       </p:par>
     </p:tnLst>
     <p:bldLst>
-      <p:bldP spid="1026" grpId="0" bldLvl="0" animBg="1"/>
-      <p:bldP spid="1028" grpId="0" bldLvl="0"/>
+      <p:bldP spid="2" grpId="0" bldLvl="0"/>
     </p:bldLst>
   </p:timing>
   <p:hf sldNum="0" hdr="0" ftr="0" dt="0"/>
   <p:txStyles>
     <p:titleStyle>
-      <a:lvl1pPr algn="ctr" rtl="0" fontAlgn="base">
+      <a:lvl1pPr algn="l" defTabSz="457200" rtl="0" eaLnBrk="1" latinLnBrk="0" hangingPunct="1">
         <a:spcBef>
           <a:spcPct val="0"/>
         </a:spcBef>
-        <a:spcAft>
-          <a:spcPct val="0"/>
-        </a:spcAft>
-        <a:defRPr sz="4400" kern="1200">
+        <a:buNone/>
+        <a:defRPr sz="3600" kern="1200">
           <a:solidFill>
-            <a:schemeClr val="tx2"/>
+            <a:schemeClr val="accent1"/>
           </a:solidFill>
           <a:latin typeface="+mj-lt"/>
           <a:ea typeface="+mj-ea"/>
           <a:cs typeface="+mj-cs"/>
         </a:defRPr>
       </a:lvl1pPr>
-      <a:lvl2pPr algn="ctr" rtl="0" fontAlgn="base">
-        <a:spcBef>
-          <a:spcPct val="0"/>
-        </a:spcBef>
-        <a:spcAft>
-          <a:spcPct val="0"/>
-        </a:spcAft>
-        <a:defRPr sz="4400">
+      <a:lvl2pPr eaLnBrk="1" hangingPunct="1">
+        <a:defRPr>
           <a:solidFill>
             <a:schemeClr val="tx2"/>
           </a:solidFill>
-          <a:latin typeface="Arial" panose="020B0604020202020204" pitchFamily="34" charset="0"/>
-          <a:ea typeface="SimSun" panose="02010600030101010101" pitchFamily="2" charset="-122"/>
         </a:defRPr>
       </a:lvl2pPr>
-      <a:lvl3pPr algn="ctr" rtl="0" fontAlgn="base">
-        <a:spcBef>
-          <a:spcPct val="0"/>
-        </a:spcBef>
-        <a:spcAft>
-          <a:spcPct val="0"/>
-        </a:spcAft>
-        <a:defRPr sz="4400">
+      <a:lvl3pPr eaLnBrk="1" hangingPunct="1">
+        <a:defRPr>
           <a:solidFill>
             <a:schemeClr val="tx2"/>
           </a:solidFill>
-          <a:latin typeface="Arial" panose="020B0604020202020204" pitchFamily="34" charset="0"/>
-          <a:ea typeface="SimSun" panose="02010600030101010101" pitchFamily="2" charset="-122"/>
         </a:defRPr>
       </a:lvl3pPr>
-      <a:lvl4pPr algn="ctr" rtl="0" fontAlgn="base">
-        <a:spcBef>
-          <a:spcPct val="0"/>
-        </a:spcBef>
-        <a:spcAft>
-          <a:spcPct val="0"/>
-        </a:spcAft>
-        <a:defRPr sz="4400">
+      <a:lvl4pPr eaLnBrk="1" hangingPunct="1">
+        <a:defRPr>
           <a:solidFill>
             <a:schemeClr val="tx2"/>
           </a:solidFill>
-          <a:latin typeface="Arial" panose="020B0604020202020204" pitchFamily="34" charset="0"/>
-          <a:ea typeface="SimSun" panose="02010600030101010101" pitchFamily="2" charset="-122"/>
         </a:defRPr>
       </a:lvl4pPr>
-      <a:lvl5pPr algn="ctr" rtl="0" fontAlgn="base">
-        <a:spcBef>
-          <a:spcPct val="0"/>
-        </a:spcBef>
-        <a:spcAft>
-          <a:spcPct val="0"/>
-        </a:spcAft>
-        <a:defRPr sz="4400">
+      <a:lvl5pPr eaLnBrk="1" hangingPunct="1">
+        <a:defRPr>
           <a:solidFill>
             <a:schemeClr val="tx2"/>
           </a:solidFill>
-          <a:latin typeface="Arial" panose="020B0604020202020204" pitchFamily="34" charset="0"/>
-          <a:ea typeface="SimSun" panose="02010600030101010101" pitchFamily="2" charset="-122"/>
         </a:defRPr>
       </a:lvl5pPr>
-      <a:lvl6pPr marL="457200" algn="ctr" rtl="0" fontAlgn="base">
-        <a:spcBef>
-          <a:spcPct val="0"/>
-        </a:spcBef>
-        <a:spcAft>
-          <a:spcPct val="0"/>
-        </a:spcAft>
-        <a:defRPr sz="4400">
+      <a:lvl6pPr eaLnBrk="1" hangingPunct="1">
+        <a:defRPr>
           <a:solidFill>
             <a:schemeClr val="tx2"/>
           </a:solidFill>
-          <a:latin typeface="Arial" panose="020B0604020202020204" pitchFamily="34" charset="0"/>
-          <a:ea typeface="SimSun" panose="02010600030101010101" pitchFamily="2" charset="-122"/>
         </a:defRPr>
       </a:lvl6pPr>
-      <a:lvl7pPr marL="914400" algn="ctr" rtl="0" fontAlgn="base">
-        <a:spcBef>
-          <a:spcPct val="0"/>
-        </a:spcBef>
-        <a:spcAft>
-          <a:spcPct val="0"/>
-        </a:spcAft>
-        <a:defRPr sz="4400">
+      <a:lvl7pPr eaLnBrk="1" hangingPunct="1">
+        <a:defRPr>
           <a:solidFill>
             <a:schemeClr val="tx2"/>
           </a:solidFill>
-          <a:latin typeface="Arial" panose="020B0604020202020204" pitchFamily="34" charset="0"/>
-          <a:ea typeface="SimSun" panose="02010600030101010101" pitchFamily="2" charset="-122"/>
         </a:defRPr>
       </a:lvl7pPr>
-      <a:lvl8pPr marL="1371600" algn="ctr" rtl="0" fontAlgn="base">
-        <a:spcBef>
-          <a:spcPct val="0"/>
-        </a:spcBef>
-        <a:spcAft>
-          <a:spcPct val="0"/>
-        </a:spcAft>
-        <a:defRPr sz="4400">
+      <a:lvl8pPr eaLnBrk="1" hangingPunct="1">
+        <a:defRPr>
           <a:solidFill>
             <a:schemeClr val="tx2"/>
           </a:solidFill>
-          <a:latin typeface="Arial" panose="020B0604020202020204" pitchFamily="34" charset="0"/>
-          <a:ea typeface="SimSun" panose="02010600030101010101" pitchFamily="2" charset="-122"/>
         </a:defRPr>
       </a:lvl8pPr>
-      <a:lvl9pPr marL="1828800" algn="ctr" rtl="0" fontAlgn="base">
-        <a:spcBef>
-          <a:spcPct val="0"/>
-        </a:spcBef>
-        <a:spcAft>
-          <a:spcPct val="0"/>
-        </a:spcAft>
-        <a:defRPr sz="4400">
+      <a:lvl9pPr eaLnBrk="1" hangingPunct="1">
+        <a:defRPr>
           <a:solidFill>
             <a:schemeClr val="tx2"/>
           </a:solidFill>
-          <a:latin typeface="Arial" panose="020B0604020202020204" pitchFamily="34" charset="0"/>
-          <a:ea typeface="SimSun" panose="02010600030101010101" pitchFamily="2" charset="-122"/>
         </a:defRPr>
       </a:lvl9pPr>
     </p:titleStyle>
     <p:bodyStyle>
-      <a:lvl1pPr marL="342900" indent="-342900" algn="l" rtl="0" fontAlgn="base">
+      <a:lvl1pPr marL="342900" indent="-342900" algn="l" defTabSz="457200" rtl="0" eaLnBrk="1" latinLnBrk="0" hangingPunct="1">
         <a:spcBef>
-          <a:spcPct val="20000"/>
+          <a:spcPts val="1000"/>
         </a:spcBef>
         <a:spcAft>
-          <a:spcPct val="0"/>
+          <a:spcPts val="0"/>
         </a:spcAft>
-        <a:buChar char="•"/>
-        <a:defRPr sz="3200" kern="1200">
+        <a:buClr>
+          <a:schemeClr val="accent1"/>
+        </a:buClr>
+        <a:buSzPct val="80000"/>
+        <a:buFont typeface="Wingdings 3" charset="2"/>
+        <a:buChar char=""/>
+        <a:defRPr sz="1800" kern="1200">
           <a:solidFill>
-            <a:schemeClr val="tx1"/>
+            <a:schemeClr val="tx1">
+              <a:lumMod val="75000"/>
+              <a:lumOff val="25000"/>
+            </a:schemeClr>
           </a:solidFill>
           <a:latin typeface="+mn-lt"/>
           <a:ea typeface="+mn-ea"/>
           <a:cs typeface="+mn-cs"/>
         </a:defRPr>
       </a:lvl1pPr>
-      <a:lvl2pPr marL="742950" indent="-285750" algn="l" rtl="0" fontAlgn="base">
+      <a:lvl2pPr marL="742950" indent="-285750" algn="l" defTabSz="457200" rtl="0" eaLnBrk="1" latinLnBrk="0" hangingPunct="1">
         <a:spcBef>
-          <a:spcPct val="20000"/>
+          <a:spcPts val="1000"/>
         </a:spcBef>
         <a:spcAft>
-          <a:spcPct val="0"/>
+          <a:spcPts val="0"/>
         </a:spcAft>
-        <a:buChar char="–"/>
-        <a:defRPr sz="2800" kern="1200">
+        <a:buClr>
+          <a:schemeClr val="accent1"/>
+        </a:buClr>
+        <a:buSzPct val="80000"/>
+        <a:buFont typeface="Wingdings 3" charset="2"/>
+        <a:buChar char=""/>
+        <a:defRPr sz="1600" kern="1200">
           <a:solidFill>
-            <a:schemeClr val="tx1"/>
+            <a:schemeClr val="tx1">
+              <a:lumMod val="75000"/>
+              <a:lumOff val="25000"/>
+            </a:schemeClr>
           </a:solidFill>
           <a:latin typeface="+mn-lt"/>
           <a:ea typeface="+mn-ea"/>
           <a:cs typeface="+mn-cs"/>
         </a:defRPr>
       </a:lvl2pPr>
-      <a:lvl3pPr marL="1143000" indent="-228600" algn="l" rtl="0" fontAlgn="base">
+      <a:lvl3pPr marL="1143000" indent="-228600" algn="l" defTabSz="457200" rtl="0" eaLnBrk="1" latinLnBrk="0" hangingPunct="1">
         <a:spcBef>
-          <a:spcPct val="20000"/>
+          <a:spcPts val="1000"/>
         </a:spcBef>
         <a:spcAft>
-          <a:spcPct val="0"/>
+          <a:spcPts val="0"/>
         </a:spcAft>
-        <a:buChar char="•"/>
-        <a:defRPr sz="2400" kern="1200">
+        <a:buClr>
+          <a:schemeClr val="accent1"/>
+        </a:buClr>
+        <a:buSzPct val="80000"/>
+        <a:buFont typeface="Wingdings 3" charset="2"/>
+        <a:buChar char=""/>
+        <a:defRPr sz="1400" kern="1200">
           <a:solidFill>
-            <a:schemeClr val="tx1"/>
+            <a:schemeClr val="tx1">
+              <a:lumMod val="75000"/>
+              <a:lumOff val="25000"/>
+            </a:schemeClr>
           </a:solidFill>
           <a:latin typeface="+mn-lt"/>
           <a:ea typeface="+mn-ea"/>
           <a:cs typeface="+mn-cs"/>
         </a:defRPr>
       </a:lvl3pPr>
-      <a:lvl4pPr marL="1600200" indent="-228600" algn="l" rtl="0" fontAlgn="base">
+      <a:lvl4pPr marL="1600200" indent="-228600" algn="l" defTabSz="457200" rtl="0" eaLnBrk="1" latinLnBrk="0" hangingPunct="1">
         <a:spcBef>
-          <a:spcPct val="20000"/>
+          <a:spcPts val="1000"/>
         </a:spcBef>
         <a:spcAft>
-          <a:spcPct val="0"/>
+          <a:spcPts val="0"/>
         </a:spcAft>
-        <a:buChar char="–"/>
-        <a:defRPr sz="2000" kern="1200">
+        <a:buClr>
+          <a:schemeClr val="accent1"/>
+        </a:buClr>
+        <a:buSzPct val="80000"/>
+        <a:buFont typeface="Wingdings 3" charset="2"/>
+        <a:buChar char=""/>
+        <a:defRPr sz="1200" kern="1200">
           <a:solidFill>
-            <a:schemeClr val="tx1"/>
+            <a:schemeClr val="tx1">
+              <a:lumMod val="75000"/>
+              <a:lumOff val="25000"/>
+            </a:schemeClr>
           </a:solidFill>
           <a:latin typeface="+mn-lt"/>
           <a:ea typeface="+mn-ea"/>
           <a:cs typeface="+mn-cs"/>
         </a:defRPr>
       </a:lvl4pPr>
-      <a:lvl5pPr marL="2057400" indent="-228600" algn="l" rtl="0" fontAlgn="base">
+      <a:lvl5pPr marL="2057400" indent="-228600" algn="l" defTabSz="457200" rtl="0" eaLnBrk="1" latinLnBrk="0" hangingPunct="1">
         <a:spcBef>
-          <a:spcPct val="20000"/>
+          <a:spcPts val="1000"/>
         </a:spcBef>
         <a:spcAft>
-          <a:spcPct val="0"/>
+          <a:spcPts val="0"/>
         </a:spcAft>
-        <a:buChar char="»"/>
-        <a:defRPr sz="2000" kern="1200">
+        <a:buClr>
+          <a:schemeClr val="accent1"/>
+        </a:buClr>
+        <a:buSzPct val="80000"/>
+        <a:buFont typeface="Wingdings 3" charset="2"/>
+        <a:buChar char=""/>
+        <a:defRPr sz="1200" kern="1200">
           <a:solidFill>
-            <a:schemeClr val="tx1"/>
+            <a:schemeClr val="tx1">
+              <a:lumMod val="75000"/>
+              <a:lumOff val="25000"/>
+            </a:schemeClr>
           </a:solidFill>
           <a:latin typeface="+mn-lt"/>
           <a:ea typeface="+mn-ea"/>
           <a:cs typeface="+mn-cs"/>
         </a:defRPr>
       </a:lvl5pPr>
-      <a:lvl6pPr marL="2514600" indent="-228600" algn="l" defTabSz="914400" rtl="0" eaLnBrk="1" latinLnBrk="0" hangingPunct="1">
-        <a:lnSpc>
-          <a:spcPct val="90000"/>
-        </a:lnSpc>
+      <a:lvl6pPr marL="2514600" indent="-228600" algn="l" defTabSz="457200" rtl="0" eaLnBrk="1" latinLnBrk="0" hangingPunct="1">
         <a:spcBef>
-          <a:spcPts val="500"/>
+          <a:spcPts val="1000"/>
         </a:spcBef>
-        <a:buFont typeface="Arial" panose="020B0604020202020204" pitchFamily="34" charset="0"/>
-        <a:buChar char="•"/>
-        <a:defRPr sz="1800" kern="1200">
+        <a:spcAft>
+          <a:spcPts val="0"/>
+        </a:spcAft>
+        <a:buClr>
+          <a:schemeClr val="accent1"/>
+        </a:buClr>
+        <a:buSzPct val="80000"/>
+        <a:buFont typeface="Wingdings 3" charset="2"/>
+        <a:buChar char=""/>
+        <a:defRPr sz="1200" kern="1200">
           <a:solidFill>
-            <a:schemeClr val="tx1"/>
+            <a:schemeClr val="tx1">
+              <a:lumMod val="75000"/>
+              <a:lumOff val="25000"/>
+            </a:schemeClr>
           </a:solidFill>
           <a:latin typeface="+mn-lt"/>
           <a:ea typeface="+mn-ea"/>
           <a:cs typeface="+mn-cs"/>
         </a:defRPr>
       </a:lvl6pPr>
-      <a:lvl7pPr marL="2971800" indent="-228600" algn="l" defTabSz="914400" rtl="0" eaLnBrk="1" latinLnBrk="0" hangingPunct="1">
-        <a:lnSpc>
-          <a:spcPct val="90000"/>
-        </a:lnSpc>
+      <a:lvl7pPr marL="2971800" indent="-228600" algn="l" defTabSz="457200" rtl="0" eaLnBrk="1" latinLnBrk="0" hangingPunct="1">
         <a:spcBef>
-          <a:spcPts val="500"/>
+          <a:spcPts val="1000"/>
         </a:spcBef>
-        <a:buFont typeface="Arial" panose="020B0604020202020204" pitchFamily="34" charset="0"/>
-        <a:buChar char="•"/>
-        <a:defRPr sz="1800" kern="1200">
+        <a:spcAft>
+          <a:spcPts val="0"/>
+        </a:spcAft>
+        <a:buClr>
+          <a:schemeClr val="accent1"/>
+        </a:buClr>
+        <a:buSzPct val="80000"/>
+        <a:buFont typeface="Wingdings 3" charset="2"/>
+        <a:buChar char=""/>
+        <a:defRPr sz="1200" kern="1200">
           <a:solidFill>
-            <a:schemeClr val="tx1"/>
+            <a:schemeClr val="tx1">
+              <a:lumMod val="75000"/>
+              <a:lumOff val="25000"/>
+            </a:schemeClr>
           </a:solidFill>
           <a:latin typeface="+mn-lt"/>
           <a:ea typeface="+mn-ea"/>
           <a:cs typeface="+mn-cs"/>
         </a:defRPr>
       </a:lvl7pPr>
-      <a:lvl8pPr marL="3429000" indent="-228600" algn="l" defTabSz="914400" rtl="0" eaLnBrk="1" latinLnBrk="0" hangingPunct="1">
-        <a:lnSpc>
-          <a:spcPct val="90000"/>
-        </a:lnSpc>
+      <a:lvl8pPr marL="3429000" indent="-228600" algn="l" defTabSz="457200" rtl="0" eaLnBrk="1" latinLnBrk="0" hangingPunct="1">
         <a:spcBef>
-          <a:spcPts val="500"/>
+          <a:spcPts val="1000"/>
         </a:spcBef>
-        <a:buFont typeface="Arial" panose="020B0604020202020204" pitchFamily="34" charset="0"/>
-        <a:buChar char="•"/>
-        <a:defRPr sz="1800" kern="1200">
+        <a:spcAft>
+          <a:spcPts val="0"/>
+        </a:spcAft>
+        <a:buClr>
+          <a:schemeClr val="accent1"/>
+        </a:buClr>
+        <a:buSzPct val="80000"/>
+        <a:buFont typeface="Wingdings 3" charset="2"/>
+        <a:buChar char=""/>
+        <a:defRPr sz="1200" kern="1200">
           <a:solidFill>
-            <a:schemeClr val="tx1"/>
+            <a:schemeClr val="tx1">
+              <a:lumMod val="75000"/>
+              <a:lumOff val="25000"/>
+            </a:schemeClr>
           </a:solidFill>
           <a:latin typeface="+mn-lt"/>
           <a:ea typeface="+mn-ea"/>
           <a:cs typeface="+mn-cs"/>
         </a:defRPr>
       </a:lvl8pPr>
-      <a:lvl9pPr marL="3886200" indent="-228600" algn="l" defTabSz="914400" rtl="0" eaLnBrk="1" latinLnBrk="0" hangingPunct="1">
-        <a:lnSpc>
-          <a:spcPct val="90000"/>
-        </a:lnSpc>
+      <a:lvl9pPr marL="3886200" indent="-228600" algn="l" defTabSz="457200" rtl="0" eaLnBrk="1" latinLnBrk="0" hangingPunct="1">
         <a:spcBef>
-          <a:spcPts val="500"/>
+          <a:spcPts val="1000"/>
         </a:spcBef>
-        <a:buFont typeface="Arial" panose="020B0604020202020204" pitchFamily="34" charset="0"/>
-        <a:buChar char="•"/>
-        <a:defRPr sz="1800" kern="1200">
+        <a:spcAft>
+          <a:spcPts val="0"/>
+        </a:spcAft>
+        <a:buClr>
+          <a:schemeClr val="accent1"/>
+        </a:buClr>
+        <a:buSzPct val="80000"/>
+        <a:buFont typeface="Wingdings 3" charset="2"/>
+        <a:buChar char=""/>
+        <a:defRPr sz="1200" kern="1200">
           <a:solidFill>
-            <a:schemeClr val="tx1"/>
+            <a:schemeClr val="tx1">
+              <a:lumMod val="75000"/>
+              <a:lumOff val="25000"/>
+            </a:schemeClr>
           </a:solidFill>
           <a:latin typeface="+mn-lt"/>
           <a:ea typeface="+mn-ea"/>
@@ -5639,7 +8244,7 @@
       <a:defPPr>
         <a:defRPr lang="en-US"/>
       </a:defPPr>
-      <a:lvl1pPr marL="0" algn="l" defTabSz="914400" rtl="0" eaLnBrk="1" latinLnBrk="0" hangingPunct="1">
+      <a:lvl1pPr marL="0" algn="l" defTabSz="457200" rtl="0" eaLnBrk="1" latinLnBrk="0" hangingPunct="1">
         <a:defRPr sz="1800" kern="1200">
           <a:solidFill>
             <a:schemeClr val="tx1"/>
@@ -5649,7 +8254,7 @@
           <a:cs typeface="+mn-cs"/>
         </a:defRPr>
       </a:lvl1pPr>
-      <a:lvl2pPr marL="457200" algn="l" defTabSz="914400" rtl="0" eaLnBrk="1" latinLnBrk="0" hangingPunct="1">
+      <a:lvl2pPr marL="457200" algn="l" defTabSz="457200" rtl="0" eaLnBrk="1" latinLnBrk="0" hangingPunct="1">
         <a:defRPr sz="1800" kern="1200">
           <a:solidFill>
             <a:schemeClr val="tx1"/>
@@ -5659,7 +8264,7 @@
           <a:cs typeface="+mn-cs"/>
         </a:defRPr>
       </a:lvl2pPr>
-      <a:lvl3pPr marL="914400" algn="l" defTabSz="914400" rtl="0" eaLnBrk="1" latinLnBrk="0" hangingPunct="1">
+      <a:lvl3pPr marL="914400" algn="l" defTabSz="457200" rtl="0" eaLnBrk="1" latinLnBrk="0" hangingPunct="1">
         <a:defRPr sz="1800" kern="1200">
           <a:solidFill>
             <a:schemeClr val="tx1"/>
@@ -5669,7 +8274,7 @@
           <a:cs typeface="+mn-cs"/>
         </a:defRPr>
       </a:lvl3pPr>
-      <a:lvl4pPr marL="1371600" algn="l" defTabSz="914400" rtl="0" eaLnBrk="1" latinLnBrk="0" hangingPunct="1">
+      <a:lvl4pPr marL="1371600" algn="l" defTabSz="457200" rtl="0" eaLnBrk="1" latinLnBrk="0" hangingPunct="1">
         <a:defRPr sz="1800" kern="1200">
           <a:solidFill>
             <a:schemeClr val="tx1"/>
@@ -5679,7 +8284,7 @@
           <a:cs typeface="+mn-cs"/>
         </a:defRPr>
       </a:lvl4pPr>
-      <a:lvl5pPr marL="1828800" algn="l" defTabSz="914400" rtl="0" eaLnBrk="1" latinLnBrk="0" hangingPunct="1">
+      <a:lvl5pPr marL="1828800" algn="l" defTabSz="457200" rtl="0" eaLnBrk="1" latinLnBrk="0" hangingPunct="1">
         <a:defRPr sz="1800" kern="1200">
           <a:solidFill>
             <a:schemeClr val="tx1"/>
@@ -5689,7 +8294,7 @@
           <a:cs typeface="+mn-cs"/>
         </a:defRPr>
       </a:lvl5pPr>
-      <a:lvl6pPr marL="2286000" algn="l" defTabSz="914400" rtl="0" eaLnBrk="1" latinLnBrk="0" hangingPunct="1">
+      <a:lvl6pPr marL="2286000" algn="l" defTabSz="457200" rtl="0" eaLnBrk="1" latinLnBrk="0" hangingPunct="1">
         <a:defRPr sz="1800" kern="1200">
           <a:solidFill>
             <a:schemeClr val="tx1"/>
@@ -5699,7 +8304,7 @@
           <a:cs typeface="+mn-cs"/>
         </a:defRPr>
       </a:lvl6pPr>
-      <a:lvl7pPr marL="2743200" algn="l" defTabSz="914400" rtl="0" eaLnBrk="1" latinLnBrk="0" hangingPunct="1">
+      <a:lvl7pPr marL="2743200" algn="l" defTabSz="457200" rtl="0" eaLnBrk="1" latinLnBrk="0" hangingPunct="1">
         <a:defRPr sz="1800" kern="1200">
           <a:solidFill>
             <a:schemeClr val="tx1"/>
@@ -5709,7 +8314,7 @@
           <a:cs typeface="+mn-cs"/>
         </a:defRPr>
       </a:lvl7pPr>
-      <a:lvl8pPr marL="3200400" algn="l" defTabSz="914400" rtl="0" eaLnBrk="1" latinLnBrk="0" hangingPunct="1">
+      <a:lvl8pPr marL="3200400" algn="l" defTabSz="457200" rtl="0" eaLnBrk="1" latinLnBrk="0" hangingPunct="1">
         <a:defRPr sz="1800" kern="1200">
           <a:solidFill>
             <a:schemeClr val="tx1"/>
@@ -5719,7 +8324,7 @@
           <a:cs typeface="+mn-cs"/>
         </a:defRPr>
       </a:lvl8pPr>
-      <a:lvl9pPr marL="3657600" algn="l" defTabSz="914400" rtl="0" eaLnBrk="1" latinLnBrk="0" hangingPunct="1">
+      <a:lvl9pPr marL="3657600" algn="l" defTabSz="457200" rtl="0" eaLnBrk="1" latinLnBrk="0" hangingPunct="1">
         <a:defRPr sz="1800" kern="1200">
           <a:solidFill>
             <a:schemeClr val="tx1"/>
@@ -5845,8 +8450,8 @@
         </p:nvSpPr>
         <p:spPr>
           <a:xfrm>
-            <a:off x="8005665" y="885470"/>
-            <a:ext cx="4142389" cy="1569660"/>
+            <a:off x="8117633" y="885470"/>
+            <a:ext cx="4030421" cy="1569660"/>
           </a:xfrm>
           <a:prstGeom prst="rect">
             <a:avLst/>
@@ -5941,7 +8546,7 @@
               <a:t>Bharati Vidyapeeth C</a:t>
             </a:r>
             <a:r>
-              <a:rPr lang="en-US" sz="2800" dirty="0" err="1">
+              <a:rPr lang="en-US" sz="2800" dirty="0">
                 <a:solidFill>
                   <a:srgbClr val="000000"/>
                 </a:solidFill>
@@ -6054,8 +8659,8 @@
         </p:nvSpPr>
         <p:spPr>
           <a:xfrm>
-            <a:off x="8117633" y="4774461"/>
-            <a:ext cx="4030421" cy="953135"/>
+            <a:off x="8181340" y="4774461"/>
+            <a:ext cx="3966714" cy="953135"/>
           </a:xfrm>
           <a:prstGeom prst="rect">
             <a:avLst/>
@@ -6073,7 +8678,7 @@
                   <a:srgbClr val="000000"/>
                 </a:solidFill>
               </a:rPr>
-              <a:t>Prof. </a:t>
+              <a:t>Prof.  </a:t>
             </a:r>
           </a:p>
           <a:p>
@@ -6233,7 +8838,7 @@
           </p:cNvPicPr>
           <p:nvPr/>
         </p:nvPicPr>
-        <p:blipFill>
+        <p:blipFill rotWithShape="1">
           <a:blip r:embed="rId4">
             <a:extLst>
               <a:ext uri="{28A0092B-C50C-407E-A947-70E740481C1C}">
@@ -6241,14 +8846,13 @@
               </a:ext>
             </a:extLst>
           </a:blip>
-          <a:stretch>
-            <a:fillRect/>
-          </a:stretch>
+          <a:srcRect t="15565"/>
+          <a:stretch/>
         </p:blipFill>
         <p:spPr>
           <a:xfrm>
-            <a:off x="0" y="1772265"/>
-            <a:ext cx="7719695" cy="3686143"/>
+            <a:off x="-34796" y="1830432"/>
+            <a:ext cx="7719695" cy="2944029"/>
           </a:xfrm>
           <a:prstGeom prst="rect">
             <a:avLst/>
@@ -7548,59 +10152,119 @@
 </file>
 
 <file path=ppt/theme/theme1.xml><?xml version="1.0" encoding="utf-8"?>
-<a:theme xmlns:a="http://schemas.openxmlformats.org/drawingml/2006/main" name="Business Cooperate">
+<a:theme xmlns:a="http://schemas.openxmlformats.org/drawingml/2006/main" name="Facet">
   <a:themeElements>
-    <a:clrScheme name="Business Cooperate 1">
+    <a:clrScheme name="Facet">
       <a:dk1>
-        <a:srgbClr val="000000"/>
+        <a:sysClr val="windowText" lastClr="000000"/>
       </a:dk1>
       <a:lt1>
-        <a:srgbClr val="FFFFFF"/>
+        <a:sysClr val="window" lastClr="FFFFFF"/>
       </a:lt1>
       <a:dk2>
-        <a:srgbClr val="000000"/>
+        <a:srgbClr val="2C3C43"/>
       </a:dk2>
       <a:lt2>
-        <a:srgbClr val="808080"/>
+        <a:srgbClr val="EBEBEB"/>
       </a:lt2>
       <a:accent1>
-        <a:srgbClr val="BBE0E3"/>
+        <a:srgbClr val="90C226"/>
       </a:accent1>
       <a:accent2>
-        <a:srgbClr val="333399"/>
+        <a:srgbClr val="54A021"/>
       </a:accent2>
       <a:accent3>
-        <a:srgbClr val="FFFFFF"/>
+        <a:srgbClr val="E6B91E"/>
       </a:accent3>
       <a:accent4>
-        <a:srgbClr val="000000"/>
+        <a:srgbClr val="E76618"/>
       </a:accent4>
       <a:accent5>
-        <a:srgbClr val="DAEDEF"/>
+        <a:srgbClr val="C42F1A"/>
       </a:accent5>
       <a:accent6>
-        <a:srgbClr val="2D2D8A"/>
+        <a:srgbClr val="918655"/>
       </a:accent6>
       <a:hlink>
-        <a:srgbClr val="009999"/>
+        <a:srgbClr val="99CA3C"/>
       </a:hlink>
       <a:folHlink>
-        <a:srgbClr val="99CC00"/>
+        <a:srgbClr val="B9D181"/>
       </a:folHlink>
     </a:clrScheme>
-    <a:fontScheme name="Business Cooperate">
+    <a:fontScheme name="Facet">
       <a:majorFont>
-        <a:latin typeface="Arial"/>
-        <a:ea typeface="SimSun"/>
+        <a:latin typeface="Trebuchet MS" panose="020B0603020202020204"/>
+        <a:ea typeface=""/>
         <a:cs typeface=""/>
+        <a:font script="Jpan" typeface="メイリオ"/>
+        <a:font script="Hang" typeface="맑은 고딕"/>
+        <a:font script="Hans" typeface="方正姚体"/>
+        <a:font script="Hant" typeface="微軟正黑體"/>
+        <a:font script="Arab" typeface="Tahoma"/>
+        <a:font script="Hebr" typeface="Arial"/>
+        <a:font script="Thai" typeface="Cordia New"/>
+        <a:font script="Ethi" typeface="Nyala"/>
+        <a:font script="Beng" typeface="Vrinda"/>
+        <a:font script="Gujr" typeface="Shruti"/>
+        <a:font script="Khmr" typeface="DaunPenh"/>
+        <a:font script="Knda" typeface="Tunga"/>
+        <a:font script="Guru" typeface="Raavi"/>
+        <a:font script="Cans" typeface="Euphemia"/>
+        <a:font script="Cher" typeface="Plantagenet Cherokee"/>
+        <a:font script="Yiii" typeface="Microsoft Yi Baiti"/>
+        <a:font script="Tibt" typeface="Microsoft Himalaya"/>
+        <a:font script="Thaa" typeface="MV Boli"/>
+        <a:font script="Deva" typeface="Mangal"/>
+        <a:font script="Telu" typeface="Gautami"/>
+        <a:font script="Taml" typeface="Latha"/>
+        <a:font script="Syrc" typeface="Estrangelo Edessa"/>
+        <a:font script="Orya" typeface="Kalinga"/>
+        <a:font script="Mlym" typeface="Kartika"/>
+        <a:font script="Laoo" typeface="DokChampa"/>
+        <a:font script="Sinh" typeface="Iskoola Pota"/>
+        <a:font script="Mong" typeface="Mongolian Baiti"/>
+        <a:font script="Viet" typeface="Tahoma"/>
+        <a:font script="Uigh" typeface="Microsoft Uighur"/>
+        <a:font script="Geor" typeface="Sylfaen"/>
       </a:majorFont>
       <a:minorFont>
-        <a:latin typeface="Arial"/>
-        <a:ea typeface="SimSun"/>
+        <a:latin typeface="Trebuchet MS" panose="020B0603020202020204"/>
+        <a:ea typeface=""/>
         <a:cs typeface=""/>
+        <a:font script="Jpan" typeface="メイリオ"/>
+        <a:font script="Hang" typeface="HY그래픽M"/>
+        <a:font script="Hans" typeface="华文新魏"/>
+        <a:font script="Hant" typeface="微軟正黑體"/>
+        <a:font script="Arab" typeface="Tahoma"/>
+        <a:font script="Hebr" typeface="Gisha"/>
+        <a:font script="Thai" typeface="IrisUPC"/>
+        <a:font script="Ethi" typeface="Nyala"/>
+        <a:font script="Beng" typeface="Vrinda"/>
+        <a:font script="Gujr" typeface="Shruti"/>
+        <a:font script="Khmr" typeface="DaunPenh"/>
+        <a:font script="Knda" typeface="Tunga"/>
+        <a:font script="Guru" typeface="Raavi"/>
+        <a:font script="Cans" typeface="Euphemia"/>
+        <a:font script="Cher" typeface="Plantagenet Cherokee"/>
+        <a:font script="Yiii" typeface="Microsoft Yi Baiti"/>
+        <a:font script="Tibt" typeface="Microsoft Himalaya"/>
+        <a:font script="Thaa" typeface="MV Boli"/>
+        <a:font script="Deva" typeface="Mangal"/>
+        <a:font script="Telu" typeface="Gautami"/>
+        <a:font script="Taml" typeface="Latha"/>
+        <a:font script="Syrc" typeface="Estrangelo Edessa"/>
+        <a:font script="Orya" typeface="Kalinga"/>
+        <a:font script="Mlym" typeface="Kartika"/>
+        <a:font script="Laoo" typeface="DokChampa"/>
+        <a:font script="Sinh" typeface="Iskoola Pota"/>
+        <a:font script="Mong" typeface="Mongolian Baiti"/>
+        <a:font script="Viet" typeface="Arial"/>
+        <a:font script="Uigh" typeface="Microsoft Uighur"/>
+        <a:font script="Geor" typeface="Sylfaen"/>
       </a:minorFont>
     </a:fontScheme>
-    <a:fmtScheme name="Office">
+    <a:fmtScheme name="Facet">
       <a:fillStyleLst>
         <a:solidFill>
           <a:schemeClr val="phClr"/>
@@ -7609,23 +10273,13 @@
           <a:gsLst>
             <a:gs pos="0">
               <a:schemeClr val="phClr">
+                <a:tint val="65000"/>
                 <a:lumMod val="110000"/>
-                <a:satMod val="105000"/>
-                <a:tint val="67000"/>
               </a:schemeClr>
             </a:gs>
-            <a:gs pos="50000">
+            <a:gs pos="88000">
               <a:schemeClr val="phClr">
-                <a:lumMod val="105000"/>
-                <a:satMod val="103000"/>
-                <a:tint val="73000"/>
-              </a:schemeClr>
-            </a:gs>
-            <a:gs pos="100000">
-              <a:schemeClr val="phClr">
-                <a:lumMod val="105000"/>
-                <a:satMod val="109000"/>
-                <a:tint val="81000"/>
+                <a:tint val="90000"/>
               </a:schemeClr>
             </a:gs>
           </a:gsLst>
@@ -7635,23 +10289,14 @@
           <a:gsLst>
             <a:gs pos="0">
               <a:schemeClr val="phClr">
-                <a:satMod val="103000"/>
-                <a:lumMod val="102000"/>
-                <a:tint val="94000"/>
+                <a:tint val="96000"/>
+                <a:lumMod val="100000"/>
               </a:schemeClr>
             </a:gs>
-            <a:gs pos="50000">
+            <a:gs pos="78000">
               <a:schemeClr val="phClr">
-                <a:satMod val="110000"/>
-                <a:lumMod val="100000"/>
-                <a:shade val="100000"/>
-              </a:schemeClr>
-            </a:gs>
-            <a:gs pos="100000">
-              <a:schemeClr val="phClr">
-                <a:lumMod val="99000"/>
-                <a:satMod val="120000"/>
-                <a:shade val="78000"/>
+                <a:shade val="94000"/>
+                <a:lumMod val="94000"/>
               </a:schemeClr>
             </a:gs>
           </a:gsLst>
@@ -7659,26 +10304,23 @@
         </a:gradFill>
       </a:fillStyleLst>
       <a:lnStyleLst>
-        <a:ln w="6350" cap="flat" cmpd="sng" algn="ctr">
+        <a:ln w="12700" cap="rnd" cmpd="sng" algn="ctr">
           <a:solidFill>
             <a:schemeClr val="phClr"/>
           </a:solidFill>
           <a:prstDash val="solid"/>
-          <a:miter lim="800000"/>
         </a:ln>
-        <a:ln w="12700" cap="flat" cmpd="sng" algn="ctr">
+        <a:ln w="19050" cap="rnd" cmpd="sng" algn="ctr">
           <a:solidFill>
             <a:schemeClr val="phClr"/>
           </a:solidFill>
           <a:prstDash val="solid"/>
-          <a:miter lim="800000"/>
         </a:ln>
-        <a:ln w="19050" cap="flat" cmpd="sng" algn="ctr">
+        <a:ln w="25400" cap="rnd" cmpd="sng" algn="ctr">
           <a:solidFill>
             <a:schemeClr val="phClr"/>
           </a:solidFill>
           <a:prstDash val="solid"/>
-          <a:miter lim="800000"/>
         </a:ln>
       </a:lnStyleLst>
       <a:effectStyleLst>
@@ -7686,687 +10328,81 @@
           <a:effectLst/>
         </a:effectStyle>
         <a:effectStyle>
-          <a:effectLst/>
+          <a:effectLst>
+            <a:outerShdw blurRad="38100" dist="25400" dir="5400000" rotWithShape="0">
+              <a:srgbClr val="000000">
+                <a:alpha val="35000"/>
+              </a:srgbClr>
+            </a:outerShdw>
+          </a:effectLst>
         </a:effectStyle>
         <a:effectStyle>
           <a:effectLst>
-            <a:outerShdw blurRad="57150" dist="19050" dir="5400000" algn="ctr" rotWithShape="0">
+            <a:outerShdw blurRad="50800" dist="38100" dir="5400000" rotWithShape="0">
               <a:srgbClr val="000000">
-                <a:alpha val="63000"/>
+                <a:alpha val="35000"/>
               </a:srgbClr>
             </a:outerShdw>
           </a:effectLst>
+          <a:scene3d>
+            <a:camera prst="orthographicFront">
+              <a:rot lat="0" lon="0" rev="0"/>
+            </a:camera>
+            <a:lightRig rig="threePt" dir="tl"/>
+          </a:scene3d>
+          <a:sp3d prstMaterial="plastic">
+            <a:bevelT w="0" h="0"/>
+          </a:sp3d>
         </a:effectStyle>
       </a:effectStyleLst>
       <a:bgFillStyleLst>
         <a:solidFill>
           <a:schemeClr val="phClr"/>
         </a:solidFill>
-        <a:solidFill>
-          <a:schemeClr val="phClr">
-            <a:tint val="95000"/>
-            <a:satMod val="170000"/>
-          </a:schemeClr>
-        </a:solidFill>
         <a:gradFill rotWithShape="1">
           <a:gsLst>
             <a:gs pos="0">
               <a:schemeClr val="phClr">
-                <a:tint val="93000"/>
-                <a:satMod val="150000"/>
-                <a:shade val="98000"/>
-                <a:lumMod val="102000"/>
+                <a:tint val="90000"/>
+                <a:lumMod val="104000"/>
               </a:schemeClr>
             </a:gs>
-            <a:gs pos="50000">
+            <a:gs pos="94000">
               <a:schemeClr val="phClr">
-                <a:tint val="98000"/>
-                <a:satMod val="130000"/>
-                <a:shade val="90000"/>
-                <a:lumMod val="103000"/>
-              </a:schemeClr>
-            </a:gs>
-            <a:gs pos="100000">
-              <a:schemeClr val="phClr">
-                <a:shade val="63000"/>
-                <a:satMod val="120000"/>
+                <a:shade val="96000"/>
+                <a:lumMod val="82000"/>
               </a:schemeClr>
             </a:gs>
           </a:gsLst>
           <a:lin ang="5400000" scaled="0"/>
         </a:gradFill>
+        <a:gradFill rotWithShape="1">
+          <a:gsLst>
+            <a:gs pos="0">
+              <a:schemeClr val="phClr">
+                <a:tint val="90000"/>
+                <a:lumMod val="110000"/>
+              </a:schemeClr>
+            </a:gs>
+            <a:gs pos="100000">
+              <a:schemeClr val="phClr">
+                <a:shade val="94000"/>
+                <a:lumMod val="96000"/>
+              </a:schemeClr>
+            </a:gs>
+          </a:gsLst>
+          <a:path path="circle">
+            <a:fillToRect l="50000" t="50000" r="100000" b="100000"/>
+          </a:path>
+        </a:gradFill>
       </a:bgFillStyleLst>
     </a:fmtScheme>
   </a:themeElements>
-  <a:objectDefaults>
-    <a:spDef>
-      <a:spPr bwMode="auto">
-        <a:xfrm>
-          <a:off x="0" y="0"/>
-          <a:ext cx="1" cy="1"/>
-        </a:xfrm>
-        <a:custGeom>
-          <a:avLst/>
-          <a:gdLst/>
-          <a:ahLst/>
-          <a:cxnLst/>
-          <a:rect l="0" t="0" r="0" b="0"/>
-          <a:pathLst/>
-        </a:custGeom>
-        <a:gradFill rotWithShape="0">
-          <a:gsLst>
-            <a:gs pos="0">
-              <a:schemeClr val="accent1"/>
-            </a:gs>
-            <a:gs pos="100000">
-              <a:schemeClr val="accent2"/>
-            </a:gs>
-          </a:gsLst>
-          <a:lin ang="5400000" scaled="1"/>
-        </a:gradFill>
-        <a:ln w="9525" cap="flat" cmpd="sng" algn="ctr">
-          <a:solidFill>
-            <a:schemeClr val="accent1"/>
-          </a:solidFill>
-          <a:prstDash val="solid"/>
-          <a:round/>
-          <a:headEnd type="none" w="med" len="med"/>
-          <a:tailEnd type="none" w="med" len="med"/>
-        </a:ln>
-      </a:spPr>
-      <a:bodyPr vert="horz" wrap="none" lIns="91440" tIns="45720" rIns="91440" bIns="45720" numCol="1" anchor="ctr" anchorCtr="0" compatLnSpc="1"/>
-      <a:lstStyle>
-        <a:defPPr marL="0" marR="0" indent="0" algn="l" defTabSz="914400" rtl="0" eaLnBrk="1" fontAlgn="base" latinLnBrk="0" hangingPunct="1">
-          <a:lnSpc>
-            <a:spcPct val="100000"/>
-          </a:lnSpc>
-          <a:spcBef>
-            <a:spcPct val="0"/>
-          </a:spcBef>
-          <a:spcAft>
-            <a:spcPct val="0"/>
-          </a:spcAft>
-          <a:buClrTx/>
-          <a:buSzTx/>
-          <a:buFontTx/>
-          <a:buNone/>
-          <a:defRPr kumimoji="0" lang="zh-CN" altLang="en-US" sz="1800" b="0" i="0" u="none" strike="noStrike" cap="none" normalizeH="0" baseline="0" smtClean="0">
-            <a:ln>
-              <a:noFill/>
-            </a:ln>
-            <a:solidFill>
-              <a:schemeClr val="tx1"/>
-            </a:solidFill>
-            <a:effectLst/>
-            <a:latin typeface="Arial" panose="020B0604020202020204" pitchFamily="34" charset="0"/>
-            <a:ea typeface="SimSun" panose="02010600030101010101" pitchFamily="2" charset="-122"/>
-          </a:defRPr>
-        </a:defPPr>
-      </a:lstStyle>
-    </a:spDef>
-    <a:lnDef>
-      <a:spPr bwMode="auto">
-        <a:xfrm>
-          <a:off x="0" y="0"/>
-          <a:ext cx="1" cy="1"/>
-        </a:xfrm>
-        <a:custGeom>
-          <a:avLst/>
-          <a:gdLst/>
-          <a:ahLst/>
-          <a:cxnLst/>
-          <a:rect l="0" t="0" r="0" b="0"/>
-          <a:pathLst/>
-        </a:custGeom>
-        <a:gradFill rotWithShape="0">
-          <a:gsLst>
-            <a:gs pos="0">
-              <a:schemeClr val="accent1"/>
-            </a:gs>
-            <a:gs pos="100000">
-              <a:schemeClr val="accent2"/>
-            </a:gs>
-          </a:gsLst>
-          <a:lin ang="5400000" scaled="1"/>
-        </a:gradFill>
-        <a:ln w="9525" cap="flat" cmpd="sng" algn="ctr">
-          <a:solidFill>
-            <a:schemeClr val="accent1"/>
-          </a:solidFill>
-          <a:prstDash val="solid"/>
-          <a:round/>
-          <a:headEnd type="none" w="med" len="med"/>
-          <a:tailEnd type="none" w="med" len="med"/>
-        </a:ln>
-      </a:spPr>
-      <a:bodyPr vert="horz" wrap="none" lIns="91440" tIns="45720" rIns="91440" bIns="45720" numCol="1" anchor="ctr" anchorCtr="0" compatLnSpc="1"/>
-      <a:lstStyle>
-        <a:defPPr marL="0" marR="0" indent="0" algn="l" defTabSz="914400" rtl="0" eaLnBrk="1" fontAlgn="base" latinLnBrk="0" hangingPunct="1">
-          <a:lnSpc>
-            <a:spcPct val="100000"/>
-          </a:lnSpc>
-          <a:spcBef>
-            <a:spcPct val="0"/>
-          </a:spcBef>
-          <a:spcAft>
-            <a:spcPct val="0"/>
-          </a:spcAft>
-          <a:buClrTx/>
-          <a:buSzTx/>
-          <a:buFontTx/>
-          <a:buNone/>
-          <a:defRPr kumimoji="0" lang="zh-CN" altLang="en-US" sz="1800" b="0" i="0" u="none" strike="noStrike" cap="none" normalizeH="0" baseline="0" smtClean="0">
-            <a:ln>
-              <a:noFill/>
-            </a:ln>
-            <a:solidFill>
-              <a:schemeClr val="tx1"/>
-            </a:solidFill>
-            <a:effectLst/>
-            <a:latin typeface="Arial" panose="020B0604020202020204" pitchFamily="34" charset="0"/>
-            <a:ea typeface="SimSun" panose="02010600030101010101" pitchFamily="2" charset="-122"/>
-          </a:defRPr>
-        </a:defPPr>
-      </a:lstStyle>
-    </a:lnDef>
-  </a:objectDefaults>
-  <a:extraClrSchemeLst>
-    <a:extraClrScheme>
-      <a:clrScheme name="Business Cooperate 1">
-        <a:dk1>
-          <a:srgbClr val="000000"/>
-        </a:dk1>
-        <a:lt1>
-          <a:srgbClr val="FFFFFF"/>
-        </a:lt1>
-        <a:dk2>
-          <a:srgbClr val="000000"/>
-        </a:dk2>
-        <a:lt2>
-          <a:srgbClr val="808080"/>
-        </a:lt2>
-        <a:accent1>
-          <a:srgbClr val="BBE0E3"/>
-        </a:accent1>
-        <a:accent2>
-          <a:srgbClr val="333399"/>
-        </a:accent2>
-        <a:accent3>
-          <a:srgbClr val="FFFFFF"/>
-        </a:accent3>
-        <a:accent4>
-          <a:srgbClr val="000000"/>
-        </a:accent4>
-        <a:accent5>
-          <a:srgbClr val="DAEDEF"/>
-        </a:accent5>
-        <a:accent6>
-          <a:srgbClr val="2D2D8A"/>
-        </a:accent6>
-        <a:hlink>
-          <a:srgbClr val="009999"/>
-        </a:hlink>
-        <a:folHlink>
-          <a:srgbClr val="99CC00"/>
-        </a:folHlink>
-      </a:clrScheme>
-      <a:clrMap bg1="lt1" tx1="dk1" bg2="lt2" tx2="dk2" accent1="accent1" accent2="accent2" accent3="accent3" accent4="accent4" accent5="accent5" accent6="accent6" hlink="hlink" folHlink="folHlink"/>
-    </a:extraClrScheme>
-    <a:extraClrScheme>
-      <a:clrScheme name="Business Cooperate 2">
-        <a:dk1>
-          <a:srgbClr val="000000"/>
-        </a:dk1>
-        <a:lt1>
-          <a:srgbClr val="FFFFFF"/>
-        </a:lt1>
-        <a:dk2>
-          <a:srgbClr val="000000"/>
-        </a:dk2>
-        <a:lt2>
-          <a:srgbClr val="969696"/>
-        </a:lt2>
-        <a:accent1>
-          <a:srgbClr val="FBDF53"/>
-        </a:accent1>
-        <a:accent2>
-          <a:srgbClr val="FF9966"/>
-        </a:accent2>
-        <a:accent3>
-          <a:srgbClr val="FFFFFF"/>
-        </a:accent3>
-        <a:accent4>
-          <a:srgbClr val="000000"/>
-        </a:accent4>
-        <a:accent5>
-          <a:srgbClr val="FDECB3"/>
-        </a:accent5>
-        <a:accent6>
-          <a:srgbClr val="E78A5C"/>
-        </a:accent6>
-        <a:hlink>
-          <a:srgbClr val="CC3300"/>
-        </a:hlink>
-        <a:folHlink>
-          <a:srgbClr val="996600"/>
-        </a:folHlink>
-      </a:clrScheme>
-      <a:clrMap bg1="lt1" tx1="dk1" bg2="lt2" tx2="dk2" accent1="accent1" accent2="accent2" accent3="accent3" accent4="accent4" accent5="accent5" accent6="accent6" hlink="hlink" folHlink="folHlink"/>
-    </a:extraClrScheme>
-    <a:extraClrScheme>
-      <a:clrScheme name="Business Cooperate 3">
-        <a:dk1>
-          <a:srgbClr val="000000"/>
-        </a:dk1>
-        <a:lt1>
-          <a:srgbClr val="FFFFFF"/>
-        </a:lt1>
-        <a:dk2>
-          <a:srgbClr val="000000"/>
-        </a:dk2>
-        <a:lt2>
-          <a:srgbClr val="808080"/>
-        </a:lt2>
-        <a:accent1>
-          <a:srgbClr val="99CCFF"/>
-        </a:accent1>
-        <a:accent2>
-          <a:srgbClr val="CCCCFF"/>
-        </a:accent2>
-        <a:accent3>
-          <a:srgbClr val="FFFFFF"/>
-        </a:accent3>
-        <a:accent4>
-          <a:srgbClr val="000000"/>
-        </a:accent4>
-        <a:accent5>
-          <a:srgbClr val="CAE2FF"/>
-        </a:accent5>
-        <a:accent6>
-          <a:srgbClr val="B9B9E7"/>
-        </a:accent6>
-        <a:hlink>
-          <a:srgbClr val="3333CC"/>
-        </a:hlink>
-        <a:folHlink>
-          <a:srgbClr val="AF67FF"/>
-        </a:folHlink>
-      </a:clrScheme>
-      <a:clrMap bg1="lt1" tx1="dk1" bg2="lt2" tx2="dk2" accent1="accent1" accent2="accent2" accent3="accent3" accent4="accent4" accent5="accent5" accent6="accent6" hlink="hlink" folHlink="folHlink"/>
-    </a:extraClrScheme>
-    <a:extraClrScheme>
-      <a:clrScheme name="Business Cooperate 4">
-        <a:dk1>
-          <a:srgbClr val="000000"/>
-        </a:dk1>
-        <a:lt1>
-          <a:srgbClr val="DEF6F1"/>
-        </a:lt1>
-        <a:dk2>
-          <a:srgbClr val="000000"/>
-        </a:dk2>
-        <a:lt2>
-          <a:srgbClr val="969696"/>
-        </a:lt2>
-        <a:accent1>
-          <a:srgbClr val="FFFFFF"/>
-        </a:accent1>
-        <a:accent2>
-          <a:srgbClr val="8DC6FF"/>
-        </a:accent2>
-        <a:accent3>
-          <a:srgbClr val="ECFAF7"/>
-        </a:accent3>
-        <a:accent4>
-          <a:srgbClr val="000000"/>
-        </a:accent4>
-        <a:accent5>
-          <a:srgbClr val="FFFFFF"/>
-        </a:accent5>
-        <a:accent6>
-          <a:srgbClr val="7FB3E7"/>
-        </a:accent6>
-        <a:hlink>
-          <a:srgbClr val="0066CC"/>
-        </a:hlink>
-        <a:folHlink>
-          <a:srgbClr val="00A800"/>
-        </a:folHlink>
-      </a:clrScheme>
-      <a:clrMap bg1="lt1" tx1="dk1" bg2="lt2" tx2="dk2" accent1="accent1" accent2="accent2" accent3="accent3" accent4="accent4" accent5="accent5" accent6="accent6" hlink="hlink" folHlink="folHlink"/>
-    </a:extraClrScheme>
-    <a:extraClrScheme>
-      <a:clrScheme name="Business Cooperate 5">
-        <a:dk1>
-          <a:srgbClr val="000000"/>
-        </a:dk1>
-        <a:lt1>
-          <a:srgbClr val="FFFFD9"/>
-        </a:lt1>
-        <a:dk2>
-          <a:srgbClr val="000000"/>
-        </a:dk2>
-        <a:lt2>
-          <a:srgbClr val="777777"/>
-        </a:lt2>
-        <a:accent1>
-          <a:srgbClr val="FFFFF7"/>
-        </a:accent1>
-        <a:accent2>
-          <a:srgbClr val="33CCCC"/>
-        </a:accent2>
-        <a:accent3>
-          <a:srgbClr val="FFFFE9"/>
-        </a:accent3>
-        <a:accent4>
-          <a:srgbClr val="000000"/>
-        </a:accent4>
-        <a:accent5>
-          <a:srgbClr val="FFFFFA"/>
-        </a:accent5>
-        <a:accent6>
-          <a:srgbClr val="2DB9B9"/>
-        </a:accent6>
-        <a:hlink>
-          <a:srgbClr val="FF5050"/>
-        </a:hlink>
-        <a:folHlink>
-          <a:srgbClr val="FF9900"/>
-        </a:folHlink>
-      </a:clrScheme>
-      <a:clrMap bg1="lt1" tx1="dk1" bg2="lt2" tx2="dk2" accent1="accent1" accent2="accent2" accent3="accent3" accent4="accent4" accent5="accent5" accent6="accent6" hlink="hlink" folHlink="folHlink"/>
-    </a:extraClrScheme>
-    <a:extraClrScheme>
-      <a:clrScheme name="Business Cooperate 6">
-        <a:dk1>
-          <a:srgbClr val="005A58"/>
-        </a:dk1>
-        <a:lt1>
-          <a:srgbClr val="FFFFFF"/>
-        </a:lt1>
-        <a:dk2>
-          <a:srgbClr val="008080"/>
-        </a:dk2>
-        <a:lt2>
-          <a:srgbClr val="FFFF99"/>
-        </a:lt2>
-        <a:accent1>
-          <a:srgbClr val="006462"/>
-        </a:accent1>
-        <a:accent2>
-          <a:srgbClr val="6D6FC7"/>
-        </a:accent2>
-        <a:accent3>
-          <a:srgbClr val="AAC0C0"/>
-        </a:accent3>
-        <a:accent4>
-          <a:srgbClr val="DADADA"/>
-        </a:accent4>
-        <a:accent5>
-          <a:srgbClr val="AAB8B7"/>
-        </a:accent5>
-        <a:accent6>
-          <a:srgbClr val="6264B4"/>
-        </a:accent6>
-        <a:hlink>
-          <a:srgbClr val="00FFFF"/>
-        </a:hlink>
-        <a:folHlink>
-          <a:srgbClr val="00FF00"/>
-        </a:folHlink>
-      </a:clrScheme>
-      <a:clrMap bg1="dk2" tx1="lt1" bg2="dk1" tx2="lt2" accent1="accent1" accent2="accent2" accent3="accent3" accent4="accent4" accent5="accent5" accent6="accent6" hlink="hlink" folHlink="folHlink"/>
-    </a:extraClrScheme>
-    <a:extraClrScheme>
-      <a:clrScheme name="Business Cooperate 7">
-        <a:dk1>
-          <a:srgbClr val="5C1F00"/>
-        </a:dk1>
-        <a:lt1>
-          <a:srgbClr val="FFFFFF"/>
-        </a:lt1>
-        <a:dk2>
-          <a:srgbClr val="800000"/>
-        </a:dk2>
-        <a:lt2>
-          <a:srgbClr val="DFD293"/>
-        </a:lt2>
-        <a:accent1>
-          <a:srgbClr val="CC3300"/>
-        </a:accent1>
-        <a:accent2>
-          <a:srgbClr val="BE7960"/>
-        </a:accent2>
-        <a:accent3>
-          <a:srgbClr val="C0AAAA"/>
-        </a:accent3>
-        <a:accent4>
-          <a:srgbClr val="DADADA"/>
-        </a:accent4>
-        <a:accent5>
-          <a:srgbClr val="E2ADAA"/>
-        </a:accent5>
-        <a:accent6>
-          <a:srgbClr val="AC6D56"/>
-        </a:accent6>
-        <a:hlink>
-          <a:srgbClr val="FFFF99"/>
-        </a:hlink>
-        <a:folHlink>
-          <a:srgbClr val="D3A219"/>
-        </a:folHlink>
-      </a:clrScheme>
-      <a:clrMap bg1="dk2" tx1="lt1" bg2="dk1" tx2="lt2" accent1="accent1" accent2="accent2" accent3="accent3" accent4="accent4" accent5="accent5" accent6="accent6" hlink="hlink" folHlink="folHlink"/>
-    </a:extraClrScheme>
-    <a:extraClrScheme>
-      <a:clrScheme name="Business Cooperate 8">
-        <a:dk1>
-          <a:srgbClr val="003366"/>
-        </a:dk1>
-        <a:lt1>
-          <a:srgbClr val="FFFFFF"/>
-        </a:lt1>
-        <a:dk2>
-          <a:srgbClr val="000099"/>
-        </a:dk2>
-        <a:lt2>
-          <a:srgbClr val="CCFFFF"/>
-        </a:lt2>
-        <a:accent1>
-          <a:srgbClr val="3366CC"/>
-        </a:accent1>
-        <a:accent2>
-          <a:srgbClr val="00B000"/>
-        </a:accent2>
-        <a:accent3>
-          <a:srgbClr val="AAAACA"/>
-        </a:accent3>
-        <a:accent4>
-          <a:srgbClr val="DADADA"/>
-        </a:accent4>
-        <a:accent5>
-          <a:srgbClr val="ADB8E2"/>
-        </a:accent5>
-        <a:accent6>
-          <a:srgbClr val="009F00"/>
-        </a:accent6>
-        <a:hlink>
-          <a:srgbClr val="66CCFF"/>
-        </a:hlink>
-        <a:folHlink>
-          <a:srgbClr val="FFE701"/>
-        </a:folHlink>
-      </a:clrScheme>
-      <a:clrMap bg1="dk2" tx1="lt1" bg2="dk1" tx2="lt2" accent1="accent1" accent2="accent2" accent3="accent3" accent4="accent4" accent5="accent5" accent6="accent6" hlink="hlink" folHlink="folHlink"/>
-    </a:extraClrScheme>
-    <a:extraClrScheme>
-      <a:clrScheme name="Business Cooperate 9">
-        <a:dk1>
-          <a:srgbClr val="336699"/>
-        </a:dk1>
-        <a:lt1>
-          <a:srgbClr val="FFFFFF"/>
-        </a:lt1>
-        <a:dk2>
-          <a:srgbClr val="000000"/>
-        </a:dk2>
-        <a:lt2>
-          <a:srgbClr val="E3EBF1"/>
-        </a:lt2>
-        <a:accent1>
-          <a:srgbClr val="003399"/>
-        </a:accent1>
-        <a:accent2>
-          <a:srgbClr val="468A4B"/>
-        </a:accent2>
-        <a:accent3>
-          <a:srgbClr val="AAAAAA"/>
-        </a:accent3>
-        <a:accent4>
-          <a:srgbClr val="DADADA"/>
-        </a:accent4>
-        <a:accent5>
-          <a:srgbClr val="AAADCA"/>
-        </a:accent5>
-        <a:accent6>
-          <a:srgbClr val="3F7D43"/>
-        </a:accent6>
-        <a:hlink>
-          <a:srgbClr val="66CCFF"/>
-        </a:hlink>
-        <a:folHlink>
-          <a:srgbClr val="F0E500"/>
-        </a:folHlink>
-      </a:clrScheme>
-      <a:clrMap bg1="dk2" tx1="lt1" bg2="dk1" tx2="lt2" accent1="accent1" accent2="accent2" accent3="accent3" accent4="accent4" accent5="accent5" accent6="accent6" hlink="hlink" folHlink="folHlink"/>
-    </a:extraClrScheme>
-    <a:extraClrScheme>
-      <a:clrScheme name="Business Cooperate 10">
-        <a:dk1>
-          <a:srgbClr val="777777"/>
-        </a:dk1>
-        <a:lt1>
-          <a:srgbClr val="FFFFFF"/>
-        </a:lt1>
-        <a:dk2>
-          <a:srgbClr val="686B5D"/>
-        </a:dk2>
-        <a:lt2>
-          <a:srgbClr val="D1D1CB"/>
-        </a:lt2>
-        <a:accent1>
-          <a:srgbClr val="909082"/>
-        </a:accent1>
-        <a:accent2>
-          <a:srgbClr val="809EA8"/>
-        </a:accent2>
-        <a:accent3>
-          <a:srgbClr val="B9BAB6"/>
-        </a:accent3>
-        <a:accent4>
-          <a:srgbClr val="DADADA"/>
-        </a:accent4>
-        <a:accent5>
-          <a:srgbClr val="C6C6C1"/>
-        </a:accent5>
-        <a:accent6>
-          <a:srgbClr val="738F98"/>
-        </a:accent6>
-        <a:hlink>
-          <a:srgbClr val="FFCC66"/>
-        </a:hlink>
-        <a:folHlink>
-          <a:srgbClr val="E9DCB9"/>
-        </a:folHlink>
-      </a:clrScheme>
-      <a:clrMap bg1="dk2" tx1="lt1" bg2="dk1" tx2="lt2" accent1="accent1" accent2="accent2" accent3="accent3" accent4="accent4" accent5="accent5" accent6="accent6" hlink="hlink" folHlink="folHlink"/>
-    </a:extraClrScheme>
-    <a:extraClrScheme>
-      <a:clrScheme name="Business Cooperate 11">
-        <a:dk1>
-          <a:srgbClr val="3E3E5C"/>
-        </a:dk1>
-        <a:lt1>
-          <a:srgbClr val="FFFFFF"/>
-        </a:lt1>
-        <a:dk2>
-          <a:srgbClr val="666699"/>
-        </a:dk2>
-        <a:lt2>
-          <a:srgbClr val="FFFFFF"/>
-        </a:lt2>
-        <a:accent1>
-          <a:srgbClr val="60597B"/>
-        </a:accent1>
-        <a:accent2>
-          <a:srgbClr val="6666FF"/>
-        </a:accent2>
-        <a:accent3>
-          <a:srgbClr val="B8B8CA"/>
-        </a:accent3>
-        <a:accent4>
-          <a:srgbClr val="DADADA"/>
-        </a:accent4>
-        <a:accent5>
-          <a:srgbClr val="B6B5BF"/>
-        </a:accent5>
-        <a:accent6>
-          <a:srgbClr val="5C5CE7"/>
-        </a:accent6>
-        <a:hlink>
-          <a:srgbClr val="99CCFF"/>
-        </a:hlink>
-        <a:folHlink>
-          <a:srgbClr val="FFFF99"/>
-        </a:folHlink>
-      </a:clrScheme>
-      <a:clrMap bg1="dk2" tx1="lt1" bg2="dk1" tx2="lt2" accent1="accent1" accent2="accent2" accent3="accent3" accent4="accent4" accent5="accent5" accent6="accent6" hlink="hlink" folHlink="folHlink"/>
-    </a:extraClrScheme>
-    <a:extraClrScheme>
-      <a:clrScheme name="Business Cooperate 12">
-        <a:dk1>
-          <a:srgbClr val="2D2015"/>
-        </a:dk1>
-        <a:lt1>
-          <a:srgbClr val="FFFFFF"/>
-        </a:lt1>
-        <a:dk2>
-          <a:srgbClr val="523E26"/>
-        </a:dk2>
-        <a:lt2>
-          <a:srgbClr val="DFC08D"/>
-        </a:lt2>
-        <a:accent1>
-          <a:srgbClr val="8C7B70"/>
-        </a:accent1>
-        <a:accent2>
-          <a:srgbClr val="8F5F2F"/>
-        </a:accent2>
-        <a:accent3>
-          <a:srgbClr val="B3AFAC"/>
-        </a:accent3>
-        <a:accent4>
-          <a:srgbClr val="DADADA"/>
-        </a:accent4>
-        <a:accent5>
-          <a:srgbClr val="C5BFBB"/>
-        </a:accent5>
-        <a:accent6>
-          <a:srgbClr val="81552A"/>
-        </a:accent6>
-        <a:hlink>
-          <a:srgbClr val="CCB400"/>
-        </a:hlink>
-        <a:folHlink>
-          <a:srgbClr val="8C9EA0"/>
-        </a:folHlink>
-      </a:clrScheme>
-      <a:clrMap bg1="dk2" tx1="lt1" bg2="dk1" tx2="lt2" accent1="accent1" accent2="accent2" accent3="accent3" accent4="accent4" accent5="accent5" accent6="accent6" hlink="hlink" folHlink="folHlink"/>
-    </a:extraClrScheme>
-  </a:extraClrSchemeLst>
+  <a:objectDefaults/>
+  <a:extraClrSchemeLst/>
   <a:extLst>
     <a:ext uri="{05A4C25C-085E-4340-85A3-A5531E510DB2}">
-      <thm15:themeFamily xmlns:thm15="http://schemas.microsoft.com/office/thememl/2012/main" name="Office Theme" id="{62F939B6-93AF-4DB8-9C6B-D6C7DFDC589F}" vid="{4A3C46E8-61CC-4603-A589-7422A47A8E4A}"/>
+      <thm15:themeFamily xmlns:thm15="http://schemas.microsoft.com/office/thememl/2012/main" name="Facet" id="{C0C680CD-088A-49FC-A102-D699147F32B2}" vid="{CFBC31BA-B70F-4F30-BCAA-4F3011E16C4D}"/>
     </a:ext>
   </a:extLst>
 </a:theme>
